--- a/Shared/[패스트캠퍼스] 2강의자료_김경원박사.pptx
+++ b/Shared/[패스트캠퍼스] 2강의자료_김경원박사.pptx
@@ -5,55 +5,39 @@
     <p:sldMasterId id="2147483648" r:id="rId1"/>
   </p:sldMasterIdLst>
   <p:notesMasterIdLst>
-    <p:notesMasterId r:id="rId37"/>
+    <p:notesMasterId r:id="rId21"/>
   </p:notesMasterIdLst>
   <p:handoutMasterIdLst>
-    <p:handoutMasterId r:id="rId38"/>
+    <p:handoutMasterId r:id="rId22"/>
   </p:handoutMasterIdLst>
   <p:sldIdLst>
     <p:sldId id="1063" r:id="rId2"/>
-    <p:sldId id="1064" r:id="rId3"/>
+    <p:sldId id="1066" r:id="rId3"/>
     <p:sldId id="1072" r:id="rId4"/>
-    <p:sldId id="1066" r:id="rId5"/>
-    <p:sldId id="1073" r:id="rId6"/>
-    <p:sldId id="1067" r:id="rId7"/>
-    <p:sldId id="1074" r:id="rId8"/>
-    <p:sldId id="1075" r:id="rId9"/>
-    <p:sldId id="1076" r:id="rId10"/>
-    <p:sldId id="1077" r:id="rId11"/>
-    <p:sldId id="1078" r:id="rId12"/>
-    <p:sldId id="1079" r:id="rId13"/>
-    <p:sldId id="1080" r:id="rId14"/>
-    <p:sldId id="1081" r:id="rId15"/>
-    <p:sldId id="1082" r:id="rId16"/>
-    <p:sldId id="1084" r:id="rId17"/>
-    <p:sldId id="1085" r:id="rId18"/>
-    <p:sldId id="1086" r:id="rId19"/>
-    <p:sldId id="1088" r:id="rId20"/>
-    <p:sldId id="1089" r:id="rId21"/>
-    <p:sldId id="1087" r:id="rId22"/>
-    <p:sldId id="1090" r:id="rId23"/>
-    <p:sldId id="1091" r:id="rId24"/>
-    <p:sldId id="1101" r:id="rId25"/>
-    <p:sldId id="1092" r:id="rId26"/>
-    <p:sldId id="1102" r:id="rId27"/>
-    <p:sldId id="1093" r:id="rId28"/>
-    <p:sldId id="1094" r:id="rId29"/>
-    <p:sldId id="1095" r:id="rId30"/>
-    <p:sldId id="1096" r:id="rId31"/>
-    <p:sldId id="1097" r:id="rId32"/>
-    <p:sldId id="1098" r:id="rId33"/>
-    <p:sldId id="1099" r:id="rId34"/>
-    <p:sldId id="1100" r:id="rId35"/>
-    <p:sldId id="1062" r:id="rId36"/>
+    <p:sldId id="1067" r:id="rId5"/>
+    <p:sldId id="1074" r:id="rId6"/>
+    <p:sldId id="1075" r:id="rId7"/>
+    <p:sldId id="1076" r:id="rId8"/>
+    <p:sldId id="1077" r:id="rId9"/>
+    <p:sldId id="1078" r:id="rId10"/>
+    <p:sldId id="1079" r:id="rId11"/>
+    <p:sldId id="1080" r:id="rId12"/>
+    <p:sldId id="1081" r:id="rId13"/>
+    <p:sldId id="1082" r:id="rId14"/>
+    <p:sldId id="1084" r:id="rId15"/>
+    <p:sldId id="1085" r:id="rId16"/>
+    <p:sldId id="1086" r:id="rId17"/>
+    <p:sldId id="1088" r:id="rId18"/>
+    <p:sldId id="1089" r:id="rId19"/>
+    <p:sldId id="1062" r:id="rId20"/>
   </p:sldIdLst>
   <p:sldSz cx="12160250" cy="6840538"/>
   <p:notesSz cx="9874250" cy="6797675"/>
   <p:embeddedFontLst>
     <p:embeddedFont>
       <p:font typeface="맑은 고딕" panose="020B0503020000020004" pitchFamily="50" charset="-127"/>
-      <p:regular r:id="rId39"/>
-      <p:bold r:id="rId40"/>
+      <p:regular r:id="rId23"/>
+      <p:bold r:id="rId24"/>
     </p:embeddedFont>
   </p:embeddedFontLst>
   <p:defaultTextStyle>
@@ -266,7 +250,7 @@
           <a:p>
             <a:fld id="{FC718EE8-BF93-4A17-BED5-FC99EECA5FC7}" type="datetimeFigureOut">
               <a:rPr lang="ko-KR" altLang="en-US" smtClean="0"/>
-              <a:t>2019-03-01</a:t>
+              <a:t>2019-07-15</a:t>
             </a:fld>
             <a:endParaRPr lang="ko-KR" altLang="en-US"/>
           </a:p>
@@ -431,7 +415,7 @@
           <a:p>
             <a:fld id="{6101F873-BA02-446B-9127-C4DE4310B943}" type="datetimeFigureOut">
               <a:rPr lang="ko-KR" altLang="en-US" smtClean="0"/>
-              <a:t>2019-03-01</a:t>
+              <a:t>2019-07-15</a:t>
             </a:fld>
             <a:endParaRPr lang="ko-KR" altLang="en-US"/>
           </a:p>
@@ -763,7 +747,7 @@
           <a:p>
             <a:fld id="{C191BC67-C438-4515-9D3F-F10D40F1354A}" type="slidenum">
               <a:rPr lang="ko-KR" altLang="en-US" smtClean="0"/>
-              <a:t>4</a:t>
+              <a:t>2</a:t>
             </a:fld>
             <a:endParaRPr lang="ko-KR" altLang="en-US"/>
           </a:p>
@@ -773,90 +757,6 @@
     <p:extLst>
       <p:ext uri="{BB962C8B-B14F-4D97-AF65-F5344CB8AC3E}">
         <p14:creationId xmlns:p14="http://schemas.microsoft.com/office/powerpoint/2010/main" val="1781229904"/>
-      </p:ext>
-    </p:extLst>
-  </p:cSld>
-  <p:clrMapOvr>
-    <a:masterClrMapping/>
-  </p:clrMapOvr>
-</p:notes>
-</file>
-
-<file path=ppt/notesSlides/notesSlide2.xml><?xml version="1.0" encoding="utf-8"?>
-<p:notes xmlns:a="http://schemas.openxmlformats.org/drawingml/2006/main" xmlns:r="http://schemas.openxmlformats.org/officeDocument/2006/relationships" xmlns:p="http://schemas.openxmlformats.org/presentationml/2006/main">
-  <p:cSld>
-    <p:spTree>
-      <p:nvGrpSpPr>
-        <p:cNvPr id="1" name=""/>
-        <p:cNvGrpSpPr/>
-        <p:nvPr/>
-      </p:nvGrpSpPr>
-      <p:grpSpPr>
-        <a:xfrm>
-          <a:off x="0" y="0"/>
-          <a:ext cx="0" cy="0"/>
-          <a:chOff x="0" y="0"/>
-          <a:chExt cx="0" cy="0"/>
-        </a:xfrm>
-      </p:grpSpPr>
-      <p:sp>
-        <p:nvSpPr>
-          <p:cNvPr id="2" name="슬라이드 이미지 개체 틀 1"/>
-          <p:cNvSpPr>
-            <a:spLocks noGrp="1" noRot="1" noChangeAspect="1"/>
-          </p:cNvSpPr>
-          <p:nvPr>
-            <p:ph type="sldImg"/>
-          </p:nvPr>
-        </p:nvSpPr>
-        <p:spPr/>
-      </p:sp>
-      <p:sp>
-        <p:nvSpPr>
-          <p:cNvPr id="3" name="슬라이드 노트 개체 틀 2"/>
-          <p:cNvSpPr>
-            <a:spLocks noGrp="1"/>
-          </p:cNvSpPr>
-          <p:nvPr>
-            <p:ph type="body" idx="1"/>
-          </p:nvPr>
-        </p:nvSpPr>
-        <p:spPr/>
-        <p:txBody>
-          <a:bodyPr/>
-          <a:lstStyle/>
-          <a:p>
-            <a:endParaRPr lang="ko-KR" altLang="en-US" dirty="0"/>
-          </a:p>
-        </p:txBody>
-      </p:sp>
-      <p:sp>
-        <p:nvSpPr>
-          <p:cNvPr id="4" name="슬라이드 번호 개체 틀 3"/>
-          <p:cNvSpPr>
-            <a:spLocks noGrp="1"/>
-          </p:cNvSpPr>
-          <p:nvPr>
-            <p:ph type="sldNum" sz="quarter" idx="10"/>
-          </p:nvPr>
-        </p:nvSpPr>
-        <p:spPr/>
-        <p:txBody>
-          <a:bodyPr/>
-          <a:lstStyle/>
-          <a:p>
-            <a:fld id="{C191BC67-C438-4515-9D3F-F10D40F1354A}" type="slidenum">
-              <a:rPr lang="ko-KR" altLang="en-US" smtClean="0"/>
-              <a:t>5</a:t>
-            </a:fld>
-            <a:endParaRPr lang="ko-KR" altLang="en-US"/>
-          </a:p>
-        </p:txBody>
-      </p:sp>
-    </p:spTree>
-    <p:extLst>
-      <p:ext uri="{BB962C8B-B14F-4D97-AF65-F5344CB8AC3E}">
-        <p14:creationId xmlns:p14="http://schemas.microsoft.com/office/powerpoint/2010/main" val="2395809730"/>
       </p:ext>
     </p:extLst>
   </p:cSld>
@@ -1045,7 +945,7 @@
           <a:p>
             <a:fld id="{89B5E594-86C5-4F1D-8812-38DF40064943}" type="datetime1">
               <a:rPr lang="ko-KR" altLang="en-US" smtClean="0"/>
-              <a:t>2019-03-01</a:t>
+              <a:t>2019-07-15</a:t>
             </a:fld>
             <a:endParaRPr lang="ko-KR" altLang="en-US"/>
           </a:p>
@@ -1253,7 +1153,7 @@
           <a:p>
             <a:fld id="{05C0B17C-522D-4CD8-8139-01EDEBAB2AF6}" type="datetime1">
               <a:rPr lang="ko-KR" altLang="en-US" smtClean="0"/>
-              <a:t>2019-03-01</a:t>
+              <a:t>2019-07-15</a:t>
             </a:fld>
             <a:endParaRPr lang="ko-KR" altLang="en-US"/>
           </a:p>
@@ -1431,7 +1331,7 @@
           <a:p>
             <a:fld id="{7345261C-38F3-40E7-AAA6-CE27B727AA65}" type="datetime1">
               <a:rPr lang="ko-KR" altLang="en-US" smtClean="0"/>
-              <a:t>2019-03-01</a:t>
+              <a:t>2019-07-15</a:t>
             </a:fld>
             <a:endParaRPr lang="ko-KR" altLang="en-US"/>
           </a:p>
@@ -1599,7 +1499,7 @@
           <a:p>
             <a:fld id="{A8472951-AD8C-47B8-8787-30E2F4BFA1EA}" type="datetime1">
               <a:rPr lang="ko-KR" altLang="en-US" smtClean="0"/>
-              <a:t>2019-03-01</a:t>
+              <a:t>2019-07-15</a:t>
             </a:fld>
             <a:endParaRPr lang="ko-KR" altLang="en-US"/>
           </a:p>
@@ -1854,7 +1754,7 @@
           <a:p>
             <a:fld id="{8BCB1BBF-13D1-46E6-8B8B-C9F26A0BAD91}" type="datetime1">
               <a:rPr lang="ko-KR" altLang="en-US" smtClean="0"/>
-              <a:t>2019-03-01</a:t>
+              <a:t>2019-07-15</a:t>
             </a:fld>
             <a:endParaRPr lang="ko-KR" altLang="en-US"/>
           </a:p>
@@ -2139,7 +2039,7 @@
           <a:p>
             <a:fld id="{B16FDC3D-FD6A-49DF-B101-11717D57279F}" type="datetime1">
               <a:rPr lang="ko-KR" altLang="en-US" smtClean="0"/>
-              <a:t>2019-03-01</a:t>
+              <a:t>2019-07-15</a:t>
             </a:fld>
             <a:endParaRPr lang="ko-KR" altLang="en-US"/>
           </a:p>
@@ -2558,7 +2458,7 @@
           <a:p>
             <a:fld id="{42D411A2-FD90-4A19-98A8-25197A66BC26}" type="datetime1">
               <a:rPr lang="ko-KR" altLang="en-US" smtClean="0"/>
-              <a:t>2019-03-01</a:t>
+              <a:t>2019-07-15</a:t>
             </a:fld>
             <a:endParaRPr lang="ko-KR" altLang="en-US"/>
           </a:p>
@@ -2675,7 +2575,7 @@
           <a:p>
             <a:fld id="{F6E6B532-6471-449A-9A2F-4428556C2F98}" type="datetime1">
               <a:rPr lang="ko-KR" altLang="en-US" smtClean="0"/>
-              <a:t>2019-03-01</a:t>
+              <a:t>2019-07-15</a:t>
             </a:fld>
             <a:endParaRPr lang="ko-KR" altLang="en-US"/>
           </a:p>
@@ -2770,7 +2670,7 @@
           <a:p>
             <a:fld id="{45A9E13B-856D-4562-A86D-A2B6F7BF810F}" type="datetime1">
               <a:rPr lang="ko-KR" altLang="en-US" smtClean="0"/>
-              <a:t>2019-03-01</a:t>
+              <a:t>2019-07-15</a:t>
             </a:fld>
             <a:endParaRPr lang="ko-KR" altLang="en-US"/>
           </a:p>
@@ -3045,7 +2945,7 @@
           <a:p>
             <a:fld id="{A672FB3A-7E9E-4380-9381-6FCA87FBB41A}" type="datetime1">
               <a:rPr lang="ko-KR" altLang="en-US" smtClean="0"/>
-              <a:t>2019-03-01</a:t>
+              <a:t>2019-07-15</a:t>
             </a:fld>
             <a:endParaRPr lang="ko-KR" altLang="en-US"/>
           </a:p>
@@ -3297,7 +3197,7 @@
           <a:p>
             <a:fld id="{3948CCBA-1514-4E9E-888A-807450F810B0}" type="datetime1">
               <a:rPr lang="ko-KR" altLang="en-US" smtClean="0"/>
-              <a:t>2019-03-01</a:t>
+              <a:t>2019-07-15</a:t>
             </a:fld>
             <a:endParaRPr lang="ko-KR" altLang="en-US"/>
           </a:p>
@@ -3510,7 +3410,7 @@
           <a:p>
             <a:fld id="{170EDEE7-370E-499F-B978-ABF387098974}" type="datetime1">
               <a:rPr lang="ko-KR" altLang="en-US" smtClean="0"/>
-              <a:t>2019-03-01</a:t>
+              <a:t>2019-07-15</a:t>
             </a:fld>
             <a:endParaRPr lang="ko-KR" altLang="en-US" dirty="0"/>
           </a:p>
@@ -3926,14 +3826,20 @@
       </p:grpSpPr>
       <p:sp>
         <p:nvSpPr>
-          <p:cNvPr id="4" name="TextBox 3"/>
+          <p:cNvPr id="5" name="TextBox 4">
+            <a:extLst>
+              <a:ext uri="{FF2B5EF4-FFF2-40B4-BE49-F238E27FC236}">
+                <a16:creationId xmlns:a16="http://schemas.microsoft.com/office/drawing/2014/main" id="{AE47D2F9-E8A4-48E7-878B-3FECF29097BD}"/>
+              </a:ext>
+            </a:extLst>
+          </p:cNvPr>
           <p:cNvSpPr txBox="1"/>
           <p:nvPr/>
         </p:nvSpPr>
         <p:spPr>
           <a:xfrm>
-            <a:off x="895549" y="1835358"/>
-            <a:ext cx="10131075" cy="1404523"/>
+            <a:off x="643521" y="1620069"/>
+            <a:ext cx="10873208" cy="2327853"/>
           </a:xfrm>
           <a:prstGeom prst="rect">
             <a:avLst/>
@@ -3946,183 +3852,95 @@
           </a:bodyPr>
           <a:lstStyle/>
           <a:p>
-            <a:r>
-              <a:rPr lang="en-US" altLang="ko-KR" sz="2800" dirty="0">
+            <a:pPr algn="ctr"/>
+            <a:r>
+              <a:rPr lang="en-US" altLang="ko-KR" sz="3600" dirty="0">
                 <a:latin typeface="Noto Sans CJK KR Black" pitchFamily="34" charset="-127"/>
                 <a:ea typeface="Noto Sans CJK KR Black" pitchFamily="34" charset="-127"/>
               </a:rPr>
-              <a:t>Part1. </a:t>
-            </a:r>
-            <a:r>
-              <a:rPr lang="ko-KR" altLang="en-US" sz="2800" dirty="0">
+              <a:t>Chapter 2.</a:t>
+            </a:r>
+          </a:p>
+          <a:p>
+            <a:pPr algn="ctr"/>
+            <a:r>
+              <a:rPr lang="en-US" altLang="ko-KR" sz="3600" dirty="0">
                 <a:latin typeface="Noto Sans CJK KR Black" pitchFamily="34" charset="-127"/>
                 <a:ea typeface="Noto Sans CJK KR Black" pitchFamily="34" charset="-127"/>
               </a:rPr>
-              <a:t>데이터 분석 흐름 이해 및 시계열 데이터 분석 준비하기</a:t>
-            </a:r>
-            <a:endParaRPr lang="en-US" altLang="ko-KR" sz="2800" dirty="0">
+              <a:t> </a:t>
+            </a:r>
+          </a:p>
+          <a:p>
+            <a:pPr algn="ctr"/>
+            <a:r>
+              <a:rPr lang="ko-KR" altLang="en-US" sz="3600" dirty="0">
+                <a:latin typeface="Noto Sans CJK KR Black" pitchFamily="34" charset="-127"/>
+                <a:ea typeface="Noto Sans CJK KR Black" pitchFamily="34" charset="-127"/>
+              </a:rPr>
+              <a:t>시계열 데이터패턴 추출이해 및 적용하기 </a:t>
+            </a:r>
+            <a:endParaRPr lang="en-US" altLang="ko-KR" sz="3600" dirty="0">
               <a:latin typeface="Noto Sans CJK KR Black" pitchFamily="34" charset="-127"/>
               <a:ea typeface="Noto Sans CJK KR Black" pitchFamily="34" charset="-127"/>
             </a:endParaRPr>
           </a:p>
           <a:p>
-            <a:pPr marL="685800" indent="-685800">
-              <a:buFontTx/>
-              <a:buChar char="-"/>
-            </a:pPr>
-            <a:r>
-              <a:rPr lang="en-US" altLang="ko-KR" sz="2800" dirty="0">
+            <a:pPr algn="ctr"/>
+            <a:r>
+              <a:rPr lang="en-US" altLang="ko-KR" sz="3600" dirty="0">
                 <a:latin typeface="Noto Sans CJK KR Black" pitchFamily="34" charset="-127"/>
                 <a:ea typeface="Noto Sans CJK KR Black" pitchFamily="34" charset="-127"/>
               </a:rPr>
-              <a:t>1</a:t>
-            </a:r>
-            <a:r>
-              <a:rPr lang="ko-KR" altLang="en-US" sz="2800" dirty="0">
+              <a:t>(</a:t>
+            </a:r>
+            <a:r>
+              <a:rPr lang="ko-KR" altLang="en-US" sz="3600" dirty="0">
                 <a:latin typeface="Noto Sans CJK KR Black" pitchFamily="34" charset="-127"/>
                 <a:ea typeface="Noto Sans CJK KR Black" pitchFamily="34" charset="-127"/>
               </a:rPr>
-              <a:t>회차</a:t>
-            </a:r>
-            <a:r>
-              <a:rPr lang="en-US" altLang="ko-KR" sz="2800" dirty="0">
+              <a:t>총</a:t>
+            </a:r>
+            <a:r>
+              <a:rPr lang="en-US" altLang="ko-KR" sz="3600" dirty="0">
                 <a:latin typeface="Noto Sans CJK KR Black" pitchFamily="34" charset="-127"/>
                 <a:ea typeface="Noto Sans CJK KR Black" pitchFamily="34" charset="-127"/>
               </a:rPr>
-              <a:t>: </a:t>
-            </a:r>
-            <a:r>
-              <a:rPr lang="ko-KR" altLang="en-US" sz="2800" dirty="0">
+              <a:t>3</a:t>
+            </a:r>
+            <a:r>
+              <a:rPr lang="ko-KR" altLang="en-US" sz="3600" dirty="0">
                 <a:latin typeface="Noto Sans CJK KR Black" pitchFamily="34" charset="-127"/>
                 <a:ea typeface="Noto Sans CJK KR Black" pitchFamily="34" charset="-127"/>
               </a:rPr>
-              <a:t>분석 </a:t>
-            </a:r>
-            <a:r>
-              <a:rPr lang="ko-KR" altLang="en-US" sz="2800" dirty="0" err="1">
+              <a:t>주</a:t>
+            </a:r>
+            <a:r>
+              <a:rPr lang="en-US" altLang="ko-KR" sz="3600" dirty="0">
                 <a:latin typeface="Noto Sans CJK KR Black" pitchFamily="34" charset="-127"/>
                 <a:ea typeface="Noto Sans CJK KR Black" pitchFamily="34" charset="-127"/>
               </a:rPr>
-              <a:t>싸이클</a:t>
-            </a:r>
-            <a:r>
-              <a:rPr lang="ko-KR" altLang="en-US" sz="2800" dirty="0">
-                <a:latin typeface="Noto Sans CJK KR Black" pitchFamily="34" charset="-127"/>
-                <a:ea typeface="Noto Sans CJK KR Black" pitchFamily="34" charset="-127"/>
-              </a:rPr>
-              <a:t> 이해 및 수학</a:t>
-            </a:r>
-            <a:r>
-              <a:rPr lang="en-US" altLang="ko-KR" sz="2800" dirty="0">
-                <a:latin typeface="Noto Sans CJK KR Black" pitchFamily="34" charset="-127"/>
-                <a:ea typeface="Noto Sans CJK KR Black" pitchFamily="34" charset="-127"/>
-              </a:rPr>
-              <a:t>/</a:t>
-            </a:r>
-            <a:r>
-              <a:rPr lang="ko-KR" altLang="en-US" sz="2800" dirty="0">
-                <a:latin typeface="Noto Sans CJK KR Black" pitchFamily="34" charset="-127"/>
-                <a:ea typeface="Noto Sans CJK KR Black" pitchFamily="34" charset="-127"/>
-              </a:rPr>
-              <a:t>통계</a:t>
-            </a:r>
-            <a:r>
-              <a:rPr lang="en-US" altLang="ko-KR" sz="2800" dirty="0">
-                <a:latin typeface="Noto Sans CJK KR Black" pitchFamily="34" charset="-127"/>
-                <a:ea typeface="Noto Sans CJK KR Black" pitchFamily="34" charset="-127"/>
-              </a:rPr>
-              <a:t>/Python</a:t>
-            </a:r>
-            <a:r>
-              <a:rPr lang="ko-KR" altLang="en-US" sz="2800" dirty="0">
-                <a:latin typeface="Noto Sans CJK KR Black" pitchFamily="34" charset="-127"/>
-                <a:ea typeface="Noto Sans CJK KR Black" pitchFamily="34" charset="-127"/>
-              </a:rPr>
-              <a:t> 언어 이해하기</a:t>
-            </a:r>
-            <a:endParaRPr lang="en-US" altLang="ko-KR" sz="2800" dirty="0">
-              <a:latin typeface="Noto Sans CJK KR Black" pitchFamily="34" charset="-127"/>
-              <a:ea typeface="Noto Sans CJK KR Black" pitchFamily="34" charset="-127"/>
-            </a:endParaRPr>
-          </a:p>
-          <a:p>
-            <a:pPr marL="685800" indent="-685800">
-              <a:buFontTx/>
-              <a:buChar char="-"/>
-            </a:pPr>
-            <a:r>
-              <a:rPr lang="en-US" altLang="ko-KR" sz="2800" dirty="0">
-                <a:latin typeface="Noto Sans CJK KR Black" pitchFamily="34" charset="-127"/>
-                <a:ea typeface="Noto Sans CJK KR Black" pitchFamily="34" charset="-127"/>
-              </a:rPr>
-              <a:t>2</a:t>
-            </a:r>
-            <a:r>
-              <a:rPr lang="ko-KR" altLang="en-US" sz="2800" dirty="0">
-                <a:latin typeface="Noto Sans CJK KR Black" pitchFamily="34" charset="-127"/>
-                <a:ea typeface="Noto Sans CJK KR Black" pitchFamily="34" charset="-127"/>
-              </a:rPr>
-              <a:t>회차</a:t>
-            </a:r>
-            <a:r>
-              <a:rPr lang="en-US" altLang="ko-KR" sz="2800" dirty="0">
-                <a:latin typeface="Noto Sans CJK KR Black" pitchFamily="34" charset="-127"/>
-                <a:ea typeface="Noto Sans CJK KR Black" pitchFamily="34" charset="-127"/>
-              </a:rPr>
-              <a:t>: </a:t>
-            </a:r>
-            <a:r>
-              <a:rPr lang="ko-KR" altLang="en-US" sz="2800" dirty="0">
-                <a:latin typeface="Noto Sans CJK KR Black" pitchFamily="34" charset="-127"/>
-                <a:ea typeface="Noto Sans CJK KR Black" pitchFamily="34" charset="-127"/>
-              </a:rPr>
-              <a:t>시계열 데이터 접근방법 리뷰 및 </a:t>
-            </a:r>
-            <a:r>
-              <a:rPr lang="en-US" altLang="ko-KR" sz="2800" dirty="0">
-                <a:latin typeface="Noto Sans CJK KR Black" pitchFamily="34" charset="-127"/>
-                <a:ea typeface="Noto Sans CJK KR Black" pitchFamily="34" charset="-127"/>
-              </a:rPr>
-              <a:t>“</a:t>
-            </a:r>
-            <a:r>
-              <a:rPr lang="ko-KR" altLang="en-US" sz="2800" dirty="0">
-                <a:latin typeface="Noto Sans CJK KR Black" pitchFamily="34" charset="-127"/>
-                <a:ea typeface="Noto Sans CJK KR Black" pitchFamily="34" charset="-127"/>
-              </a:rPr>
-              <a:t>분석초안</a:t>
-            </a:r>
-            <a:r>
-              <a:rPr lang="en-US" altLang="ko-KR" sz="2800" dirty="0">
-                <a:latin typeface="Noto Sans CJK KR Black" pitchFamily="34" charset="-127"/>
-                <a:ea typeface="Noto Sans CJK KR Black" pitchFamily="34" charset="-127"/>
-              </a:rPr>
-              <a:t>”</a:t>
-            </a:r>
-            <a:r>
-              <a:rPr lang="ko-KR" altLang="en-US" sz="2800" dirty="0">
-                <a:latin typeface="Noto Sans CJK KR Black" pitchFamily="34" charset="-127"/>
-                <a:ea typeface="Noto Sans CJK KR Black" pitchFamily="34" charset="-127"/>
-              </a:rPr>
-              <a:t> 실습 완성</a:t>
-            </a:r>
-            <a:endParaRPr lang="en-US" altLang="ko-KR" sz="2800" dirty="0">
-              <a:latin typeface="Noto Sans CJK KR Black" pitchFamily="34" charset="-127"/>
-              <a:ea typeface="Noto Sans CJK KR Black" pitchFamily="34" charset="-127"/>
-            </a:endParaRPr>
-          </a:p>
-        </p:txBody>
-      </p:sp>
-      <p:sp>
-        <p:nvSpPr>
-          <p:cNvPr id="7" name="TextBox 6"/>
+              <a:t>)</a:t>
+            </a:r>
+          </a:p>
+        </p:txBody>
+      </p:sp>
+      <p:sp>
+        <p:nvSpPr>
+          <p:cNvPr id="6" name="TextBox 5">
+            <a:extLst>
+              <a:ext uri="{FF2B5EF4-FFF2-40B4-BE49-F238E27FC236}">
+                <a16:creationId xmlns:a16="http://schemas.microsoft.com/office/drawing/2014/main" id="{419C775D-7A02-4AC2-8FE4-14720F21AC63}"/>
+              </a:ext>
+            </a:extLst>
+          </p:cNvPr>
           <p:cNvSpPr txBox="1"/>
           <p:nvPr/>
         </p:nvSpPr>
         <p:spPr>
           <a:xfrm>
-            <a:off x="1047949" y="4081911"/>
-            <a:ext cx="10131075" cy="850526"/>
+            <a:off x="1047949" y="4883291"/>
+            <a:ext cx="10131075" cy="481194"/>
           </a:xfrm>
           <a:prstGeom prst="rect">
             <a:avLst/>
@@ -4134,16 +3952,6 @@
             <a:spAutoFit/>
           </a:bodyPr>
           <a:lstStyle/>
-          <a:p>
-            <a:pPr algn="r"/>
-            <a:r>
-              <a:rPr lang="en-US" altLang="ko-KR" sz="2400" dirty="0">
-                <a:latin typeface="Noto Sans CJK KR Medium" pitchFamily="34" charset="-127"/>
-                <a:ea typeface="Noto Sans CJK KR Medium" pitchFamily="34" charset="-127"/>
-              </a:rPr>
-              <a:t>2019.03.02.</a:t>
-            </a:r>
-          </a:p>
           <a:p>
             <a:pPr algn="r"/>
             <a:r>
@@ -4227,7 +4035,7 @@
                 <a:latin typeface="Noto Sans CJK KR Black" pitchFamily="34" charset="-127"/>
                 <a:ea typeface="Noto Sans CJK KR Black" pitchFamily="34" charset="-127"/>
               </a:rPr>
-              <a:t>1. </a:t>
+              <a:t>2. </a:t>
             </a:r>
             <a:r>
               <a:rPr lang="ko-KR" altLang="en-US" sz="4400" dirty="0">
@@ -4240,7 +4048,59 @@
                 <a:latin typeface="Noto Sans CJK KR Black" pitchFamily="34" charset="-127"/>
                 <a:ea typeface="Noto Sans CJK KR Black" pitchFamily="34" charset="-127"/>
               </a:rPr>
-              <a:t>학습방향과 알고리즘</a:t>
+              <a:t>시계열</a:t>
+            </a:r>
+            <a:r>
+              <a:rPr lang="en-US" altLang="ko-KR" sz="4400" dirty="0">
+                <a:solidFill>
+                  <a:schemeClr val="tx1">
+                    <a:lumMod val="75000"/>
+                    <a:lumOff val="25000"/>
+                  </a:schemeClr>
+                </a:solidFill>
+                <a:latin typeface="Noto Sans CJK KR Black" pitchFamily="34" charset="-127"/>
+                <a:ea typeface="Noto Sans CJK KR Black" pitchFamily="34" charset="-127"/>
+              </a:rPr>
+              <a:t> </a:t>
+            </a:r>
+            <a:r>
+              <a:rPr lang="ko-KR" altLang="en-US" sz="4400" dirty="0">
+                <a:solidFill>
+                  <a:schemeClr val="tx1">
+                    <a:lumMod val="75000"/>
+                    <a:lumOff val="25000"/>
+                  </a:schemeClr>
+                </a:solidFill>
+                <a:latin typeface="Noto Sans CJK KR Black" pitchFamily="34" charset="-127"/>
+                <a:ea typeface="Noto Sans CJK KR Black" pitchFamily="34" charset="-127"/>
+              </a:rPr>
+              <a:t>데이터</a:t>
+            </a:r>
+            <a:r>
+              <a:rPr lang="en-US" altLang="ko-KR" sz="4400" dirty="0">
+                <a:solidFill>
+                  <a:schemeClr val="tx1">
+                    <a:lumMod val="75000"/>
+                    <a:lumOff val="25000"/>
+                  </a:schemeClr>
+                </a:solidFill>
+                <a:latin typeface="Noto Sans CJK KR Black" pitchFamily="34" charset="-127"/>
+                <a:ea typeface="Noto Sans CJK KR Black" pitchFamily="34" charset="-127"/>
+              </a:rPr>
+              <a:t>/</a:t>
+            </a:r>
+            <a:r>
+              <a:rPr lang="ko-KR" altLang="en-US" sz="4400" dirty="0">
+                <a:solidFill>
+                  <a:schemeClr val="tx1">
+                    <a:lumMod val="75000"/>
+                    <a:lumOff val="25000"/>
+                  </a:schemeClr>
+                </a:solidFill>
+                <a:latin typeface="Noto Sans CJK KR Black" pitchFamily="34" charset="-127"/>
+                <a:ea typeface="Noto Sans CJK KR Black" pitchFamily="34" charset="-127"/>
+              </a:rPr>
+              <a:t>분석과 기계학습의 차이</a:t>
             </a:r>
             <a:endParaRPr lang="ko-KR" altLang="en-US" sz="4400" dirty="0">
               <a:solidFill>
@@ -4279,10 +4139,10 @@
       </p:sp>
       <p:pic>
         <p:nvPicPr>
-          <p:cNvPr id="2" name="그림 1">
+          <p:cNvPr id="6" name="그림 5">
             <a:extLst>
               <a:ext uri="{FF2B5EF4-FFF2-40B4-BE49-F238E27FC236}">
-                <a16:creationId xmlns:a16="http://schemas.microsoft.com/office/drawing/2014/main" id="{015DB05E-CB8F-465D-81B6-D8B0D6D98CFA}"/>
+                <a16:creationId xmlns:a16="http://schemas.microsoft.com/office/drawing/2014/main" id="{1D517375-EBB5-4CD4-A0BA-C13045AB9EA7}"/>
               </a:ext>
             </a:extLst>
           </p:cNvPr>
@@ -4299,8 +4159,8 @@
         </p:blipFill>
         <p:spPr>
           <a:xfrm>
-            <a:off x="6296149" y="0"/>
-            <a:ext cx="4571481" cy="6840538"/>
+            <a:off x="2236786" y="2268141"/>
+            <a:ext cx="7686675" cy="3219450"/>
           </a:xfrm>
           <a:prstGeom prst="rect">
             <a:avLst/>
@@ -4310,7 +4170,7 @@
     </p:spTree>
     <p:extLst>
       <p:ext uri="{BB962C8B-B14F-4D97-AF65-F5344CB8AC3E}">
-        <p14:creationId xmlns:p14="http://schemas.microsoft.com/office/powerpoint/2010/main" val="2921779681"/>
+        <p14:creationId xmlns:p14="http://schemas.microsoft.com/office/powerpoint/2010/main" val="1805718488"/>
       </p:ext>
     </p:extLst>
   </p:cSld>
@@ -4371,7 +4231,7 @@
                 <a:latin typeface="Noto Sans CJK KR Black" pitchFamily="34" charset="-127"/>
                 <a:ea typeface="Noto Sans CJK KR Black" pitchFamily="34" charset="-127"/>
               </a:rPr>
-              <a:t>1. </a:t>
+              <a:t>2. </a:t>
             </a:r>
             <a:r>
               <a:rPr lang="ko-KR" altLang="en-US" sz="4400" dirty="0">
@@ -4384,7 +4244,59 @@
                 <a:latin typeface="Noto Sans CJK KR Black" pitchFamily="34" charset="-127"/>
                 <a:ea typeface="Noto Sans CJK KR Black" pitchFamily="34" charset="-127"/>
               </a:rPr>
-              <a:t>학습방향과 알고리즘</a:t>
+              <a:t>시계열</a:t>
+            </a:r>
+            <a:r>
+              <a:rPr lang="en-US" altLang="ko-KR" sz="4400" dirty="0">
+                <a:solidFill>
+                  <a:schemeClr val="tx1">
+                    <a:lumMod val="75000"/>
+                    <a:lumOff val="25000"/>
+                  </a:schemeClr>
+                </a:solidFill>
+                <a:latin typeface="Noto Sans CJK KR Black" pitchFamily="34" charset="-127"/>
+                <a:ea typeface="Noto Sans CJK KR Black" pitchFamily="34" charset="-127"/>
+              </a:rPr>
+              <a:t> </a:t>
+            </a:r>
+            <a:r>
+              <a:rPr lang="ko-KR" altLang="en-US" sz="4400" dirty="0">
+                <a:solidFill>
+                  <a:schemeClr val="tx1">
+                    <a:lumMod val="75000"/>
+                    <a:lumOff val="25000"/>
+                  </a:schemeClr>
+                </a:solidFill>
+                <a:latin typeface="Noto Sans CJK KR Black" pitchFamily="34" charset="-127"/>
+                <a:ea typeface="Noto Sans CJK KR Black" pitchFamily="34" charset="-127"/>
+              </a:rPr>
+              <a:t>데이터</a:t>
+            </a:r>
+            <a:r>
+              <a:rPr lang="en-US" altLang="ko-KR" sz="4400" dirty="0">
+                <a:solidFill>
+                  <a:schemeClr val="tx1">
+                    <a:lumMod val="75000"/>
+                    <a:lumOff val="25000"/>
+                  </a:schemeClr>
+                </a:solidFill>
+                <a:latin typeface="Noto Sans CJK KR Black" pitchFamily="34" charset="-127"/>
+                <a:ea typeface="Noto Sans CJK KR Black" pitchFamily="34" charset="-127"/>
+              </a:rPr>
+              <a:t>/</a:t>
+            </a:r>
+            <a:r>
+              <a:rPr lang="ko-KR" altLang="en-US" sz="4400" dirty="0">
+                <a:solidFill>
+                  <a:schemeClr val="tx1">
+                    <a:lumMod val="75000"/>
+                    <a:lumOff val="25000"/>
+                  </a:schemeClr>
+                </a:solidFill>
+                <a:latin typeface="Noto Sans CJK KR Black" pitchFamily="34" charset="-127"/>
+                <a:ea typeface="Noto Sans CJK KR Black" pitchFamily="34" charset="-127"/>
+              </a:rPr>
+              <a:t>분석과 기계학습의 차이</a:t>
             </a:r>
             <a:endParaRPr lang="ko-KR" altLang="en-US" sz="4400" dirty="0">
               <a:solidFill>
@@ -4426,7 +4338,7 @@
           <p:cNvPr id="2" name="그림 1">
             <a:extLst>
               <a:ext uri="{FF2B5EF4-FFF2-40B4-BE49-F238E27FC236}">
-                <a16:creationId xmlns:a16="http://schemas.microsoft.com/office/drawing/2014/main" id="{979427EC-3674-4518-A736-67593F87B169}"/>
+                <a16:creationId xmlns:a16="http://schemas.microsoft.com/office/drawing/2014/main" id="{687A6B2C-A7E0-4FB7-A7A2-A909435464AB}"/>
               </a:ext>
             </a:extLst>
           </p:cNvPr>
@@ -4443,8 +4355,8 @@
         </p:blipFill>
         <p:spPr>
           <a:xfrm>
-            <a:off x="6224141" y="0"/>
-            <a:ext cx="4881009" cy="6840538"/>
+            <a:off x="1036637" y="2539206"/>
+            <a:ext cx="10086975" cy="1762125"/>
           </a:xfrm>
           <a:prstGeom prst="rect">
             <a:avLst/>
@@ -4454,7 +4366,7 @@
     </p:spTree>
     <p:extLst>
       <p:ext uri="{BB962C8B-B14F-4D97-AF65-F5344CB8AC3E}">
-        <p14:creationId xmlns:p14="http://schemas.microsoft.com/office/powerpoint/2010/main" val="2826664145"/>
+        <p14:creationId xmlns:p14="http://schemas.microsoft.com/office/powerpoint/2010/main" val="675053861"/>
       </p:ext>
     </p:extLst>
   </p:cSld>
@@ -4493,7 +4405,7 @@
         </p:nvSpPr>
         <p:spPr>
           <a:xfrm>
-            <a:off x="608012" y="539949"/>
+            <a:off x="608012" y="323925"/>
             <a:ext cx="10944225" cy="1140090"/>
           </a:xfrm>
         </p:spPr>
@@ -4622,7 +4534,7 @@
           <p:cNvPr id="2" name="그림 1">
             <a:extLst>
               <a:ext uri="{FF2B5EF4-FFF2-40B4-BE49-F238E27FC236}">
-                <a16:creationId xmlns:a16="http://schemas.microsoft.com/office/drawing/2014/main" id="{6E1495C4-4434-49E9-847A-CCA1C7180E41}"/>
+                <a16:creationId xmlns:a16="http://schemas.microsoft.com/office/drawing/2014/main" id="{EFEA41C3-9509-48ED-8B98-D610C423D891}"/>
               </a:ext>
             </a:extLst>
           </p:cNvPr>
@@ -4639,8 +4551,8 @@
         </p:blipFill>
         <p:spPr>
           <a:xfrm>
-            <a:off x="2840124" y="1930994"/>
-            <a:ext cx="6480000" cy="4805799"/>
+            <a:off x="3570286" y="1254544"/>
+            <a:ext cx="5019675" cy="5543550"/>
           </a:xfrm>
           <a:prstGeom prst="rect">
             <a:avLst/>
@@ -4650,7 +4562,7 @@
     </p:spTree>
     <p:extLst>
       <p:ext uri="{BB962C8B-B14F-4D97-AF65-F5344CB8AC3E}">
-        <p14:creationId xmlns:p14="http://schemas.microsoft.com/office/powerpoint/2010/main" val="1805718488"/>
+        <p14:creationId xmlns:p14="http://schemas.microsoft.com/office/powerpoint/2010/main" val="925256746"/>
       </p:ext>
     </p:extLst>
   </p:cSld>
@@ -4808,398 +4720,6 @@
               <a:rPr lang="ko-KR" altLang="en-US" smtClean="0"/>
               <a:pPr/>
               <a:t>13</a:t>
-            </a:fld>
-            <a:endParaRPr lang="ko-KR" altLang="en-US" dirty="0"/>
-          </a:p>
-        </p:txBody>
-      </p:sp>
-      <p:pic>
-        <p:nvPicPr>
-          <p:cNvPr id="4" name="그림 3">
-            <a:extLst>
-              <a:ext uri="{FF2B5EF4-FFF2-40B4-BE49-F238E27FC236}">
-                <a16:creationId xmlns:a16="http://schemas.microsoft.com/office/drawing/2014/main" id="{531458AE-7A03-44CA-87B5-E5E74722A615}"/>
-              </a:ext>
-            </a:extLst>
-          </p:cNvPr>
-          <p:cNvPicPr>
-            <a:picLocks noChangeAspect="1"/>
-          </p:cNvPicPr>
-          <p:nvPr/>
-        </p:nvPicPr>
-        <p:blipFill>
-          <a:blip r:embed="rId2"/>
-          <a:stretch>
-            <a:fillRect/>
-          </a:stretch>
-        </p:blipFill>
-        <p:spPr>
-          <a:xfrm>
-            <a:off x="1183581" y="1980109"/>
-            <a:ext cx="6480000" cy="2952000"/>
-          </a:xfrm>
-          <a:prstGeom prst="rect">
-            <a:avLst/>
-          </a:prstGeom>
-        </p:spPr>
-      </p:pic>
-    </p:spTree>
-    <p:extLst>
-      <p:ext uri="{BB962C8B-B14F-4D97-AF65-F5344CB8AC3E}">
-        <p14:creationId xmlns:p14="http://schemas.microsoft.com/office/powerpoint/2010/main" val="675053861"/>
-      </p:ext>
-    </p:extLst>
-  </p:cSld>
-  <p:clrMapOvr>
-    <a:masterClrMapping/>
-  </p:clrMapOvr>
-</p:sld>
-</file>
-
-<file path=ppt/slides/slide14.xml><?xml version="1.0" encoding="utf-8"?>
-<p:sld xmlns:a="http://schemas.openxmlformats.org/drawingml/2006/main" xmlns:r="http://schemas.openxmlformats.org/officeDocument/2006/relationships" xmlns:p="http://schemas.openxmlformats.org/presentationml/2006/main">
-  <p:cSld>
-    <p:spTree>
-      <p:nvGrpSpPr>
-        <p:cNvPr id="1" name=""/>
-        <p:cNvGrpSpPr/>
-        <p:nvPr/>
-      </p:nvGrpSpPr>
-      <p:grpSpPr>
-        <a:xfrm>
-          <a:off x="0" y="0"/>
-          <a:ext cx="0" cy="0"/>
-          <a:chOff x="0" y="0"/>
-          <a:chExt cx="0" cy="0"/>
-        </a:xfrm>
-      </p:grpSpPr>
-      <p:sp>
-        <p:nvSpPr>
-          <p:cNvPr id="5" name="제목 4"/>
-          <p:cNvSpPr>
-            <a:spLocks noGrp="1"/>
-          </p:cNvSpPr>
-          <p:nvPr>
-            <p:ph type="title"/>
-          </p:nvPr>
-        </p:nvSpPr>
-        <p:spPr>
-          <a:xfrm>
-            <a:off x="608012" y="539949"/>
-            <a:ext cx="10944225" cy="1140090"/>
-          </a:xfrm>
-        </p:spPr>
-        <p:txBody>
-          <a:bodyPr>
-            <a:normAutofit/>
-          </a:bodyPr>
-          <a:lstStyle/>
-          <a:p>
-            <a:pPr algn="l"/>
-            <a:r>
-              <a:rPr lang="en-US" altLang="ko-KR" sz="4400" dirty="0">
-                <a:solidFill>
-                  <a:schemeClr val="tx1">
-                    <a:lumMod val="75000"/>
-                    <a:lumOff val="25000"/>
-                  </a:schemeClr>
-                </a:solidFill>
-                <a:latin typeface="Noto Sans CJK KR Black" pitchFamily="34" charset="-127"/>
-                <a:ea typeface="Noto Sans CJK KR Black" pitchFamily="34" charset="-127"/>
-              </a:rPr>
-              <a:t>2. </a:t>
-            </a:r>
-            <a:r>
-              <a:rPr lang="ko-KR" altLang="en-US" sz="4400" dirty="0">
-                <a:solidFill>
-                  <a:schemeClr val="tx1">
-                    <a:lumMod val="75000"/>
-                    <a:lumOff val="25000"/>
-                  </a:schemeClr>
-                </a:solidFill>
-                <a:latin typeface="Noto Sans CJK KR Black" pitchFamily="34" charset="-127"/>
-                <a:ea typeface="Noto Sans CJK KR Black" pitchFamily="34" charset="-127"/>
-              </a:rPr>
-              <a:t>시계열</a:t>
-            </a:r>
-            <a:r>
-              <a:rPr lang="en-US" altLang="ko-KR" sz="4400" dirty="0">
-                <a:solidFill>
-                  <a:schemeClr val="tx1">
-                    <a:lumMod val="75000"/>
-                    <a:lumOff val="25000"/>
-                  </a:schemeClr>
-                </a:solidFill>
-                <a:latin typeface="Noto Sans CJK KR Black" pitchFamily="34" charset="-127"/>
-                <a:ea typeface="Noto Sans CJK KR Black" pitchFamily="34" charset="-127"/>
-              </a:rPr>
-              <a:t> </a:t>
-            </a:r>
-            <a:r>
-              <a:rPr lang="ko-KR" altLang="en-US" sz="4400" dirty="0">
-                <a:solidFill>
-                  <a:schemeClr val="tx1">
-                    <a:lumMod val="75000"/>
-                    <a:lumOff val="25000"/>
-                  </a:schemeClr>
-                </a:solidFill>
-                <a:latin typeface="Noto Sans CJK KR Black" pitchFamily="34" charset="-127"/>
-                <a:ea typeface="Noto Sans CJK KR Black" pitchFamily="34" charset="-127"/>
-              </a:rPr>
-              <a:t>데이터</a:t>
-            </a:r>
-            <a:r>
-              <a:rPr lang="en-US" altLang="ko-KR" sz="4400" dirty="0">
-                <a:solidFill>
-                  <a:schemeClr val="tx1">
-                    <a:lumMod val="75000"/>
-                    <a:lumOff val="25000"/>
-                  </a:schemeClr>
-                </a:solidFill>
-                <a:latin typeface="Noto Sans CJK KR Black" pitchFamily="34" charset="-127"/>
-                <a:ea typeface="Noto Sans CJK KR Black" pitchFamily="34" charset="-127"/>
-              </a:rPr>
-              <a:t>/</a:t>
-            </a:r>
-            <a:r>
-              <a:rPr lang="ko-KR" altLang="en-US" sz="4400" dirty="0">
-                <a:solidFill>
-                  <a:schemeClr val="tx1">
-                    <a:lumMod val="75000"/>
-                    <a:lumOff val="25000"/>
-                  </a:schemeClr>
-                </a:solidFill>
-                <a:latin typeface="Noto Sans CJK KR Black" pitchFamily="34" charset="-127"/>
-                <a:ea typeface="Noto Sans CJK KR Black" pitchFamily="34" charset="-127"/>
-              </a:rPr>
-              <a:t>분석과 기계학습의 차이</a:t>
-            </a:r>
-            <a:endParaRPr lang="ko-KR" altLang="en-US" sz="4400" dirty="0">
-              <a:solidFill>
-                <a:schemeClr val="tx1">
-                  <a:lumMod val="75000"/>
-                  <a:lumOff val="25000"/>
-                </a:schemeClr>
-              </a:solidFill>
-            </a:endParaRPr>
-          </a:p>
-        </p:txBody>
-      </p:sp>
-      <p:sp>
-        <p:nvSpPr>
-          <p:cNvPr id="3" name="슬라이드 번호 개체 틀 2"/>
-          <p:cNvSpPr>
-            <a:spLocks noGrp="1"/>
-          </p:cNvSpPr>
-          <p:nvPr>
-            <p:ph type="sldNum" sz="quarter" idx="12"/>
-          </p:nvPr>
-        </p:nvSpPr>
-        <p:spPr/>
-        <p:txBody>
-          <a:bodyPr/>
-          <a:lstStyle/>
-          <a:p>
-            <a:fld id="{6DDAE2C3-1A0B-474A-8CE8-AE55B8D9D4B1}" type="slidenum">
-              <a:rPr lang="ko-KR" altLang="en-US" smtClean="0"/>
-              <a:pPr/>
-              <a:t>14</a:t>
-            </a:fld>
-            <a:endParaRPr lang="ko-KR" altLang="en-US" dirty="0"/>
-          </a:p>
-        </p:txBody>
-      </p:sp>
-      <p:pic>
-        <p:nvPicPr>
-          <p:cNvPr id="2" name="그림 1">
-            <a:extLst>
-              <a:ext uri="{FF2B5EF4-FFF2-40B4-BE49-F238E27FC236}">
-                <a16:creationId xmlns:a16="http://schemas.microsoft.com/office/drawing/2014/main" id="{EFEA41C3-9509-48ED-8B98-D610C423D891}"/>
-              </a:ext>
-            </a:extLst>
-          </p:cNvPr>
-          <p:cNvPicPr>
-            <a:picLocks noChangeAspect="1"/>
-          </p:cNvPicPr>
-          <p:nvPr/>
-        </p:nvPicPr>
-        <p:blipFill>
-          <a:blip r:embed="rId2"/>
-          <a:stretch>
-            <a:fillRect/>
-          </a:stretch>
-        </p:blipFill>
-        <p:spPr>
-          <a:xfrm>
-            <a:off x="5579316" y="1296988"/>
-            <a:ext cx="5019675" cy="5543550"/>
-          </a:xfrm>
-          <a:prstGeom prst="rect">
-            <a:avLst/>
-          </a:prstGeom>
-        </p:spPr>
-      </p:pic>
-    </p:spTree>
-    <p:extLst>
-      <p:ext uri="{BB962C8B-B14F-4D97-AF65-F5344CB8AC3E}">
-        <p14:creationId xmlns:p14="http://schemas.microsoft.com/office/powerpoint/2010/main" val="925256746"/>
-      </p:ext>
-    </p:extLst>
-  </p:cSld>
-  <p:clrMapOvr>
-    <a:masterClrMapping/>
-  </p:clrMapOvr>
-</p:sld>
-</file>
-
-<file path=ppt/slides/slide15.xml><?xml version="1.0" encoding="utf-8"?>
-<p:sld xmlns:a="http://schemas.openxmlformats.org/drawingml/2006/main" xmlns:r="http://schemas.openxmlformats.org/officeDocument/2006/relationships" xmlns:p="http://schemas.openxmlformats.org/presentationml/2006/main">
-  <p:cSld>
-    <p:spTree>
-      <p:nvGrpSpPr>
-        <p:cNvPr id="1" name=""/>
-        <p:cNvGrpSpPr/>
-        <p:nvPr/>
-      </p:nvGrpSpPr>
-      <p:grpSpPr>
-        <a:xfrm>
-          <a:off x="0" y="0"/>
-          <a:ext cx="0" cy="0"/>
-          <a:chOff x="0" y="0"/>
-          <a:chExt cx="0" cy="0"/>
-        </a:xfrm>
-      </p:grpSpPr>
-      <p:sp>
-        <p:nvSpPr>
-          <p:cNvPr id="5" name="제목 4"/>
-          <p:cNvSpPr>
-            <a:spLocks noGrp="1"/>
-          </p:cNvSpPr>
-          <p:nvPr>
-            <p:ph type="title"/>
-          </p:nvPr>
-        </p:nvSpPr>
-        <p:spPr>
-          <a:xfrm>
-            <a:off x="608012" y="539949"/>
-            <a:ext cx="10944225" cy="1140090"/>
-          </a:xfrm>
-        </p:spPr>
-        <p:txBody>
-          <a:bodyPr>
-            <a:normAutofit/>
-          </a:bodyPr>
-          <a:lstStyle/>
-          <a:p>
-            <a:pPr algn="l"/>
-            <a:r>
-              <a:rPr lang="en-US" altLang="ko-KR" sz="4400" dirty="0">
-                <a:solidFill>
-                  <a:schemeClr val="tx1">
-                    <a:lumMod val="75000"/>
-                    <a:lumOff val="25000"/>
-                  </a:schemeClr>
-                </a:solidFill>
-                <a:latin typeface="Noto Sans CJK KR Black" pitchFamily="34" charset="-127"/>
-                <a:ea typeface="Noto Sans CJK KR Black" pitchFamily="34" charset="-127"/>
-              </a:rPr>
-              <a:t>2. </a:t>
-            </a:r>
-            <a:r>
-              <a:rPr lang="ko-KR" altLang="en-US" sz="4400" dirty="0">
-                <a:solidFill>
-                  <a:schemeClr val="tx1">
-                    <a:lumMod val="75000"/>
-                    <a:lumOff val="25000"/>
-                  </a:schemeClr>
-                </a:solidFill>
-                <a:latin typeface="Noto Sans CJK KR Black" pitchFamily="34" charset="-127"/>
-                <a:ea typeface="Noto Sans CJK KR Black" pitchFamily="34" charset="-127"/>
-              </a:rPr>
-              <a:t>시계열</a:t>
-            </a:r>
-            <a:r>
-              <a:rPr lang="en-US" altLang="ko-KR" sz="4400" dirty="0">
-                <a:solidFill>
-                  <a:schemeClr val="tx1">
-                    <a:lumMod val="75000"/>
-                    <a:lumOff val="25000"/>
-                  </a:schemeClr>
-                </a:solidFill>
-                <a:latin typeface="Noto Sans CJK KR Black" pitchFamily="34" charset="-127"/>
-                <a:ea typeface="Noto Sans CJK KR Black" pitchFamily="34" charset="-127"/>
-              </a:rPr>
-              <a:t> </a:t>
-            </a:r>
-            <a:r>
-              <a:rPr lang="ko-KR" altLang="en-US" sz="4400" dirty="0">
-                <a:solidFill>
-                  <a:schemeClr val="tx1">
-                    <a:lumMod val="75000"/>
-                    <a:lumOff val="25000"/>
-                  </a:schemeClr>
-                </a:solidFill>
-                <a:latin typeface="Noto Sans CJK KR Black" pitchFamily="34" charset="-127"/>
-                <a:ea typeface="Noto Sans CJK KR Black" pitchFamily="34" charset="-127"/>
-              </a:rPr>
-              <a:t>데이터</a:t>
-            </a:r>
-            <a:r>
-              <a:rPr lang="en-US" altLang="ko-KR" sz="4400" dirty="0">
-                <a:solidFill>
-                  <a:schemeClr val="tx1">
-                    <a:lumMod val="75000"/>
-                    <a:lumOff val="25000"/>
-                  </a:schemeClr>
-                </a:solidFill>
-                <a:latin typeface="Noto Sans CJK KR Black" pitchFamily="34" charset="-127"/>
-                <a:ea typeface="Noto Sans CJK KR Black" pitchFamily="34" charset="-127"/>
-              </a:rPr>
-              <a:t>/</a:t>
-            </a:r>
-            <a:r>
-              <a:rPr lang="ko-KR" altLang="en-US" sz="4400" dirty="0">
-                <a:solidFill>
-                  <a:schemeClr val="tx1">
-                    <a:lumMod val="75000"/>
-                    <a:lumOff val="25000"/>
-                  </a:schemeClr>
-                </a:solidFill>
-                <a:latin typeface="Noto Sans CJK KR Black" pitchFamily="34" charset="-127"/>
-                <a:ea typeface="Noto Sans CJK KR Black" pitchFamily="34" charset="-127"/>
-              </a:rPr>
-              <a:t>분석과 기계학습의 차이</a:t>
-            </a:r>
-            <a:endParaRPr lang="ko-KR" altLang="en-US" sz="4400" dirty="0">
-              <a:solidFill>
-                <a:schemeClr val="tx1">
-                  <a:lumMod val="75000"/>
-                  <a:lumOff val="25000"/>
-                </a:schemeClr>
-              </a:solidFill>
-            </a:endParaRPr>
-          </a:p>
-        </p:txBody>
-      </p:sp>
-      <p:sp>
-        <p:nvSpPr>
-          <p:cNvPr id="3" name="슬라이드 번호 개체 틀 2"/>
-          <p:cNvSpPr>
-            <a:spLocks noGrp="1"/>
-          </p:cNvSpPr>
-          <p:nvPr>
-            <p:ph type="sldNum" sz="quarter" idx="12"/>
-          </p:nvPr>
-        </p:nvSpPr>
-        <p:spPr/>
-        <p:txBody>
-          <a:bodyPr/>
-          <a:lstStyle/>
-          <a:p>
-            <a:fld id="{6DDAE2C3-1A0B-474A-8CE8-AE55B8D9D4B1}" type="slidenum">
-              <a:rPr lang="ko-KR" altLang="en-US" smtClean="0"/>
-              <a:pPr/>
-              <a:t>15</a:t>
             </a:fld>
             <a:endParaRPr lang="ko-KR" altLang="en-US" dirty="0"/>
           </a:p>
@@ -5278,7 +4798,7 @@
 </p:sld>
 </file>
 
-<file path=ppt/slides/slide16.xml><?xml version="1.0" encoding="utf-8"?>
+<file path=ppt/slides/slide14.xml><?xml version="1.0" encoding="utf-8"?>
 <p:sld xmlns:a="http://schemas.openxmlformats.org/drawingml/2006/main" xmlns:r="http://schemas.openxmlformats.org/officeDocument/2006/relationships" xmlns:p="http://schemas.openxmlformats.org/presentationml/2006/main">
   <p:cSld>
     <p:spTree>
@@ -5295,12 +4815,170 @@
           <a:chExt cx="0" cy="0"/>
         </a:xfrm>
       </p:grpSpPr>
+      <p:sp>
+        <p:nvSpPr>
+          <p:cNvPr id="3" name="슬라이드 번호 개체 틀 2"/>
+          <p:cNvSpPr>
+            <a:spLocks noGrp="1"/>
+          </p:cNvSpPr>
+          <p:nvPr>
+            <p:ph type="sldNum" sz="quarter" idx="12"/>
+          </p:nvPr>
+        </p:nvSpPr>
+        <p:spPr/>
+        <p:txBody>
+          <a:bodyPr/>
+          <a:lstStyle/>
+          <a:p>
+            <a:fld id="{6DDAE2C3-1A0B-474A-8CE8-AE55B8D9D4B1}" type="slidenum">
+              <a:rPr lang="ko-KR" altLang="en-US" smtClean="0"/>
+              <a:pPr/>
+              <a:t>14</a:t>
+            </a:fld>
+            <a:endParaRPr lang="ko-KR" altLang="en-US" dirty="0"/>
+          </a:p>
+        </p:txBody>
+      </p:sp>
+      <p:sp>
+        <p:nvSpPr>
+          <p:cNvPr id="6" name="제목 4">
+            <a:extLst>
+              <a:ext uri="{FF2B5EF4-FFF2-40B4-BE49-F238E27FC236}">
+                <a16:creationId xmlns:a16="http://schemas.microsoft.com/office/drawing/2014/main" id="{2CA6EC69-03FC-461F-9D1F-688A3B2AC29F}"/>
+              </a:ext>
+            </a:extLst>
+          </p:cNvPr>
+          <p:cNvSpPr txBox="1">
+            <a:spLocks/>
+          </p:cNvSpPr>
+          <p:nvPr/>
+        </p:nvSpPr>
+        <p:spPr>
+          <a:xfrm>
+            <a:off x="608010" y="251917"/>
+            <a:ext cx="10944225" cy="1140090"/>
+          </a:xfrm>
+          <a:prstGeom prst="rect">
+            <a:avLst/>
+          </a:prstGeom>
+        </p:spPr>
+        <p:txBody>
+          <a:bodyPr vert="horz" lIns="110780" tIns="55390" rIns="110780" bIns="55390" rtlCol="0" anchor="ctr">
+            <a:normAutofit/>
+          </a:bodyPr>
+          <a:lstStyle>
+            <a:lvl1pPr algn="ctr" defTabSz="1107796" rtl="0" eaLnBrk="1" latinLnBrk="1" hangingPunct="1">
+              <a:spcBef>
+                <a:spcPct val="0"/>
+              </a:spcBef>
+              <a:buNone/>
+              <a:defRPr sz="5300" kern="1200">
+                <a:solidFill>
+                  <a:schemeClr val="tx1"/>
+                </a:solidFill>
+                <a:latin typeface="Noto Sans CJK KR Bold" panose="020B0800000000000000" pitchFamily="34" charset="-127"/>
+                <a:ea typeface="Noto Sans CJK KR Bold" panose="020B0800000000000000" pitchFamily="34" charset="-127"/>
+                <a:cs typeface="+mj-cs"/>
+              </a:defRPr>
+            </a:lvl1pPr>
+          </a:lstStyle>
+          <a:p>
+            <a:pPr algn="l"/>
+            <a:r>
+              <a:rPr lang="en-US" altLang="ko-KR" sz="4400" dirty="0">
+                <a:solidFill>
+                  <a:schemeClr val="tx1">
+                    <a:lumMod val="75000"/>
+                    <a:lumOff val="25000"/>
+                  </a:schemeClr>
+                </a:solidFill>
+                <a:latin typeface="Noto Sans CJK KR Black" pitchFamily="34" charset="-127"/>
+                <a:ea typeface="Noto Sans CJK KR Black" pitchFamily="34" charset="-127"/>
+              </a:rPr>
+              <a:t>2. </a:t>
+            </a:r>
+            <a:r>
+              <a:rPr lang="ko-KR" altLang="en-US" sz="4400" dirty="0">
+                <a:solidFill>
+                  <a:schemeClr val="tx1">
+                    <a:lumMod val="75000"/>
+                    <a:lumOff val="25000"/>
+                  </a:schemeClr>
+                </a:solidFill>
+                <a:latin typeface="Noto Sans CJK KR Black" pitchFamily="34" charset="-127"/>
+                <a:ea typeface="Noto Sans CJK KR Black" pitchFamily="34" charset="-127"/>
+              </a:rPr>
+              <a:t>시계열</a:t>
+            </a:r>
+            <a:r>
+              <a:rPr lang="en-US" altLang="ko-KR" sz="4400" dirty="0">
+                <a:solidFill>
+                  <a:schemeClr val="tx1">
+                    <a:lumMod val="75000"/>
+                    <a:lumOff val="25000"/>
+                  </a:schemeClr>
+                </a:solidFill>
+                <a:latin typeface="Noto Sans CJK KR Black" pitchFamily="34" charset="-127"/>
+                <a:ea typeface="Noto Sans CJK KR Black" pitchFamily="34" charset="-127"/>
+              </a:rPr>
+              <a:t> </a:t>
+            </a:r>
+            <a:r>
+              <a:rPr lang="ko-KR" altLang="en-US" sz="4400" dirty="0">
+                <a:solidFill>
+                  <a:schemeClr val="tx1">
+                    <a:lumMod val="75000"/>
+                    <a:lumOff val="25000"/>
+                  </a:schemeClr>
+                </a:solidFill>
+                <a:latin typeface="Noto Sans CJK KR Black" pitchFamily="34" charset="-127"/>
+                <a:ea typeface="Noto Sans CJK KR Black" pitchFamily="34" charset="-127"/>
+              </a:rPr>
+              <a:t>데이터</a:t>
+            </a:r>
+            <a:r>
+              <a:rPr lang="en-US" altLang="ko-KR" sz="4400" dirty="0">
+                <a:solidFill>
+                  <a:schemeClr val="tx1">
+                    <a:lumMod val="75000"/>
+                    <a:lumOff val="25000"/>
+                  </a:schemeClr>
+                </a:solidFill>
+                <a:latin typeface="Noto Sans CJK KR Black" pitchFamily="34" charset="-127"/>
+                <a:ea typeface="Noto Sans CJK KR Black" pitchFamily="34" charset="-127"/>
+              </a:rPr>
+              <a:t>/</a:t>
+            </a:r>
+            <a:r>
+              <a:rPr lang="ko-KR" altLang="en-US" sz="4400" dirty="0">
+                <a:solidFill>
+                  <a:schemeClr val="tx1">
+                    <a:lumMod val="75000"/>
+                    <a:lumOff val="25000"/>
+                  </a:schemeClr>
+                </a:solidFill>
+                <a:latin typeface="Noto Sans CJK KR Black" pitchFamily="34" charset="-127"/>
+                <a:ea typeface="Noto Sans CJK KR Black" pitchFamily="34" charset="-127"/>
+              </a:rPr>
+              <a:t>분석과 기계학습의 차이</a:t>
+            </a:r>
+            <a:endParaRPr lang="ko-KR" altLang="en-US" sz="4400" dirty="0">
+              <a:solidFill>
+                <a:schemeClr val="tx1">
+                  <a:lumMod val="75000"/>
+                  <a:lumOff val="25000"/>
+                </a:schemeClr>
+              </a:solidFill>
+            </a:endParaRPr>
+          </a:p>
+        </p:txBody>
+      </p:sp>
       <p:pic>
         <p:nvPicPr>
-          <p:cNvPr id="4" name="그림 3">
+          <p:cNvPr id="8" name="그림 7">
             <a:extLst>
               <a:ext uri="{FF2B5EF4-FFF2-40B4-BE49-F238E27FC236}">
-                <a16:creationId xmlns:a16="http://schemas.microsoft.com/office/drawing/2014/main" id="{C9713387-6E52-4CB2-AE67-B211DA894A8E}"/>
+                <a16:creationId xmlns:a16="http://schemas.microsoft.com/office/drawing/2014/main" id="{9A9E4C0A-5D0F-4FB0-86E7-6E2E4411DADC}"/>
               </a:ext>
             </a:extLst>
           </p:cNvPr>
@@ -5317,175 +4995,14 @@
         </p:blipFill>
         <p:spPr>
           <a:xfrm>
-            <a:off x="5504061" y="0"/>
-            <a:ext cx="6196203" cy="6840538"/>
+            <a:off x="1360486" y="1066403"/>
+            <a:ext cx="9439275" cy="5810250"/>
           </a:xfrm>
           <a:prstGeom prst="rect">
             <a:avLst/>
           </a:prstGeom>
         </p:spPr>
       </p:pic>
-      <p:sp>
-        <p:nvSpPr>
-          <p:cNvPr id="5" name="제목 4"/>
-          <p:cNvSpPr>
-            <a:spLocks noGrp="1"/>
-          </p:cNvSpPr>
-          <p:nvPr>
-            <p:ph type="title"/>
-          </p:nvPr>
-        </p:nvSpPr>
-        <p:spPr>
-          <a:xfrm>
-            <a:off x="608012" y="1056043"/>
-            <a:ext cx="10944225" cy="1140090"/>
-          </a:xfrm>
-        </p:spPr>
-        <p:txBody>
-          <a:bodyPr>
-            <a:normAutofit fontScale="90000"/>
-          </a:bodyPr>
-          <a:lstStyle/>
-          <a:p>
-            <a:pPr algn="l"/>
-            <a:r>
-              <a:rPr lang="en-US" altLang="ko-KR" sz="4400" dirty="0">
-                <a:solidFill>
-                  <a:schemeClr val="tx1">
-                    <a:lumMod val="75000"/>
-                    <a:lumOff val="25000"/>
-                  </a:schemeClr>
-                </a:solidFill>
-                <a:latin typeface="Noto Sans CJK KR Black" pitchFamily="34" charset="-127"/>
-                <a:ea typeface="Noto Sans CJK KR Black" pitchFamily="34" charset="-127"/>
-              </a:rPr>
-              <a:t>2. </a:t>
-            </a:r>
-            <a:r>
-              <a:rPr lang="ko-KR" altLang="en-US" sz="4400" dirty="0">
-                <a:solidFill>
-                  <a:schemeClr val="tx1">
-                    <a:lumMod val="75000"/>
-                    <a:lumOff val="25000"/>
-                  </a:schemeClr>
-                </a:solidFill>
-                <a:latin typeface="Noto Sans CJK KR Black" pitchFamily="34" charset="-127"/>
-                <a:ea typeface="Noto Sans CJK KR Black" pitchFamily="34" charset="-127"/>
-              </a:rPr>
-              <a:t>시계열</a:t>
-            </a:r>
-            <a:r>
-              <a:rPr lang="en-US" altLang="ko-KR" sz="4400" dirty="0">
-                <a:solidFill>
-                  <a:schemeClr val="tx1">
-                    <a:lumMod val="75000"/>
-                    <a:lumOff val="25000"/>
-                  </a:schemeClr>
-                </a:solidFill>
-                <a:latin typeface="Noto Sans CJK KR Black" pitchFamily="34" charset="-127"/>
-                <a:ea typeface="Noto Sans CJK KR Black" pitchFamily="34" charset="-127"/>
-              </a:rPr>
-              <a:t> </a:t>
-            </a:r>
-            <a:r>
-              <a:rPr lang="ko-KR" altLang="en-US" sz="4400" dirty="0">
-                <a:solidFill>
-                  <a:schemeClr val="tx1">
-                    <a:lumMod val="75000"/>
-                    <a:lumOff val="25000"/>
-                  </a:schemeClr>
-                </a:solidFill>
-                <a:latin typeface="Noto Sans CJK KR Black" pitchFamily="34" charset="-127"/>
-                <a:ea typeface="Noto Sans CJK KR Black" pitchFamily="34" charset="-127"/>
-              </a:rPr>
-              <a:t>데이터</a:t>
-            </a:r>
-            <a:r>
-              <a:rPr lang="en-US" altLang="ko-KR" sz="4400" dirty="0">
-                <a:solidFill>
-                  <a:schemeClr val="tx1">
-                    <a:lumMod val="75000"/>
-                    <a:lumOff val="25000"/>
-                  </a:schemeClr>
-                </a:solidFill>
-                <a:latin typeface="Noto Sans CJK KR Black" pitchFamily="34" charset="-127"/>
-                <a:ea typeface="Noto Sans CJK KR Black" pitchFamily="34" charset="-127"/>
-              </a:rPr>
-              <a:t>/</a:t>
-            </a:r>
-            <a:r>
-              <a:rPr lang="ko-KR" altLang="en-US" sz="4400" dirty="0">
-                <a:solidFill>
-                  <a:schemeClr val="tx1">
-                    <a:lumMod val="75000"/>
-                    <a:lumOff val="25000"/>
-                  </a:schemeClr>
-                </a:solidFill>
-                <a:latin typeface="Noto Sans CJK KR Black" pitchFamily="34" charset="-127"/>
-                <a:ea typeface="Noto Sans CJK KR Black" pitchFamily="34" charset="-127"/>
-              </a:rPr>
-              <a:t>분석과 </a:t>
-            </a:r>
-            <a:br>
-              <a:rPr lang="en-US" altLang="ko-KR" sz="4400" dirty="0">
-                <a:solidFill>
-                  <a:schemeClr val="tx1">
-                    <a:lumMod val="75000"/>
-                    <a:lumOff val="25000"/>
-                  </a:schemeClr>
-                </a:solidFill>
-                <a:latin typeface="Noto Sans CJK KR Black" pitchFamily="34" charset="-127"/>
-                <a:ea typeface="Noto Sans CJK KR Black" pitchFamily="34" charset="-127"/>
-              </a:rPr>
-            </a:br>
-            <a:r>
-              <a:rPr lang="ko-KR" altLang="en-US" sz="4400" dirty="0">
-                <a:solidFill>
-                  <a:schemeClr val="tx1">
-                    <a:lumMod val="75000"/>
-                    <a:lumOff val="25000"/>
-                  </a:schemeClr>
-                </a:solidFill>
-                <a:latin typeface="Noto Sans CJK KR Black" pitchFamily="34" charset="-127"/>
-                <a:ea typeface="Noto Sans CJK KR Black" pitchFamily="34" charset="-127"/>
-              </a:rPr>
-              <a:t>기계학습의 차이</a:t>
-            </a:r>
-            <a:endParaRPr lang="ko-KR" altLang="en-US" sz="4400" dirty="0">
-              <a:solidFill>
-                <a:schemeClr val="tx1">
-                  <a:lumMod val="75000"/>
-                  <a:lumOff val="25000"/>
-                </a:schemeClr>
-              </a:solidFill>
-            </a:endParaRPr>
-          </a:p>
-        </p:txBody>
-      </p:sp>
-      <p:sp>
-        <p:nvSpPr>
-          <p:cNvPr id="3" name="슬라이드 번호 개체 틀 2"/>
-          <p:cNvSpPr>
-            <a:spLocks noGrp="1"/>
-          </p:cNvSpPr>
-          <p:nvPr>
-            <p:ph type="sldNum" sz="quarter" idx="12"/>
-          </p:nvPr>
-        </p:nvSpPr>
-        <p:spPr/>
-        <p:txBody>
-          <a:bodyPr/>
-          <a:lstStyle/>
-          <a:p>
-            <a:fld id="{6DDAE2C3-1A0B-474A-8CE8-AE55B8D9D4B1}" type="slidenum">
-              <a:rPr lang="ko-KR" altLang="en-US" smtClean="0"/>
-              <a:pPr/>
-              <a:t>16</a:t>
-            </a:fld>
-            <a:endParaRPr lang="ko-KR" altLang="en-US" dirty="0"/>
-          </a:p>
-        </p:txBody>
-      </p:sp>
     </p:spTree>
     <p:extLst>
       <p:ext uri="{BB962C8B-B14F-4D97-AF65-F5344CB8AC3E}">
@@ -5499,7 +5016,7 @@
 </p:sld>
 </file>
 
-<file path=ppt/slides/slide17.xml><?xml version="1.0" encoding="utf-8"?>
+<file path=ppt/slides/slide15.xml><?xml version="1.0" encoding="utf-8"?>
 <p:sld xmlns:a="http://schemas.openxmlformats.org/drawingml/2006/main" xmlns:r="http://schemas.openxmlformats.org/officeDocument/2006/relationships" xmlns:p="http://schemas.openxmlformats.org/presentationml/2006/main">
   <p:cSld>
     <p:spTree>
@@ -5529,18 +5046,18 @@
         <p:spPr>
           <a:xfrm>
             <a:off x="608012" y="539949"/>
-            <a:ext cx="10944225" cy="1140090"/>
+            <a:ext cx="10944225" cy="1872208"/>
           </a:xfrm>
         </p:spPr>
         <p:txBody>
           <a:bodyPr>
-            <a:normAutofit/>
+            <a:noAutofit/>
           </a:bodyPr>
           <a:lstStyle/>
           <a:p>
             <a:pPr algn="l"/>
             <a:r>
-              <a:rPr lang="en-US" altLang="ko-KR" sz="4400" dirty="0">
+              <a:rPr lang="en-US" altLang="ko-KR" sz="3600" dirty="0">
                 <a:solidFill>
                   <a:schemeClr val="tx1">
                     <a:lumMod val="75000"/>
@@ -5553,7 +5070,7 @@
               <a:t>2. </a:t>
             </a:r>
             <a:r>
-              <a:rPr lang="ko-KR" altLang="en-US" sz="4400" dirty="0">
+              <a:rPr lang="ko-KR" altLang="en-US" sz="3600" dirty="0">
                 <a:solidFill>
                   <a:schemeClr val="tx1">
                     <a:lumMod val="75000"/>
@@ -5566,7 +5083,7 @@
               <a:t>시계열</a:t>
             </a:r>
             <a:r>
-              <a:rPr lang="en-US" altLang="ko-KR" sz="4400" dirty="0">
+              <a:rPr lang="en-US" altLang="ko-KR" sz="3600" dirty="0">
                 <a:solidFill>
                   <a:schemeClr val="tx1">
                     <a:lumMod val="75000"/>
@@ -5578,8 +5095,8 @@
               </a:rPr>
               <a:t> </a:t>
             </a:r>
-            <a:r>
-              <a:rPr lang="ko-KR" altLang="en-US" sz="4400" dirty="0">
+            <a:br>
+              <a:rPr lang="en-US" altLang="ko-KR" sz="3600" dirty="0">
                 <a:solidFill>
                   <a:schemeClr val="tx1">
                     <a:lumMod val="75000"/>
@@ -5589,10 +5106,9 @@
                 <a:latin typeface="Noto Sans CJK KR Black" pitchFamily="34" charset="-127"/>
                 <a:ea typeface="Noto Sans CJK KR Black" pitchFamily="34" charset="-127"/>
               </a:rPr>
-              <a:t>데이터</a:t>
-            </a:r>
-            <a:r>
-              <a:rPr lang="en-US" altLang="ko-KR" sz="4400" dirty="0">
+            </a:br>
+            <a:r>
+              <a:rPr lang="ko-KR" altLang="en-US" sz="3600" dirty="0">
                 <a:solidFill>
                   <a:schemeClr val="tx1">
                     <a:lumMod val="75000"/>
@@ -5602,10 +5118,10 @@
                 <a:latin typeface="Noto Sans CJK KR Black" pitchFamily="34" charset="-127"/>
                 <a:ea typeface="Noto Sans CJK KR Black" pitchFamily="34" charset="-127"/>
               </a:rPr>
-              <a:t>/</a:t>
-            </a:r>
-            <a:r>
-              <a:rPr lang="ko-KR" altLang="en-US" sz="4400" dirty="0">
+              <a:t>데이터 분석과 </a:t>
+            </a:r>
+            <a:br>
+              <a:rPr lang="en-US" altLang="ko-KR" sz="3600" dirty="0">
                 <a:solidFill>
                   <a:schemeClr val="tx1">
                     <a:lumMod val="75000"/>
@@ -5615,9 +5131,21 @@
                 <a:latin typeface="Noto Sans CJK KR Black" pitchFamily="34" charset="-127"/>
                 <a:ea typeface="Noto Sans CJK KR Black" pitchFamily="34" charset="-127"/>
               </a:rPr>
-              <a:t>분석과 기계학습의 차이</a:t>
-            </a:r>
-            <a:endParaRPr lang="ko-KR" altLang="en-US" sz="4400" dirty="0">
+            </a:br>
+            <a:r>
+              <a:rPr lang="ko-KR" altLang="en-US" sz="3600" dirty="0">
+                <a:solidFill>
+                  <a:schemeClr val="tx1">
+                    <a:lumMod val="75000"/>
+                    <a:lumOff val="25000"/>
+                  </a:schemeClr>
+                </a:solidFill>
+                <a:latin typeface="Noto Sans CJK KR Black" pitchFamily="34" charset="-127"/>
+                <a:ea typeface="Noto Sans CJK KR Black" pitchFamily="34" charset="-127"/>
+              </a:rPr>
+              <a:t>기계학습의 차이</a:t>
+            </a:r>
+            <a:endParaRPr lang="ko-KR" altLang="en-US" sz="3600" dirty="0">
               <a:solidFill>
                 <a:schemeClr val="tx1">
                   <a:lumMod val="75000"/>
@@ -5646,7 +5174,7 @@
             <a:fld id="{6DDAE2C3-1A0B-474A-8CE8-AE55B8D9D4B1}" type="slidenum">
               <a:rPr lang="ko-KR" altLang="en-US" smtClean="0"/>
               <a:pPr/>
-              <a:t>17</a:t>
+              <a:t>15</a:t>
             </a:fld>
             <a:endParaRPr lang="ko-KR" altLang="en-US" dirty="0"/>
           </a:p>
@@ -5654,10 +5182,10 @@
       </p:sp>
       <p:pic>
         <p:nvPicPr>
-          <p:cNvPr id="8" name="그림 7">
+          <p:cNvPr id="2" name="그림 1">
             <a:extLst>
               <a:ext uri="{FF2B5EF4-FFF2-40B4-BE49-F238E27FC236}">
-                <a16:creationId xmlns:a16="http://schemas.microsoft.com/office/drawing/2014/main" id="{C8F30B1B-CB0E-42A4-BA8F-567898777D58}"/>
+                <a16:creationId xmlns:a16="http://schemas.microsoft.com/office/drawing/2014/main" id="{6E77F9CC-A199-4337-9315-C82671E18B8C}"/>
               </a:ext>
             </a:extLst>
           </p:cNvPr>
@@ -5674,38 +5202,8 @@
         </p:blipFill>
         <p:spPr>
           <a:xfrm>
-            <a:off x="967557" y="2247731"/>
-            <a:ext cx="4676775" cy="3533775"/>
-          </a:xfrm>
-          <a:prstGeom prst="rect">
-            <a:avLst/>
-          </a:prstGeom>
-        </p:spPr>
-      </p:pic>
-      <p:pic>
-        <p:nvPicPr>
-          <p:cNvPr id="9" name="그림 8">
-            <a:extLst>
-              <a:ext uri="{FF2B5EF4-FFF2-40B4-BE49-F238E27FC236}">
-                <a16:creationId xmlns:a16="http://schemas.microsoft.com/office/drawing/2014/main" id="{F42D7545-5AD7-44F6-A4B1-2C6F6581202C}"/>
-              </a:ext>
-            </a:extLst>
-          </p:cNvPr>
-          <p:cNvPicPr>
-            <a:picLocks noChangeAspect="1"/>
-          </p:cNvPicPr>
-          <p:nvPr/>
-        </p:nvPicPr>
-        <p:blipFill>
-          <a:blip r:embed="rId3"/>
-          <a:stretch>
-            <a:fillRect/>
-          </a:stretch>
-        </p:blipFill>
-        <p:spPr>
-          <a:xfrm>
-            <a:off x="6486301" y="2449931"/>
-            <a:ext cx="4533900" cy="3152775"/>
+            <a:off x="4445000" y="478868"/>
+            <a:ext cx="7715250" cy="6257925"/>
           </a:xfrm>
           <a:prstGeom prst="rect">
             <a:avLst/>
@@ -5725,7 +5223,7 @@
 </p:sld>
 </file>
 
-<file path=ppt/slides/slide18.xml><?xml version="1.0" encoding="utf-8"?>
+<file path=ppt/slides/slide16.xml><?xml version="1.0" encoding="utf-8"?>
 <p:sld xmlns:a="http://schemas.openxmlformats.org/drawingml/2006/main" xmlns:r="http://schemas.openxmlformats.org/officeDocument/2006/relationships" xmlns:p="http://schemas.openxmlformats.org/presentationml/2006/main">
   <p:cSld>
     <p:spTree>
@@ -5872,7 +5370,7 @@
             <a:fld id="{6DDAE2C3-1A0B-474A-8CE8-AE55B8D9D4B1}" type="slidenum">
               <a:rPr lang="ko-KR" altLang="en-US" smtClean="0"/>
               <a:pPr/>
-              <a:t>18</a:t>
+              <a:t>16</a:t>
             </a:fld>
             <a:endParaRPr lang="ko-KR" altLang="en-US" dirty="0"/>
           </a:p>
@@ -5921,7 +5419,7 @@
 </p:sld>
 </file>
 
-<file path=ppt/slides/slide19.xml><?xml version="1.0" encoding="utf-8"?>
+<file path=ppt/slides/slide17.xml><?xml version="1.0" encoding="utf-8"?>
 <p:sld xmlns:a="http://schemas.openxmlformats.org/drawingml/2006/main" xmlns:r="http://schemas.openxmlformats.org/officeDocument/2006/relationships" xmlns:p="http://schemas.openxmlformats.org/presentationml/2006/main">
   <p:cSld>
     <p:spTree>
@@ -6093,7 +5591,7 @@
             <a:fld id="{6DDAE2C3-1A0B-474A-8CE8-AE55B8D9D4B1}" type="slidenum">
               <a:rPr lang="ko-KR" altLang="en-US" smtClean="0"/>
               <a:pPr/>
-              <a:t>19</a:t>
+              <a:t>17</a:t>
             </a:fld>
             <a:endParaRPr lang="ko-KR" altLang="en-US" dirty="0"/>
           </a:p>
@@ -6142,7 +5640,7 @@
 </p:sld>
 </file>
 
-<file path=ppt/slides/slide2.xml><?xml version="1.0" encoding="utf-8"?>
+<file path=ppt/slides/slide18.xml><?xml version="1.0" encoding="utf-8"?>
 <p:sld xmlns:a="http://schemas.openxmlformats.org/drawingml/2006/main" xmlns:r="http://schemas.openxmlformats.org/officeDocument/2006/relationships" xmlns:p="http://schemas.openxmlformats.org/presentationml/2006/main">
   <p:cSld>
     <p:spTree>
@@ -6171,179 +5669,6 @@
         </p:nvSpPr>
         <p:spPr>
           <a:xfrm>
-            <a:off x="608016" y="551987"/>
-            <a:ext cx="10944225" cy="1140090"/>
-          </a:xfrm>
-        </p:spPr>
-        <p:txBody>
-          <a:bodyPr>
-            <a:normAutofit/>
-          </a:bodyPr>
-          <a:lstStyle/>
-          <a:p>
-            <a:pPr algn="l"/>
-            <a:r>
-              <a:rPr lang="ko-KR" altLang="en-US" sz="4400" dirty="0">
-                <a:solidFill>
-                  <a:schemeClr val="tx1">
-                    <a:lumMod val="75000"/>
-                    <a:lumOff val="25000"/>
-                  </a:schemeClr>
-                </a:solidFill>
-                <a:latin typeface="Noto Sans CJK KR Black" pitchFamily="34" charset="-127"/>
-                <a:ea typeface="Noto Sans CJK KR Black" pitchFamily="34" charset="-127"/>
-              </a:rPr>
-              <a:t>강의순서</a:t>
-            </a:r>
-            <a:r>
-              <a:rPr lang="en-US" altLang="ko-KR" sz="4400" dirty="0">
-                <a:solidFill>
-                  <a:schemeClr val="tx1">
-                    <a:lumMod val="75000"/>
-                    <a:lumOff val="25000"/>
-                  </a:schemeClr>
-                </a:solidFill>
-                <a:latin typeface="Noto Sans CJK KR Black" pitchFamily="34" charset="-127"/>
-                <a:ea typeface="Noto Sans CJK KR Black" pitchFamily="34" charset="-127"/>
-              </a:rPr>
-              <a:t>(Part1: 1</a:t>
-            </a:r>
-            <a:r>
-              <a:rPr lang="ko-KR" altLang="en-US" sz="4400" dirty="0">
-                <a:solidFill>
-                  <a:schemeClr val="tx1">
-                    <a:lumMod val="75000"/>
-                    <a:lumOff val="25000"/>
-                  </a:schemeClr>
-                </a:solidFill>
-                <a:latin typeface="Noto Sans CJK KR Black" pitchFamily="34" charset="-127"/>
-                <a:ea typeface="Noto Sans CJK KR Black" pitchFamily="34" charset="-127"/>
-              </a:rPr>
-              <a:t>회차</a:t>
-            </a:r>
-            <a:r>
-              <a:rPr lang="en-US" altLang="ko-KR" sz="4400" dirty="0">
-                <a:solidFill>
-                  <a:schemeClr val="tx1">
-                    <a:lumMod val="75000"/>
-                    <a:lumOff val="25000"/>
-                  </a:schemeClr>
-                </a:solidFill>
-                <a:latin typeface="Noto Sans CJK KR Black" pitchFamily="34" charset="-127"/>
-                <a:ea typeface="Noto Sans CJK KR Black" pitchFamily="34" charset="-127"/>
-              </a:rPr>
-              <a:t>)</a:t>
-            </a:r>
-            <a:r>
-              <a:rPr lang="ko-KR" altLang="en-US" sz="4400" dirty="0">
-                <a:solidFill>
-                  <a:schemeClr val="tx1">
-                    <a:lumMod val="75000"/>
-                    <a:lumOff val="25000"/>
-                  </a:schemeClr>
-                </a:solidFill>
-              </a:rPr>
-              <a:t> </a:t>
-            </a:r>
-          </a:p>
-        </p:txBody>
-      </p:sp>
-      <p:sp>
-        <p:nvSpPr>
-          <p:cNvPr id="15" name="슬라이드 번호 개체 틀 14"/>
-          <p:cNvSpPr>
-            <a:spLocks noGrp="1"/>
-          </p:cNvSpPr>
-          <p:nvPr>
-            <p:ph type="sldNum" sz="quarter" idx="12"/>
-          </p:nvPr>
-        </p:nvSpPr>
-        <p:spPr/>
-        <p:txBody>
-          <a:bodyPr/>
-          <a:lstStyle/>
-          <a:p>
-            <a:fld id="{6DDAE2C3-1A0B-474A-8CE8-AE55B8D9D4B1}" type="slidenum">
-              <a:rPr lang="ko-KR" altLang="en-US" smtClean="0"/>
-              <a:pPr/>
-              <a:t>2</a:t>
-            </a:fld>
-            <a:endParaRPr lang="ko-KR" altLang="en-US" dirty="0"/>
-          </a:p>
-        </p:txBody>
-      </p:sp>
-      <p:pic>
-        <p:nvPicPr>
-          <p:cNvPr id="2" name="그림 1">
-            <a:extLst>
-              <a:ext uri="{FF2B5EF4-FFF2-40B4-BE49-F238E27FC236}">
-                <a16:creationId xmlns:a16="http://schemas.microsoft.com/office/drawing/2014/main" id="{23EA537C-1285-44BC-B863-4888944D647B}"/>
-              </a:ext>
-            </a:extLst>
-          </p:cNvPr>
-          <p:cNvPicPr>
-            <a:picLocks noChangeAspect="1"/>
-          </p:cNvPicPr>
-          <p:nvPr/>
-        </p:nvPicPr>
-        <p:blipFill>
-          <a:blip r:embed="rId2"/>
-          <a:stretch>
-            <a:fillRect/>
-          </a:stretch>
-        </p:blipFill>
-        <p:spPr>
-          <a:xfrm>
-            <a:off x="3200125" y="1615182"/>
-            <a:ext cx="5760000" cy="5121611"/>
-          </a:xfrm>
-          <a:prstGeom prst="rect">
-            <a:avLst/>
-          </a:prstGeom>
-        </p:spPr>
-      </p:pic>
-    </p:spTree>
-    <p:extLst>
-      <p:ext uri="{BB962C8B-B14F-4D97-AF65-F5344CB8AC3E}">
-        <p14:creationId xmlns:p14="http://schemas.microsoft.com/office/powerpoint/2010/main" val="1268783180"/>
-      </p:ext>
-    </p:extLst>
-  </p:cSld>
-  <p:clrMapOvr>
-    <a:masterClrMapping/>
-  </p:clrMapOvr>
-</p:sld>
-</file>
-
-<file path=ppt/slides/slide20.xml><?xml version="1.0" encoding="utf-8"?>
-<p:sld xmlns:a="http://schemas.openxmlformats.org/drawingml/2006/main" xmlns:r="http://schemas.openxmlformats.org/officeDocument/2006/relationships" xmlns:p="http://schemas.openxmlformats.org/presentationml/2006/main">
-  <p:cSld>
-    <p:spTree>
-      <p:nvGrpSpPr>
-        <p:cNvPr id="1" name=""/>
-        <p:cNvGrpSpPr/>
-        <p:nvPr/>
-      </p:nvGrpSpPr>
-      <p:grpSpPr>
-        <a:xfrm>
-          <a:off x="0" y="0"/>
-          <a:ext cx="0" cy="0"/>
-          <a:chOff x="0" y="0"/>
-          <a:chExt cx="0" cy="0"/>
-        </a:xfrm>
-      </p:grpSpPr>
-      <p:sp>
-        <p:nvSpPr>
-          <p:cNvPr id="5" name="제목 4"/>
-          <p:cNvSpPr>
-            <a:spLocks noGrp="1"/>
-          </p:cNvSpPr>
-          <p:nvPr>
-            <p:ph type="title"/>
-          </p:nvPr>
-        </p:nvSpPr>
-        <p:spPr>
-          <a:xfrm>
             <a:off x="608012" y="912027"/>
             <a:ext cx="10944225" cy="1140090"/>
           </a:xfrm>
@@ -6487,7 +5812,7 @@
             <a:fld id="{6DDAE2C3-1A0B-474A-8CE8-AE55B8D9D4B1}" type="slidenum">
               <a:rPr lang="ko-KR" altLang="en-US" smtClean="0"/>
               <a:pPr/>
-              <a:t>20</a:t>
+              <a:t>18</a:t>
             </a:fld>
             <a:endParaRPr lang="ko-KR" altLang="en-US" dirty="0"/>
           </a:p>
@@ -6536,2875 +5861,7 @@
 </p:sld>
 </file>
 
-<file path=ppt/slides/slide21.xml><?xml version="1.0" encoding="utf-8"?>
-<p:sld xmlns:a="http://schemas.openxmlformats.org/drawingml/2006/main" xmlns:r="http://schemas.openxmlformats.org/officeDocument/2006/relationships" xmlns:p="http://schemas.openxmlformats.org/presentationml/2006/main">
-  <p:cSld>
-    <p:spTree>
-      <p:nvGrpSpPr>
-        <p:cNvPr id="1" name=""/>
-        <p:cNvGrpSpPr/>
-        <p:nvPr/>
-      </p:nvGrpSpPr>
-      <p:grpSpPr>
-        <a:xfrm>
-          <a:off x="0" y="0"/>
-          <a:ext cx="0" cy="0"/>
-          <a:chOff x="0" y="0"/>
-          <a:chExt cx="0" cy="0"/>
-        </a:xfrm>
-      </p:grpSpPr>
-      <p:sp>
-        <p:nvSpPr>
-          <p:cNvPr id="5" name="제목 4"/>
-          <p:cNvSpPr>
-            <a:spLocks noGrp="1"/>
-          </p:cNvSpPr>
-          <p:nvPr>
-            <p:ph type="title"/>
-          </p:nvPr>
-        </p:nvSpPr>
-        <p:spPr>
-          <a:xfrm>
-            <a:off x="608012" y="539949"/>
-            <a:ext cx="10944225" cy="1140090"/>
-          </a:xfrm>
-        </p:spPr>
-        <p:txBody>
-          <a:bodyPr>
-            <a:normAutofit/>
-          </a:bodyPr>
-          <a:lstStyle/>
-          <a:p>
-            <a:pPr algn="l"/>
-            <a:r>
-              <a:rPr lang="en-US" altLang="ko-KR" sz="4400" dirty="0">
-                <a:solidFill>
-                  <a:schemeClr val="tx1">
-                    <a:lumMod val="75000"/>
-                    <a:lumOff val="25000"/>
-                  </a:schemeClr>
-                </a:solidFill>
-                <a:latin typeface="Noto Sans CJK KR Black" pitchFamily="34" charset="-127"/>
-                <a:ea typeface="Noto Sans CJK KR Black" pitchFamily="34" charset="-127"/>
-              </a:rPr>
-              <a:t>2. </a:t>
-            </a:r>
-            <a:r>
-              <a:rPr lang="ko-KR" altLang="en-US" sz="4400" dirty="0">
-                <a:solidFill>
-                  <a:schemeClr val="tx1">
-                    <a:lumMod val="75000"/>
-                    <a:lumOff val="25000"/>
-                  </a:schemeClr>
-                </a:solidFill>
-                <a:latin typeface="Noto Sans CJK KR Black" pitchFamily="34" charset="-127"/>
-                <a:ea typeface="Noto Sans CJK KR Black" pitchFamily="34" charset="-127"/>
-              </a:rPr>
-              <a:t>시계열</a:t>
-            </a:r>
-            <a:r>
-              <a:rPr lang="en-US" altLang="ko-KR" sz="4400" dirty="0">
-                <a:solidFill>
-                  <a:schemeClr val="tx1">
-                    <a:lumMod val="75000"/>
-                    <a:lumOff val="25000"/>
-                  </a:schemeClr>
-                </a:solidFill>
-                <a:latin typeface="Noto Sans CJK KR Black" pitchFamily="34" charset="-127"/>
-                <a:ea typeface="Noto Sans CJK KR Black" pitchFamily="34" charset="-127"/>
-              </a:rPr>
-              <a:t> </a:t>
-            </a:r>
-            <a:r>
-              <a:rPr lang="ko-KR" altLang="en-US" sz="4400" dirty="0">
-                <a:solidFill>
-                  <a:schemeClr val="tx1">
-                    <a:lumMod val="75000"/>
-                    <a:lumOff val="25000"/>
-                  </a:schemeClr>
-                </a:solidFill>
-                <a:latin typeface="Noto Sans CJK KR Black" pitchFamily="34" charset="-127"/>
-                <a:ea typeface="Noto Sans CJK KR Black" pitchFamily="34" charset="-127"/>
-              </a:rPr>
-              <a:t>데이터</a:t>
-            </a:r>
-            <a:r>
-              <a:rPr lang="en-US" altLang="ko-KR" sz="4400" dirty="0">
-                <a:solidFill>
-                  <a:schemeClr val="tx1">
-                    <a:lumMod val="75000"/>
-                    <a:lumOff val="25000"/>
-                  </a:schemeClr>
-                </a:solidFill>
-                <a:latin typeface="Noto Sans CJK KR Black" pitchFamily="34" charset="-127"/>
-                <a:ea typeface="Noto Sans CJK KR Black" pitchFamily="34" charset="-127"/>
-              </a:rPr>
-              <a:t>/</a:t>
-            </a:r>
-            <a:r>
-              <a:rPr lang="ko-KR" altLang="en-US" sz="4400" dirty="0">
-                <a:solidFill>
-                  <a:schemeClr val="tx1">
-                    <a:lumMod val="75000"/>
-                    <a:lumOff val="25000"/>
-                  </a:schemeClr>
-                </a:solidFill>
-                <a:latin typeface="Noto Sans CJK KR Black" pitchFamily="34" charset="-127"/>
-                <a:ea typeface="Noto Sans CJK KR Black" pitchFamily="34" charset="-127"/>
-              </a:rPr>
-              <a:t>분석과 기계학습의 차이</a:t>
-            </a:r>
-            <a:endParaRPr lang="ko-KR" altLang="en-US" sz="4400" dirty="0">
-              <a:solidFill>
-                <a:schemeClr val="tx1">
-                  <a:lumMod val="75000"/>
-                  <a:lumOff val="25000"/>
-                </a:schemeClr>
-              </a:solidFill>
-            </a:endParaRPr>
-          </a:p>
-        </p:txBody>
-      </p:sp>
-      <p:sp>
-        <p:nvSpPr>
-          <p:cNvPr id="3" name="슬라이드 번호 개체 틀 2"/>
-          <p:cNvSpPr>
-            <a:spLocks noGrp="1"/>
-          </p:cNvSpPr>
-          <p:nvPr>
-            <p:ph type="sldNum" sz="quarter" idx="12"/>
-          </p:nvPr>
-        </p:nvSpPr>
-        <p:spPr/>
-        <p:txBody>
-          <a:bodyPr/>
-          <a:lstStyle/>
-          <a:p>
-            <a:fld id="{6DDAE2C3-1A0B-474A-8CE8-AE55B8D9D4B1}" type="slidenum">
-              <a:rPr lang="ko-KR" altLang="en-US" smtClean="0"/>
-              <a:pPr/>
-              <a:t>21</a:t>
-            </a:fld>
-            <a:endParaRPr lang="ko-KR" altLang="en-US" dirty="0"/>
-          </a:p>
-        </p:txBody>
-      </p:sp>
-      <p:pic>
-        <p:nvPicPr>
-          <p:cNvPr id="4" name="그림 3">
-            <a:extLst>
-              <a:ext uri="{FF2B5EF4-FFF2-40B4-BE49-F238E27FC236}">
-                <a16:creationId xmlns:a16="http://schemas.microsoft.com/office/drawing/2014/main" id="{50D6F013-DC69-4406-B375-769C3A12F3B8}"/>
-              </a:ext>
-            </a:extLst>
-          </p:cNvPr>
-          <p:cNvPicPr>
-            <a:picLocks noChangeAspect="1"/>
-          </p:cNvPicPr>
-          <p:nvPr/>
-        </p:nvPicPr>
-        <p:blipFill>
-          <a:blip r:embed="rId2"/>
-          <a:stretch>
-            <a:fillRect/>
-          </a:stretch>
-        </p:blipFill>
-        <p:spPr>
-          <a:xfrm>
-            <a:off x="608012" y="2379054"/>
-            <a:ext cx="4762500" cy="3476625"/>
-          </a:xfrm>
-          <a:prstGeom prst="rect">
-            <a:avLst/>
-          </a:prstGeom>
-        </p:spPr>
-      </p:pic>
-      <p:pic>
-        <p:nvPicPr>
-          <p:cNvPr id="6" name="그림 5">
-            <a:extLst>
-              <a:ext uri="{FF2B5EF4-FFF2-40B4-BE49-F238E27FC236}">
-                <a16:creationId xmlns:a16="http://schemas.microsoft.com/office/drawing/2014/main" id="{F22DDB76-DCD7-40D6-B592-8CCEF5228ED1}"/>
-              </a:ext>
-            </a:extLst>
-          </p:cNvPr>
-          <p:cNvPicPr>
-            <a:picLocks noChangeAspect="1"/>
-          </p:cNvPicPr>
-          <p:nvPr/>
-        </p:nvPicPr>
-        <p:blipFill>
-          <a:blip r:embed="rId3"/>
-          <a:stretch>
-            <a:fillRect/>
-          </a:stretch>
-        </p:blipFill>
-        <p:spPr>
-          <a:xfrm>
-            <a:off x="6224141" y="1883753"/>
-            <a:ext cx="5191125" cy="4467225"/>
-          </a:xfrm>
-          <a:prstGeom prst="rect">
-            <a:avLst/>
-          </a:prstGeom>
-        </p:spPr>
-      </p:pic>
-    </p:spTree>
-    <p:extLst>
-      <p:ext uri="{BB962C8B-B14F-4D97-AF65-F5344CB8AC3E}">
-        <p14:creationId xmlns:p14="http://schemas.microsoft.com/office/powerpoint/2010/main" val="362415506"/>
-      </p:ext>
-    </p:extLst>
-  </p:cSld>
-  <p:clrMapOvr>
-    <a:masterClrMapping/>
-  </p:clrMapOvr>
-</p:sld>
-</file>
-
-<file path=ppt/slides/slide22.xml><?xml version="1.0" encoding="utf-8"?>
-<p:sld xmlns:a="http://schemas.openxmlformats.org/drawingml/2006/main" xmlns:r="http://schemas.openxmlformats.org/officeDocument/2006/relationships" xmlns:p="http://schemas.openxmlformats.org/presentationml/2006/main">
-  <p:cSld>
-    <p:spTree>
-      <p:nvGrpSpPr>
-        <p:cNvPr id="1" name=""/>
-        <p:cNvGrpSpPr/>
-        <p:nvPr/>
-      </p:nvGrpSpPr>
-      <p:grpSpPr>
-        <a:xfrm>
-          <a:off x="0" y="0"/>
-          <a:ext cx="0" cy="0"/>
-          <a:chOff x="0" y="0"/>
-          <a:chExt cx="0" cy="0"/>
-        </a:xfrm>
-      </p:grpSpPr>
-      <p:sp>
-        <p:nvSpPr>
-          <p:cNvPr id="5" name="제목 4"/>
-          <p:cNvSpPr>
-            <a:spLocks noGrp="1"/>
-          </p:cNvSpPr>
-          <p:nvPr>
-            <p:ph type="title"/>
-          </p:nvPr>
-        </p:nvSpPr>
-        <p:spPr>
-          <a:xfrm>
-            <a:off x="608012" y="539949"/>
-            <a:ext cx="10944225" cy="1140090"/>
-          </a:xfrm>
-        </p:spPr>
-        <p:txBody>
-          <a:bodyPr>
-            <a:normAutofit fontScale="90000"/>
-          </a:bodyPr>
-          <a:lstStyle/>
-          <a:p>
-            <a:pPr algn="l"/>
-            <a:r>
-              <a:rPr lang="en-US" altLang="ko-KR" sz="4400" dirty="0">
-                <a:solidFill>
-                  <a:schemeClr val="tx1">
-                    <a:lumMod val="75000"/>
-                    <a:lumOff val="25000"/>
-                  </a:schemeClr>
-                </a:solidFill>
-                <a:latin typeface="Noto Sans CJK KR Black" pitchFamily="34" charset="-127"/>
-                <a:ea typeface="Noto Sans CJK KR Black" pitchFamily="34" charset="-127"/>
-              </a:rPr>
-              <a:t>2. </a:t>
-            </a:r>
-            <a:r>
-              <a:rPr lang="ko-KR" altLang="en-US" sz="4400" dirty="0">
-                <a:solidFill>
-                  <a:schemeClr val="tx1">
-                    <a:lumMod val="75000"/>
-                    <a:lumOff val="25000"/>
-                  </a:schemeClr>
-                </a:solidFill>
-                <a:latin typeface="Noto Sans CJK KR Black" pitchFamily="34" charset="-127"/>
-                <a:ea typeface="Noto Sans CJK KR Black" pitchFamily="34" charset="-127"/>
-              </a:rPr>
-              <a:t>시계열</a:t>
-            </a:r>
-            <a:r>
-              <a:rPr lang="en-US" altLang="ko-KR" sz="4400" dirty="0">
-                <a:solidFill>
-                  <a:schemeClr val="tx1">
-                    <a:lumMod val="75000"/>
-                    <a:lumOff val="25000"/>
-                  </a:schemeClr>
-                </a:solidFill>
-                <a:latin typeface="Noto Sans CJK KR Black" pitchFamily="34" charset="-127"/>
-                <a:ea typeface="Noto Sans CJK KR Black" pitchFamily="34" charset="-127"/>
-              </a:rPr>
-              <a:t> </a:t>
-            </a:r>
-            <a:r>
-              <a:rPr lang="ko-KR" altLang="en-US" sz="4400" dirty="0">
-                <a:solidFill>
-                  <a:schemeClr val="tx1">
-                    <a:lumMod val="75000"/>
-                    <a:lumOff val="25000"/>
-                  </a:schemeClr>
-                </a:solidFill>
-                <a:latin typeface="Noto Sans CJK KR Black" pitchFamily="34" charset="-127"/>
-                <a:ea typeface="Noto Sans CJK KR Black" pitchFamily="34" charset="-127"/>
-              </a:rPr>
-              <a:t>데이터</a:t>
-            </a:r>
-            <a:r>
-              <a:rPr lang="en-US" altLang="ko-KR" sz="4400" dirty="0">
-                <a:solidFill>
-                  <a:schemeClr val="tx1">
-                    <a:lumMod val="75000"/>
-                    <a:lumOff val="25000"/>
-                  </a:schemeClr>
-                </a:solidFill>
-                <a:latin typeface="Noto Sans CJK KR Black" pitchFamily="34" charset="-127"/>
-                <a:ea typeface="Noto Sans CJK KR Black" pitchFamily="34" charset="-127"/>
-              </a:rPr>
-              <a:t>/</a:t>
-            </a:r>
-            <a:r>
-              <a:rPr lang="ko-KR" altLang="en-US" sz="4400" dirty="0">
-                <a:solidFill>
-                  <a:schemeClr val="tx1">
-                    <a:lumMod val="75000"/>
-                    <a:lumOff val="25000"/>
-                  </a:schemeClr>
-                </a:solidFill>
-                <a:latin typeface="Noto Sans CJK KR Black" pitchFamily="34" charset="-127"/>
-                <a:ea typeface="Noto Sans CJK KR Black" pitchFamily="34" charset="-127"/>
-              </a:rPr>
-              <a:t>분석과</a:t>
-            </a:r>
-            <a:br>
-              <a:rPr lang="en-US" altLang="ko-KR" sz="4400" dirty="0">
-                <a:solidFill>
-                  <a:schemeClr val="tx1">
-                    <a:lumMod val="75000"/>
-                    <a:lumOff val="25000"/>
-                  </a:schemeClr>
-                </a:solidFill>
-                <a:latin typeface="Noto Sans CJK KR Black" pitchFamily="34" charset="-127"/>
-                <a:ea typeface="Noto Sans CJK KR Black" pitchFamily="34" charset="-127"/>
-              </a:rPr>
-            </a:br>
-            <a:r>
-              <a:rPr lang="ko-KR" altLang="en-US" sz="4400" dirty="0">
-                <a:solidFill>
-                  <a:schemeClr val="tx1">
-                    <a:lumMod val="75000"/>
-                    <a:lumOff val="25000"/>
-                  </a:schemeClr>
-                </a:solidFill>
-                <a:latin typeface="Noto Sans CJK KR Black" pitchFamily="34" charset="-127"/>
-                <a:ea typeface="Noto Sans CJK KR Black" pitchFamily="34" charset="-127"/>
-              </a:rPr>
-              <a:t> 기계학습의 차이</a:t>
-            </a:r>
-            <a:endParaRPr lang="ko-KR" altLang="en-US" sz="4400" dirty="0">
-              <a:solidFill>
-                <a:schemeClr val="tx1">
-                  <a:lumMod val="75000"/>
-                  <a:lumOff val="25000"/>
-                </a:schemeClr>
-              </a:solidFill>
-            </a:endParaRPr>
-          </a:p>
-        </p:txBody>
-      </p:sp>
-      <p:sp>
-        <p:nvSpPr>
-          <p:cNvPr id="3" name="슬라이드 번호 개체 틀 2"/>
-          <p:cNvSpPr>
-            <a:spLocks noGrp="1"/>
-          </p:cNvSpPr>
-          <p:nvPr>
-            <p:ph type="sldNum" sz="quarter" idx="12"/>
-          </p:nvPr>
-        </p:nvSpPr>
-        <p:spPr/>
-        <p:txBody>
-          <a:bodyPr/>
-          <a:lstStyle/>
-          <a:p>
-            <a:fld id="{6DDAE2C3-1A0B-474A-8CE8-AE55B8D9D4B1}" type="slidenum">
-              <a:rPr lang="ko-KR" altLang="en-US" smtClean="0"/>
-              <a:pPr/>
-              <a:t>22</a:t>
-            </a:fld>
-            <a:endParaRPr lang="ko-KR" altLang="en-US" dirty="0"/>
-          </a:p>
-        </p:txBody>
-      </p:sp>
-      <p:pic>
-        <p:nvPicPr>
-          <p:cNvPr id="2" name="그림 1">
-            <a:extLst>
-              <a:ext uri="{FF2B5EF4-FFF2-40B4-BE49-F238E27FC236}">
-                <a16:creationId xmlns:a16="http://schemas.microsoft.com/office/drawing/2014/main" id="{97724287-F85F-403F-B616-E7D80B3BF250}"/>
-              </a:ext>
-            </a:extLst>
-          </p:cNvPr>
-          <p:cNvPicPr>
-            <a:picLocks noChangeAspect="1"/>
-          </p:cNvPicPr>
-          <p:nvPr/>
-        </p:nvPicPr>
-        <p:blipFill>
-          <a:blip r:embed="rId2"/>
-          <a:stretch>
-            <a:fillRect/>
-          </a:stretch>
-        </p:blipFill>
-        <p:spPr>
-          <a:xfrm>
-            <a:off x="6349113" y="529389"/>
-            <a:ext cx="5181600" cy="6200775"/>
-          </a:xfrm>
-          <a:prstGeom prst="rect">
-            <a:avLst/>
-          </a:prstGeom>
-        </p:spPr>
-      </p:pic>
-    </p:spTree>
-    <p:extLst>
-      <p:ext uri="{BB962C8B-B14F-4D97-AF65-F5344CB8AC3E}">
-        <p14:creationId xmlns:p14="http://schemas.microsoft.com/office/powerpoint/2010/main" val="3967198073"/>
-      </p:ext>
-    </p:extLst>
-  </p:cSld>
-  <p:clrMapOvr>
-    <a:masterClrMapping/>
-  </p:clrMapOvr>
-</p:sld>
-</file>
-
-<file path=ppt/slides/slide23.xml><?xml version="1.0" encoding="utf-8"?>
-<p:sld xmlns:a="http://schemas.openxmlformats.org/drawingml/2006/main" xmlns:r="http://schemas.openxmlformats.org/officeDocument/2006/relationships" xmlns:p="http://schemas.openxmlformats.org/presentationml/2006/main">
-  <p:cSld>
-    <p:spTree>
-      <p:nvGrpSpPr>
-        <p:cNvPr id="1" name=""/>
-        <p:cNvGrpSpPr/>
-        <p:nvPr/>
-      </p:nvGrpSpPr>
-      <p:grpSpPr>
-        <a:xfrm>
-          <a:off x="0" y="0"/>
-          <a:ext cx="0" cy="0"/>
-          <a:chOff x="0" y="0"/>
-          <a:chExt cx="0" cy="0"/>
-        </a:xfrm>
-      </p:grpSpPr>
-      <p:sp>
-        <p:nvSpPr>
-          <p:cNvPr id="5" name="제목 4"/>
-          <p:cNvSpPr>
-            <a:spLocks noGrp="1"/>
-          </p:cNvSpPr>
-          <p:nvPr>
-            <p:ph type="title"/>
-          </p:nvPr>
-        </p:nvSpPr>
-        <p:spPr>
-          <a:xfrm>
-            <a:off x="608012" y="840019"/>
-            <a:ext cx="10944225" cy="1140090"/>
-          </a:xfrm>
-        </p:spPr>
-        <p:txBody>
-          <a:bodyPr>
-            <a:normAutofit fontScale="90000"/>
-          </a:bodyPr>
-          <a:lstStyle/>
-          <a:p>
-            <a:pPr algn="l"/>
-            <a:r>
-              <a:rPr lang="en-US" altLang="ko-KR" sz="4400" dirty="0">
-                <a:solidFill>
-                  <a:schemeClr val="tx1">
-                    <a:lumMod val="75000"/>
-                    <a:lumOff val="25000"/>
-                  </a:schemeClr>
-                </a:solidFill>
-                <a:latin typeface="Noto Sans CJK KR Black" pitchFamily="34" charset="-127"/>
-                <a:ea typeface="Noto Sans CJK KR Black" pitchFamily="34" charset="-127"/>
-              </a:rPr>
-              <a:t>2. </a:t>
-            </a:r>
-            <a:r>
-              <a:rPr lang="ko-KR" altLang="en-US" sz="4400" dirty="0">
-                <a:solidFill>
-                  <a:schemeClr val="tx1">
-                    <a:lumMod val="75000"/>
-                    <a:lumOff val="25000"/>
-                  </a:schemeClr>
-                </a:solidFill>
-                <a:latin typeface="Noto Sans CJK KR Black" pitchFamily="34" charset="-127"/>
-                <a:ea typeface="Noto Sans CJK KR Black" pitchFamily="34" charset="-127"/>
-              </a:rPr>
-              <a:t>시계열</a:t>
-            </a:r>
-            <a:r>
-              <a:rPr lang="en-US" altLang="ko-KR" sz="4400" dirty="0">
-                <a:solidFill>
-                  <a:schemeClr val="tx1">
-                    <a:lumMod val="75000"/>
-                    <a:lumOff val="25000"/>
-                  </a:schemeClr>
-                </a:solidFill>
-                <a:latin typeface="Noto Sans CJK KR Black" pitchFamily="34" charset="-127"/>
-                <a:ea typeface="Noto Sans CJK KR Black" pitchFamily="34" charset="-127"/>
-              </a:rPr>
-              <a:t> </a:t>
-            </a:r>
-            <a:r>
-              <a:rPr lang="ko-KR" altLang="en-US" sz="4400" dirty="0">
-                <a:solidFill>
-                  <a:schemeClr val="tx1">
-                    <a:lumMod val="75000"/>
-                    <a:lumOff val="25000"/>
-                  </a:schemeClr>
-                </a:solidFill>
-                <a:latin typeface="Noto Sans CJK KR Black" pitchFamily="34" charset="-127"/>
-                <a:ea typeface="Noto Sans CJK KR Black" pitchFamily="34" charset="-127"/>
-              </a:rPr>
-              <a:t>데이터</a:t>
-            </a:r>
-            <a:r>
-              <a:rPr lang="en-US" altLang="ko-KR" sz="4400" dirty="0">
-                <a:solidFill>
-                  <a:schemeClr val="tx1">
-                    <a:lumMod val="75000"/>
-                    <a:lumOff val="25000"/>
-                  </a:schemeClr>
-                </a:solidFill>
-                <a:latin typeface="Noto Sans CJK KR Black" pitchFamily="34" charset="-127"/>
-                <a:ea typeface="Noto Sans CJK KR Black" pitchFamily="34" charset="-127"/>
-              </a:rPr>
-              <a:t>/</a:t>
-            </a:r>
-            <a:r>
-              <a:rPr lang="ko-KR" altLang="en-US" sz="4400" dirty="0">
-                <a:solidFill>
-                  <a:schemeClr val="tx1">
-                    <a:lumMod val="75000"/>
-                    <a:lumOff val="25000"/>
-                  </a:schemeClr>
-                </a:solidFill>
-                <a:latin typeface="Noto Sans CJK KR Black" pitchFamily="34" charset="-127"/>
-                <a:ea typeface="Noto Sans CJK KR Black" pitchFamily="34" charset="-127"/>
-              </a:rPr>
-              <a:t>분석과 </a:t>
-            </a:r>
-            <a:br>
-              <a:rPr lang="en-US" altLang="ko-KR" sz="4400" dirty="0">
-                <a:solidFill>
-                  <a:schemeClr val="tx1">
-                    <a:lumMod val="75000"/>
-                    <a:lumOff val="25000"/>
-                  </a:schemeClr>
-                </a:solidFill>
-                <a:latin typeface="Noto Sans CJK KR Black" pitchFamily="34" charset="-127"/>
-                <a:ea typeface="Noto Sans CJK KR Black" pitchFamily="34" charset="-127"/>
-              </a:rPr>
-            </a:br>
-            <a:r>
-              <a:rPr lang="ko-KR" altLang="en-US" sz="4400" dirty="0">
-                <a:solidFill>
-                  <a:schemeClr val="tx1">
-                    <a:lumMod val="75000"/>
-                    <a:lumOff val="25000"/>
-                  </a:schemeClr>
-                </a:solidFill>
-                <a:latin typeface="Noto Sans CJK KR Black" pitchFamily="34" charset="-127"/>
-                <a:ea typeface="Noto Sans CJK KR Black" pitchFamily="34" charset="-127"/>
-              </a:rPr>
-              <a:t>기계학습의 차이</a:t>
-            </a:r>
-            <a:endParaRPr lang="ko-KR" altLang="en-US" sz="4400" dirty="0">
-              <a:solidFill>
-                <a:schemeClr val="tx1">
-                  <a:lumMod val="75000"/>
-                  <a:lumOff val="25000"/>
-                </a:schemeClr>
-              </a:solidFill>
-            </a:endParaRPr>
-          </a:p>
-        </p:txBody>
-      </p:sp>
-      <p:sp>
-        <p:nvSpPr>
-          <p:cNvPr id="3" name="슬라이드 번호 개체 틀 2"/>
-          <p:cNvSpPr>
-            <a:spLocks noGrp="1"/>
-          </p:cNvSpPr>
-          <p:nvPr>
-            <p:ph type="sldNum" sz="quarter" idx="12"/>
-          </p:nvPr>
-        </p:nvSpPr>
-        <p:spPr/>
-        <p:txBody>
-          <a:bodyPr/>
-          <a:lstStyle/>
-          <a:p>
-            <a:fld id="{6DDAE2C3-1A0B-474A-8CE8-AE55B8D9D4B1}" type="slidenum">
-              <a:rPr lang="ko-KR" altLang="en-US" smtClean="0"/>
-              <a:pPr/>
-              <a:t>23</a:t>
-            </a:fld>
-            <a:endParaRPr lang="ko-KR" altLang="en-US" dirty="0"/>
-          </a:p>
-        </p:txBody>
-      </p:sp>
-      <p:pic>
-        <p:nvPicPr>
-          <p:cNvPr id="4" name="그림 3">
-            <a:extLst>
-              <a:ext uri="{FF2B5EF4-FFF2-40B4-BE49-F238E27FC236}">
-                <a16:creationId xmlns:a16="http://schemas.microsoft.com/office/drawing/2014/main" id="{94A861F6-8B00-4967-8109-C79D41001398}"/>
-              </a:ext>
-            </a:extLst>
-          </p:cNvPr>
-          <p:cNvPicPr>
-            <a:picLocks noChangeAspect="1"/>
-          </p:cNvPicPr>
-          <p:nvPr/>
-        </p:nvPicPr>
-        <p:blipFill>
-          <a:blip r:embed="rId2"/>
-          <a:stretch>
-            <a:fillRect/>
-          </a:stretch>
-        </p:blipFill>
-        <p:spPr>
-          <a:xfrm>
-            <a:off x="895549" y="3215451"/>
-            <a:ext cx="4743450" cy="2286000"/>
-          </a:xfrm>
-          <a:prstGeom prst="rect">
-            <a:avLst/>
-          </a:prstGeom>
-        </p:spPr>
-      </p:pic>
-      <p:pic>
-        <p:nvPicPr>
-          <p:cNvPr id="7" name="그림 6">
-            <a:extLst>
-              <a:ext uri="{FF2B5EF4-FFF2-40B4-BE49-F238E27FC236}">
-                <a16:creationId xmlns:a16="http://schemas.microsoft.com/office/drawing/2014/main" id="{379F24A5-DEC3-4904-AA46-1FA14DCE2506}"/>
-              </a:ext>
-            </a:extLst>
-          </p:cNvPr>
-          <p:cNvPicPr>
-            <a:picLocks noChangeAspect="1"/>
-          </p:cNvPicPr>
-          <p:nvPr/>
-        </p:nvPicPr>
-        <p:blipFill>
-          <a:blip r:embed="rId3"/>
-          <a:stretch>
-            <a:fillRect/>
-          </a:stretch>
-        </p:blipFill>
-        <p:spPr>
-          <a:xfrm>
-            <a:off x="6957313" y="144370"/>
-            <a:ext cx="4305300" cy="6410325"/>
-          </a:xfrm>
-          <a:prstGeom prst="rect">
-            <a:avLst/>
-          </a:prstGeom>
-        </p:spPr>
-      </p:pic>
-    </p:spTree>
-    <p:extLst>
-      <p:ext uri="{BB962C8B-B14F-4D97-AF65-F5344CB8AC3E}">
-        <p14:creationId xmlns:p14="http://schemas.microsoft.com/office/powerpoint/2010/main" val="1374478474"/>
-      </p:ext>
-    </p:extLst>
-  </p:cSld>
-  <p:clrMapOvr>
-    <a:masterClrMapping/>
-  </p:clrMapOvr>
-</p:sld>
-</file>
-
-<file path=ppt/slides/slide24.xml><?xml version="1.0" encoding="utf-8"?>
-<p:sld xmlns:a="http://schemas.openxmlformats.org/drawingml/2006/main" xmlns:r="http://schemas.openxmlformats.org/officeDocument/2006/relationships" xmlns:p="http://schemas.openxmlformats.org/presentationml/2006/main">
-  <p:cSld>
-    <p:spTree>
-      <p:nvGrpSpPr>
-        <p:cNvPr id="1" name=""/>
-        <p:cNvGrpSpPr/>
-        <p:nvPr/>
-      </p:nvGrpSpPr>
-      <p:grpSpPr>
-        <a:xfrm>
-          <a:off x="0" y="0"/>
-          <a:ext cx="0" cy="0"/>
-          <a:chOff x="0" y="0"/>
-          <a:chExt cx="0" cy="0"/>
-        </a:xfrm>
-      </p:grpSpPr>
-      <p:sp>
-        <p:nvSpPr>
-          <p:cNvPr id="5" name="제목 4"/>
-          <p:cNvSpPr>
-            <a:spLocks noGrp="1"/>
-          </p:cNvSpPr>
-          <p:nvPr>
-            <p:ph type="title"/>
-          </p:nvPr>
-        </p:nvSpPr>
-        <p:spPr>
-          <a:xfrm>
-            <a:off x="608012" y="840019"/>
-            <a:ext cx="10944225" cy="1140090"/>
-          </a:xfrm>
-        </p:spPr>
-        <p:txBody>
-          <a:bodyPr>
-            <a:normAutofit/>
-          </a:bodyPr>
-          <a:lstStyle/>
-          <a:p>
-            <a:pPr algn="l"/>
-            <a:r>
-              <a:rPr lang="en-US" altLang="ko-KR" sz="4400" dirty="0">
-                <a:solidFill>
-                  <a:schemeClr val="tx1">
-                    <a:lumMod val="75000"/>
-                    <a:lumOff val="25000"/>
-                  </a:schemeClr>
-                </a:solidFill>
-                <a:latin typeface="Noto Sans CJK KR Black" pitchFamily="34" charset="-127"/>
-                <a:ea typeface="Noto Sans CJK KR Black" pitchFamily="34" charset="-127"/>
-              </a:rPr>
-              <a:t>2. </a:t>
-            </a:r>
-            <a:r>
-              <a:rPr lang="ko-KR" altLang="en-US" sz="4400" dirty="0">
-                <a:solidFill>
-                  <a:schemeClr val="tx1">
-                    <a:lumMod val="75000"/>
-                    <a:lumOff val="25000"/>
-                  </a:schemeClr>
-                </a:solidFill>
-                <a:latin typeface="Noto Sans CJK KR Black" pitchFamily="34" charset="-127"/>
-                <a:ea typeface="Noto Sans CJK KR Black" pitchFamily="34" charset="-127"/>
-              </a:rPr>
-              <a:t>시계열</a:t>
-            </a:r>
-            <a:r>
-              <a:rPr lang="en-US" altLang="ko-KR" sz="4400" dirty="0">
-                <a:solidFill>
-                  <a:schemeClr val="tx1">
-                    <a:lumMod val="75000"/>
-                    <a:lumOff val="25000"/>
-                  </a:schemeClr>
-                </a:solidFill>
-                <a:latin typeface="Noto Sans CJK KR Black" pitchFamily="34" charset="-127"/>
-                <a:ea typeface="Noto Sans CJK KR Black" pitchFamily="34" charset="-127"/>
-              </a:rPr>
-              <a:t> </a:t>
-            </a:r>
-            <a:r>
-              <a:rPr lang="ko-KR" altLang="en-US" sz="4400" dirty="0">
-                <a:solidFill>
-                  <a:schemeClr val="tx1">
-                    <a:lumMod val="75000"/>
-                    <a:lumOff val="25000"/>
-                  </a:schemeClr>
-                </a:solidFill>
-                <a:latin typeface="Noto Sans CJK KR Black" pitchFamily="34" charset="-127"/>
-                <a:ea typeface="Noto Sans CJK KR Black" pitchFamily="34" charset="-127"/>
-              </a:rPr>
-              <a:t>데이터</a:t>
-            </a:r>
-            <a:r>
-              <a:rPr lang="en-US" altLang="ko-KR" sz="4400" dirty="0">
-                <a:solidFill>
-                  <a:schemeClr val="tx1">
-                    <a:lumMod val="75000"/>
-                    <a:lumOff val="25000"/>
-                  </a:schemeClr>
-                </a:solidFill>
-                <a:latin typeface="Noto Sans CJK KR Black" pitchFamily="34" charset="-127"/>
-                <a:ea typeface="Noto Sans CJK KR Black" pitchFamily="34" charset="-127"/>
-              </a:rPr>
-              <a:t>/</a:t>
-            </a:r>
-            <a:r>
-              <a:rPr lang="ko-KR" altLang="en-US" sz="4400" dirty="0">
-                <a:solidFill>
-                  <a:schemeClr val="tx1">
-                    <a:lumMod val="75000"/>
-                    <a:lumOff val="25000"/>
-                  </a:schemeClr>
-                </a:solidFill>
-                <a:latin typeface="Noto Sans CJK KR Black" pitchFamily="34" charset="-127"/>
-                <a:ea typeface="Noto Sans CJK KR Black" pitchFamily="34" charset="-127"/>
-              </a:rPr>
-              <a:t>분석과 기계학습의 차이</a:t>
-            </a:r>
-            <a:endParaRPr lang="ko-KR" altLang="en-US" sz="4400" dirty="0">
-              <a:solidFill>
-                <a:schemeClr val="tx1">
-                  <a:lumMod val="75000"/>
-                  <a:lumOff val="25000"/>
-                </a:schemeClr>
-              </a:solidFill>
-            </a:endParaRPr>
-          </a:p>
-        </p:txBody>
-      </p:sp>
-      <p:sp>
-        <p:nvSpPr>
-          <p:cNvPr id="3" name="슬라이드 번호 개체 틀 2"/>
-          <p:cNvSpPr>
-            <a:spLocks noGrp="1"/>
-          </p:cNvSpPr>
-          <p:nvPr>
-            <p:ph type="sldNum" sz="quarter" idx="12"/>
-          </p:nvPr>
-        </p:nvSpPr>
-        <p:spPr/>
-        <p:txBody>
-          <a:bodyPr/>
-          <a:lstStyle/>
-          <a:p>
-            <a:fld id="{6DDAE2C3-1A0B-474A-8CE8-AE55B8D9D4B1}" type="slidenum">
-              <a:rPr lang="ko-KR" altLang="en-US" smtClean="0"/>
-              <a:pPr/>
-              <a:t>24</a:t>
-            </a:fld>
-            <a:endParaRPr lang="ko-KR" altLang="en-US" dirty="0"/>
-          </a:p>
-        </p:txBody>
-      </p:sp>
-      <p:pic>
-        <p:nvPicPr>
-          <p:cNvPr id="2" name="그림 1">
-            <a:extLst>
-              <a:ext uri="{FF2B5EF4-FFF2-40B4-BE49-F238E27FC236}">
-                <a16:creationId xmlns:a16="http://schemas.microsoft.com/office/drawing/2014/main" id="{9528AE1A-B1A7-4D20-B1D3-2E5F03D78A2B}"/>
-              </a:ext>
-            </a:extLst>
-          </p:cNvPr>
-          <p:cNvPicPr>
-            <a:picLocks noChangeAspect="1"/>
-          </p:cNvPicPr>
-          <p:nvPr/>
-        </p:nvPicPr>
-        <p:blipFill>
-          <a:blip r:embed="rId2"/>
-          <a:stretch>
-            <a:fillRect/>
-          </a:stretch>
-        </p:blipFill>
-        <p:spPr>
-          <a:xfrm>
-            <a:off x="2840124" y="3158290"/>
-            <a:ext cx="6480000" cy="2012727"/>
-          </a:xfrm>
-          <a:prstGeom prst="rect">
-            <a:avLst/>
-          </a:prstGeom>
-        </p:spPr>
-      </p:pic>
-    </p:spTree>
-    <p:extLst>
-      <p:ext uri="{BB962C8B-B14F-4D97-AF65-F5344CB8AC3E}">
-        <p14:creationId xmlns:p14="http://schemas.microsoft.com/office/powerpoint/2010/main" val="3612584127"/>
-      </p:ext>
-    </p:extLst>
-  </p:cSld>
-  <p:clrMapOvr>
-    <a:masterClrMapping/>
-  </p:clrMapOvr>
-</p:sld>
-</file>
-
-<file path=ppt/slides/slide25.xml><?xml version="1.0" encoding="utf-8"?>
-<p:sld xmlns:a="http://schemas.openxmlformats.org/drawingml/2006/main" xmlns:r="http://schemas.openxmlformats.org/officeDocument/2006/relationships" xmlns:p="http://schemas.openxmlformats.org/presentationml/2006/main">
-  <p:cSld>
-    <p:spTree>
-      <p:nvGrpSpPr>
-        <p:cNvPr id="1" name=""/>
-        <p:cNvGrpSpPr/>
-        <p:nvPr/>
-      </p:nvGrpSpPr>
-      <p:grpSpPr>
-        <a:xfrm>
-          <a:off x="0" y="0"/>
-          <a:ext cx="0" cy="0"/>
-          <a:chOff x="0" y="0"/>
-          <a:chExt cx="0" cy="0"/>
-        </a:xfrm>
-      </p:grpSpPr>
-      <p:sp>
-        <p:nvSpPr>
-          <p:cNvPr id="5" name="제목 4"/>
-          <p:cNvSpPr>
-            <a:spLocks noGrp="1"/>
-          </p:cNvSpPr>
-          <p:nvPr>
-            <p:ph type="title"/>
-          </p:nvPr>
-        </p:nvSpPr>
-        <p:spPr>
-          <a:xfrm>
-            <a:off x="608012" y="539949"/>
-            <a:ext cx="10944225" cy="1140090"/>
-          </a:xfrm>
-        </p:spPr>
-        <p:txBody>
-          <a:bodyPr>
-            <a:normAutofit/>
-          </a:bodyPr>
-          <a:lstStyle/>
-          <a:p>
-            <a:pPr algn="l"/>
-            <a:r>
-              <a:rPr lang="en-US" altLang="ko-KR" sz="4400" dirty="0">
-                <a:solidFill>
-                  <a:schemeClr val="tx1">
-                    <a:lumMod val="75000"/>
-                    <a:lumOff val="25000"/>
-                  </a:schemeClr>
-                </a:solidFill>
-                <a:latin typeface="Noto Sans CJK KR Black" pitchFamily="34" charset="-127"/>
-                <a:ea typeface="Noto Sans CJK KR Black" pitchFamily="34" charset="-127"/>
-              </a:rPr>
-              <a:t>2. </a:t>
-            </a:r>
-            <a:r>
-              <a:rPr lang="ko-KR" altLang="en-US" sz="4400" dirty="0">
-                <a:solidFill>
-                  <a:schemeClr val="tx1">
-                    <a:lumMod val="75000"/>
-                    <a:lumOff val="25000"/>
-                  </a:schemeClr>
-                </a:solidFill>
-                <a:latin typeface="Noto Sans CJK KR Black" pitchFamily="34" charset="-127"/>
-                <a:ea typeface="Noto Sans CJK KR Black" pitchFamily="34" charset="-127"/>
-              </a:rPr>
-              <a:t>시계열</a:t>
-            </a:r>
-            <a:r>
-              <a:rPr lang="en-US" altLang="ko-KR" sz="4400" dirty="0">
-                <a:solidFill>
-                  <a:schemeClr val="tx1">
-                    <a:lumMod val="75000"/>
-                    <a:lumOff val="25000"/>
-                  </a:schemeClr>
-                </a:solidFill>
-                <a:latin typeface="Noto Sans CJK KR Black" pitchFamily="34" charset="-127"/>
-                <a:ea typeface="Noto Sans CJK KR Black" pitchFamily="34" charset="-127"/>
-              </a:rPr>
-              <a:t> </a:t>
-            </a:r>
-            <a:r>
-              <a:rPr lang="ko-KR" altLang="en-US" sz="4400" dirty="0">
-                <a:solidFill>
-                  <a:schemeClr val="tx1">
-                    <a:lumMod val="75000"/>
-                    <a:lumOff val="25000"/>
-                  </a:schemeClr>
-                </a:solidFill>
-                <a:latin typeface="Noto Sans CJK KR Black" pitchFamily="34" charset="-127"/>
-                <a:ea typeface="Noto Sans CJK KR Black" pitchFamily="34" charset="-127"/>
-              </a:rPr>
-              <a:t>데이터</a:t>
-            </a:r>
-            <a:r>
-              <a:rPr lang="en-US" altLang="ko-KR" sz="4400" dirty="0">
-                <a:solidFill>
-                  <a:schemeClr val="tx1">
-                    <a:lumMod val="75000"/>
-                    <a:lumOff val="25000"/>
-                  </a:schemeClr>
-                </a:solidFill>
-                <a:latin typeface="Noto Sans CJK KR Black" pitchFamily="34" charset="-127"/>
-                <a:ea typeface="Noto Sans CJK KR Black" pitchFamily="34" charset="-127"/>
-              </a:rPr>
-              <a:t>/</a:t>
-            </a:r>
-            <a:r>
-              <a:rPr lang="ko-KR" altLang="en-US" sz="4400" dirty="0">
-                <a:solidFill>
-                  <a:schemeClr val="tx1">
-                    <a:lumMod val="75000"/>
-                    <a:lumOff val="25000"/>
-                  </a:schemeClr>
-                </a:solidFill>
-                <a:latin typeface="Noto Sans CJK KR Black" pitchFamily="34" charset="-127"/>
-                <a:ea typeface="Noto Sans CJK KR Black" pitchFamily="34" charset="-127"/>
-              </a:rPr>
-              <a:t>분석과 기계학습의 차이</a:t>
-            </a:r>
-            <a:endParaRPr lang="ko-KR" altLang="en-US" sz="4400" dirty="0">
-              <a:solidFill>
-                <a:schemeClr val="tx1">
-                  <a:lumMod val="75000"/>
-                  <a:lumOff val="25000"/>
-                </a:schemeClr>
-              </a:solidFill>
-            </a:endParaRPr>
-          </a:p>
-        </p:txBody>
-      </p:sp>
-      <p:sp>
-        <p:nvSpPr>
-          <p:cNvPr id="3" name="슬라이드 번호 개체 틀 2"/>
-          <p:cNvSpPr>
-            <a:spLocks noGrp="1"/>
-          </p:cNvSpPr>
-          <p:nvPr>
-            <p:ph type="sldNum" sz="quarter" idx="12"/>
-          </p:nvPr>
-        </p:nvSpPr>
-        <p:spPr/>
-        <p:txBody>
-          <a:bodyPr/>
-          <a:lstStyle/>
-          <a:p>
-            <a:fld id="{6DDAE2C3-1A0B-474A-8CE8-AE55B8D9D4B1}" type="slidenum">
-              <a:rPr lang="ko-KR" altLang="en-US" smtClean="0"/>
-              <a:pPr/>
-              <a:t>25</a:t>
-            </a:fld>
-            <a:endParaRPr lang="ko-KR" altLang="en-US" dirty="0"/>
-          </a:p>
-        </p:txBody>
-      </p:sp>
-      <p:pic>
-        <p:nvPicPr>
-          <p:cNvPr id="4" name="그림 3">
-            <a:extLst>
-              <a:ext uri="{FF2B5EF4-FFF2-40B4-BE49-F238E27FC236}">
-                <a16:creationId xmlns:a16="http://schemas.microsoft.com/office/drawing/2014/main" id="{28A91FBB-A8F7-4C51-8DCB-283FAE5BFC9E}"/>
-              </a:ext>
-            </a:extLst>
-          </p:cNvPr>
-          <p:cNvPicPr>
-            <a:picLocks noChangeAspect="1"/>
-          </p:cNvPicPr>
-          <p:nvPr/>
-        </p:nvPicPr>
-        <p:blipFill>
-          <a:blip r:embed="rId2"/>
-          <a:stretch>
-            <a:fillRect/>
-          </a:stretch>
-        </p:blipFill>
-        <p:spPr>
-          <a:xfrm>
-            <a:off x="823541" y="2321343"/>
-            <a:ext cx="4743450" cy="3409950"/>
-          </a:xfrm>
-          <a:prstGeom prst="rect">
-            <a:avLst/>
-          </a:prstGeom>
-        </p:spPr>
-      </p:pic>
-      <p:pic>
-        <p:nvPicPr>
-          <p:cNvPr id="8" name="그림 7">
-            <a:extLst>
-              <a:ext uri="{FF2B5EF4-FFF2-40B4-BE49-F238E27FC236}">
-                <a16:creationId xmlns:a16="http://schemas.microsoft.com/office/drawing/2014/main" id="{2757066A-F437-40F9-A8DC-9858879B9FC5}"/>
-              </a:ext>
-            </a:extLst>
-          </p:cNvPr>
-          <p:cNvPicPr>
-            <a:picLocks noChangeAspect="1"/>
-          </p:cNvPicPr>
-          <p:nvPr/>
-        </p:nvPicPr>
-        <p:blipFill>
-          <a:blip r:embed="rId3"/>
-          <a:stretch>
-            <a:fillRect/>
-          </a:stretch>
-        </p:blipFill>
-        <p:spPr>
-          <a:xfrm>
-            <a:off x="6364659" y="1476053"/>
-            <a:ext cx="4972050" cy="4524375"/>
-          </a:xfrm>
-          <a:prstGeom prst="rect">
-            <a:avLst/>
-          </a:prstGeom>
-        </p:spPr>
-      </p:pic>
-    </p:spTree>
-    <p:extLst>
-      <p:ext uri="{BB962C8B-B14F-4D97-AF65-F5344CB8AC3E}">
-        <p14:creationId xmlns:p14="http://schemas.microsoft.com/office/powerpoint/2010/main" val="3258086739"/>
-      </p:ext>
-    </p:extLst>
-  </p:cSld>
-  <p:clrMapOvr>
-    <a:masterClrMapping/>
-  </p:clrMapOvr>
-</p:sld>
-</file>
-
-<file path=ppt/slides/slide26.xml><?xml version="1.0" encoding="utf-8"?>
-<p:sld xmlns:a="http://schemas.openxmlformats.org/drawingml/2006/main" xmlns:r="http://schemas.openxmlformats.org/officeDocument/2006/relationships" xmlns:p="http://schemas.openxmlformats.org/presentationml/2006/main">
-  <p:cSld>
-    <p:spTree>
-      <p:nvGrpSpPr>
-        <p:cNvPr id="1" name=""/>
-        <p:cNvGrpSpPr/>
-        <p:nvPr/>
-      </p:nvGrpSpPr>
-      <p:grpSpPr>
-        <a:xfrm>
-          <a:off x="0" y="0"/>
-          <a:ext cx="0" cy="0"/>
-          <a:chOff x="0" y="0"/>
-          <a:chExt cx="0" cy="0"/>
-        </a:xfrm>
-      </p:grpSpPr>
-      <p:sp>
-        <p:nvSpPr>
-          <p:cNvPr id="5" name="제목 4"/>
-          <p:cNvSpPr>
-            <a:spLocks noGrp="1"/>
-          </p:cNvSpPr>
-          <p:nvPr>
-            <p:ph type="title"/>
-          </p:nvPr>
-        </p:nvSpPr>
-        <p:spPr>
-          <a:xfrm>
-            <a:off x="608012" y="539949"/>
-            <a:ext cx="10944225" cy="1140090"/>
-          </a:xfrm>
-        </p:spPr>
-        <p:txBody>
-          <a:bodyPr>
-            <a:normAutofit/>
-          </a:bodyPr>
-          <a:lstStyle/>
-          <a:p>
-            <a:pPr algn="l"/>
-            <a:r>
-              <a:rPr lang="en-US" altLang="ko-KR" sz="4400" dirty="0">
-                <a:solidFill>
-                  <a:schemeClr val="tx1">
-                    <a:lumMod val="75000"/>
-                    <a:lumOff val="25000"/>
-                  </a:schemeClr>
-                </a:solidFill>
-                <a:latin typeface="Noto Sans CJK KR Black" pitchFamily="34" charset="-127"/>
-                <a:ea typeface="Noto Sans CJK KR Black" pitchFamily="34" charset="-127"/>
-              </a:rPr>
-              <a:t>2. </a:t>
-            </a:r>
-            <a:r>
-              <a:rPr lang="ko-KR" altLang="en-US" sz="4400" dirty="0">
-                <a:solidFill>
-                  <a:schemeClr val="tx1">
-                    <a:lumMod val="75000"/>
-                    <a:lumOff val="25000"/>
-                  </a:schemeClr>
-                </a:solidFill>
-                <a:latin typeface="Noto Sans CJK KR Black" pitchFamily="34" charset="-127"/>
-                <a:ea typeface="Noto Sans CJK KR Black" pitchFamily="34" charset="-127"/>
-              </a:rPr>
-              <a:t>시계열</a:t>
-            </a:r>
-            <a:r>
-              <a:rPr lang="en-US" altLang="ko-KR" sz="4400" dirty="0">
-                <a:solidFill>
-                  <a:schemeClr val="tx1">
-                    <a:lumMod val="75000"/>
-                    <a:lumOff val="25000"/>
-                  </a:schemeClr>
-                </a:solidFill>
-                <a:latin typeface="Noto Sans CJK KR Black" pitchFamily="34" charset="-127"/>
-                <a:ea typeface="Noto Sans CJK KR Black" pitchFamily="34" charset="-127"/>
-              </a:rPr>
-              <a:t> </a:t>
-            </a:r>
-            <a:r>
-              <a:rPr lang="ko-KR" altLang="en-US" sz="4400" dirty="0">
-                <a:solidFill>
-                  <a:schemeClr val="tx1">
-                    <a:lumMod val="75000"/>
-                    <a:lumOff val="25000"/>
-                  </a:schemeClr>
-                </a:solidFill>
-                <a:latin typeface="Noto Sans CJK KR Black" pitchFamily="34" charset="-127"/>
-                <a:ea typeface="Noto Sans CJK KR Black" pitchFamily="34" charset="-127"/>
-              </a:rPr>
-              <a:t>데이터</a:t>
-            </a:r>
-            <a:r>
-              <a:rPr lang="en-US" altLang="ko-KR" sz="4400" dirty="0">
-                <a:solidFill>
-                  <a:schemeClr val="tx1">
-                    <a:lumMod val="75000"/>
-                    <a:lumOff val="25000"/>
-                  </a:schemeClr>
-                </a:solidFill>
-                <a:latin typeface="Noto Sans CJK KR Black" pitchFamily="34" charset="-127"/>
-                <a:ea typeface="Noto Sans CJK KR Black" pitchFamily="34" charset="-127"/>
-              </a:rPr>
-              <a:t>/</a:t>
-            </a:r>
-            <a:r>
-              <a:rPr lang="ko-KR" altLang="en-US" sz="4400" dirty="0">
-                <a:solidFill>
-                  <a:schemeClr val="tx1">
-                    <a:lumMod val="75000"/>
-                    <a:lumOff val="25000"/>
-                  </a:schemeClr>
-                </a:solidFill>
-                <a:latin typeface="Noto Sans CJK KR Black" pitchFamily="34" charset="-127"/>
-                <a:ea typeface="Noto Sans CJK KR Black" pitchFamily="34" charset="-127"/>
-              </a:rPr>
-              <a:t>분석과 기계학습의 차이</a:t>
-            </a:r>
-            <a:endParaRPr lang="ko-KR" altLang="en-US" sz="4400" dirty="0">
-              <a:solidFill>
-                <a:schemeClr val="tx1">
-                  <a:lumMod val="75000"/>
-                  <a:lumOff val="25000"/>
-                </a:schemeClr>
-              </a:solidFill>
-            </a:endParaRPr>
-          </a:p>
-        </p:txBody>
-      </p:sp>
-      <p:sp>
-        <p:nvSpPr>
-          <p:cNvPr id="3" name="슬라이드 번호 개체 틀 2"/>
-          <p:cNvSpPr>
-            <a:spLocks noGrp="1"/>
-          </p:cNvSpPr>
-          <p:nvPr>
-            <p:ph type="sldNum" sz="quarter" idx="12"/>
-          </p:nvPr>
-        </p:nvSpPr>
-        <p:spPr/>
-        <p:txBody>
-          <a:bodyPr/>
-          <a:lstStyle/>
-          <a:p>
-            <a:fld id="{6DDAE2C3-1A0B-474A-8CE8-AE55B8D9D4B1}" type="slidenum">
-              <a:rPr lang="ko-KR" altLang="en-US" smtClean="0"/>
-              <a:pPr/>
-              <a:t>26</a:t>
-            </a:fld>
-            <a:endParaRPr lang="ko-KR" altLang="en-US" dirty="0"/>
-          </a:p>
-        </p:txBody>
-      </p:sp>
-      <p:pic>
-        <p:nvPicPr>
-          <p:cNvPr id="2" name="그림 1">
-            <a:extLst>
-              <a:ext uri="{FF2B5EF4-FFF2-40B4-BE49-F238E27FC236}">
-                <a16:creationId xmlns:a16="http://schemas.microsoft.com/office/drawing/2014/main" id="{111B3F5E-4F15-470E-AB2E-DAD5DCE2EBF0}"/>
-              </a:ext>
-            </a:extLst>
-          </p:cNvPr>
-          <p:cNvPicPr>
-            <a:picLocks noChangeAspect="1"/>
-          </p:cNvPicPr>
-          <p:nvPr/>
-        </p:nvPicPr>
-        <p:blipFill>
-          <a:blip r:embed="rId2"/>
-          <a:stretch>
-            <a:fillRect/>
-          </a:stretch>
-        </p:blipFill>
-        <p:spPr>
-          <a:xfrm>
-            <a:off x="5720085" y="1382676"/>
-            <a:ext cx="5086350" cy="5019675"/>
-          </a:xfrm>
-          <a:prstGeom prst="rect">
-            <a:avLst/>
-          </a:prstGeom>
-        </p:spPr>
-      </p:pic>
-    </p:spTree>
-    <p:extLst>
-      <p:ext uri="{BB962C8B-B14F-4D97-AF65-F5344CB8AC3E}">
-        <p14:creationId xmlns:p14="http://schemas.microsoft.com/office/powerpoint/2010/main" val="308937018"/>
-      </p:ext>
-    </p:extLst>
-  </p:cSld>
-  <p:clrMapOvr>
-    <a:masterClrMapping/>
-  </p:clrMapOvr>
-</p:sld>
-</file>
-
-<file path=ppt/slides/slide27.xml><?xml version="1.0" encoding="utf-8"?>
-<p:sld xmlns:a="http://schemas.openxmlformats.org/drawingml/2006/main" xmlns:r="http://schemas.openxmlformats.org/officeDocument/2006/relationships" xmlns:p="http://schemas.openxmlformats.org/presentationml/2006/main">
-  <p:cSld>
-    <p:spTree>
-      <p:nvGrpSpPr>
-        <p:cNvPr id="1" name=""/>
-        <p:cNvGrpSpPr/>
-        <p:nvPr/>
-      </p:nvGrpSpPr>
-      <p:grpSpPr>
-        <a:xfrm>
-          <a:off x="0" y="0"/>
-          <a:ext cx="0" cy="0"/>
-          <a:chOff x="0" y="0"/>
-          <a:chExt cx="0" cy="0"/>
-        </a:xfrm>
-      </p:grpSpPr>
-      <p:sp>
-        <p:nvSpPr>
-          <p:cNvPr id="5" name="제목 4"/>
-          <p:cNvSpPr>
-            <a:spLocks noGrp="1"/>
-          </p:cNvSpPr>
-          <p:nvPr>
-            <p:ph type="title"/>
-          </p:nvPr>
-        </p:nvSpPr>
-        <p:spPr>
-          <a:xfrm>
-            <a:off x="608012" y="539949"/>
-            <a:ext cx="10944225" cy="1140090"/>
-          </a:xfrm>
-        </p:spPr>
-        <p:txBody>
-          <a:bodyPr>
-            <a:normAutofit/>
-          </a:bodyPr>
-          <a:lstStyle/>
-          <a:p>
-            <a:pPr algn="l"/>
-            <a:r>
-              <a:rPr lang="en-US" altLang="ko-KR" sz="4400" dirty="0">
-                <a:solidFill>
-                  <a:schemeClr val="tx1">
-                    <a:lumMod val="75000"/>
-                    <a:lumOff val="25000"/>
-                  </a:schemeClr>
-                </a:solidFill>
-                <a:latin typeface="Noto Sans CJK KR Black" pitchFamily="34" charset="-127"/>
-                <a:ea typeface="Noto Sans CJK KR Black" pitchFamily="34" charset="-127"/>
-              </a:rPr>
-              <a:t>2. </a:t>
-            </a:r>
-            <a:r>
-              <a:rPr lang="ko-KR" altLang="en-US" sz="4400" dirty="0">
-                <a:solidFill>
-                  <a:schemeClr val="tx1">
-                    <a:lumMod val="75000"/>
-                    <a:lumOff val="25000"/>
-                  </a:schemeClr>
-                </a:solidFill>
-                <a:latin typeface="Noto Sans CJK KR Black" pitchFamily="34" charset="-127"/>
-                <a:ea typeface="Noto Sans CJK KR Black" pitchFamily="34" charset="-127"/>
-              </a:rPr>
-              <a:t>시계열</a:t>
-            </a:r>
-            <a:r>
-              <a:rPr lang="en-US" altLang="ko-KR" sz="4400" dirty="0">
-                <a:solidFill>
-                  <a:schemeClr val="tx1">
-                    <a:lumMod val="75000"/>
-                    <a:lumOff val="25000"/>
-                  </a:schemeClr>
-                </a:solidFill>
-                <a:latin typeface="Noto Sans CJK KR Black" pitchFamily="34" charset="-127"/>
-                <a:ea typeface="Noto Sans CJK KR Black" pitchFamily="34" charset="-127"/>
-              </a:rPr>
-              <a:t> </a:t>
-            </a:r>
-            <a:r>
-              <a:rPr lang="ko-KR" altLang="en-US" sz="4400" dirty="0">
-                <a:solidFill>
-                  <a:schemeClr val="tx1">
-                    <a:lumMod val="75000"/>
-                    <a:lumOff val="25000"/>
-                  </a:schemeClr>
-                </a:solidFill>
-                <a:latin typeface="Noto Sans CJK KR Black" pitchFamily="34" charset="-127"/>
-                <a:ea typeface="Noto Sans CJK KR Black" pitchFamily="34" charset="-127"/>
-              </a:rPr>
-              <a:t>데이터</a:t>
-            </a:r>
-            <a:r>
-              <a:rPr lang="en-US" altLang="ko-KR" sz="4400" dirty="0">
-                <a:solidFill>
-                  <a:schemeClr val="tx1">
-                    <a:lumMod val="75000"/>
-                    <a:lumOff val="25000"/>
-                  </a:schemeClr>
-                </a:solidFill>
-                <a:latin typeface="Noto Sans CJK KR Black" pitchFamily="34" charset="-127"/>
-                <a:ea typeface="Noto Sans CJK KR Black" pitchFamily="34" charset="-127"/>
-              </a:rPr>
-              <a:t>/</a:t>
-            </a:r>
-            <a:r>
-              <a:rPr lang="ko-KR" altLang="en-US" sz="4400" dirty="0">
-                <a:solidFill>
-                  <a:schemeClr val="tx1">
-                    <a:lumMod val="75000"/>
-                    <a:lumOff val="25000"/>
-                  </a:schemeClr>
-                </a:solidFill>
-                <a:latin typeface="Noto Sans CJK KR Black" pitchFamily="34" charset="-127"/>
-                <a:ea typeface="Noto Sans CJK KR Black" pitchFamily="34" charset="-127"/>
-              </a:rPr>
-              <a:t>분석과 기계학습의 차이</a:t>
-            </a:r>
-            <a:endParaRPr lang="ko-KR" altLang="en-US" sz="4400" dirty="0">
-              <a:solidFill>
-                <a:schemeClr val="tx1">
-                  <a:lumMod val="75000"/>
-                  <a:lumOff val="25000"/>
-                </a:schemeClr>
-              </a:solidFill>
-            </a:endParaRPr>
-          </a:p>
-        </p:txBody>
-      </p:sp>
-      <p:sp>
-        <p:nvSpPr>
-          <p:cNvPr id="3" name="슬라이드 번호 개체 틀 2"/>
-          <p:cNvSpPr>
-            <a:spLocks noGrp="1"/>
-          </p:cNvSpPr>
-          <p:nvPr>
-            <p:ph type="sldNum" sz="quarter" idx="12"/>
-          </p:nvPr>
-        </p:nvSpPr>
-        <p:spPr/>
-        <p:txBody>
-          <a:bodyPr/>
-          <a:lstStyle/>
-          <a:p>
-            <a:fld id="{6DDAE2C3-1A0B-474A-8CE8-AE55B8D9D4B1}" type="slidenum">
-              <a:rPr lang="ko-KR" altLang="en-US" smtClean="0"/>
-              <a:pPr/>
-              <a:t>27</a:t>
-            </a:fld>
-            <a:endParaRPr lang="ko-KR" altLang="en-US" dirty="0"/>
-          </a:p>
-        </p:txBody>
-      </p:sp>
-      <p:pic>
-        <p:nvPicPr>
-          <p:cNvPr id="6" name="그림 5">
-            <a:extLst>
-              <a:ext uri="{FF2B5EF4-FFF2-40B4-BE49-F238E27FC236}">
-                <a16:creationId xmlns:a16="http://schemas.microsoft.com/office/drawing/2014/main" id="{135F296F-B76F-4195-B9B8-C04D04EACBB1}"/>
-              </a:ext>
-            </a:extLst>
-          </p:cNvPr>
-          <p:cNvPicPr>
-            <a:picLocks noChangeAspect="1"/>
-          </p:cNvPicPr>
-          <p:nvPr/>
-        </p:nvPicPr>
-        <p:blipFill>
-          <a:blip r:embed="rId2"/>
-          <a:stretch>
-            <a:fillRect/>
-          </a:stretch>
-        </p:blipFill>
-        <p:spPr>
-          <a:xfrm>
-            <a:off x="679525" y="2126081"/>
-            <a:ext cx="5200650" cy="3800475"/>
-          </a:xfrm>
-          <a:prstGeom prst="rect">
-            <a:avLst/>
-          </a:prstGeom>
-        </p:spPr>
-      </p:pic>
-      <p:pic>
-        <p:nvPicPr>
-          <p:cNvPr id="7" name="그림 6">
-            <a:extLst>
-              <a:ext uri="{FF2B5EF4-FFF2-40B4-BE49-F238E27FC236}">
-                <a16:creationId xmlns:a16="http://schemas.microsoft.com/office/drawing/2014/main" id="{286ACD9C-B4B5-4900-8CEE-208E5B1330BE}"/>
-              </a:ext>
-            </a:extLst>
-          </p:cNvPr>
-          <p:cNvPicPr>
-            <a:picLocks noChangeAspect="1"/>
-          </p:cNvPicPr>
-          <p:nvPr/>
-        </p:nvPicPr>
-        <p:blipFill>
-          <a:blip r:embed="rId3"/>
-          <a:stretch>
-            <a:fillRect/>
-          </a:stretch>
-        </p:blipFill>
-        <p:spPr>
-          <a:xfrm>
-            <a:off x="6222925" y="1642864"/>
-            <a:ext cx="5257800" cy="4657725"/>
-          </a:xfrm>
-          <a:prstGeom prst="rect">
-            <a:avLst/>
-          </a:prstGeom>
-        </p:spPr>
-      </p:pic>
-    </p:spTree>
-    <p:extLst>
-      <p:ext uri="{BB962C8B-B14F-4D97-AF65-F5344CB8AC3E}">
-        <p14:creationId xmlns:p14="http://schemas.microsoft.com/office/powerpoint/2010/main" val="3442866793"/>
-      </p:ext>
-    </p:extLst>
-  </p:cSld>
-  <p:clrMapOvr>
-    <a:masterClrMapping/>
-  </p:clrMapOvr>
-</p:sld>
-</file>
-
-<file path=ppt/slides/slide28.xml><?xml version="1.0" encoding="utf-8"?>
-<p:sld xmlns:a="http://schemas.openxmlformats.org/drawingml/2006/main" xmlns:r="http://schemas.openxmlformats.org/officeDocument/2006/relationships" xmlns:p="http://schemas.openxmlformats.org/presentationml/2006/main">
-  <p:cSld>
-    <p:spTree>
-      <p:nvGrpSpPr>
-        <p:cNvPr id="1" name=""/>
-        <p:cNvGrpSpPr/>
-        <p:nvPr/>
-      </p:nvGrpSpPr>
-      <p:grpSpPr>
-        <a:xfrm>
-          <a:off x="0" y="0"/>
-          <a:ext cx="0" cy="0"/>
-          <a:chOff x="0" y="0"/>
-          <a:chExt cx="0" cy="0"/>
-        </a:xfrm>
-      </p:grpSpPr>
-      <p:sp>
-        <p:nvSpPr>
-          <p:cNvPr id="5" name="제목 4"/>
-          <p:cNvSpPr>
-            <a:spLocks noGrp="1"/>
-          </p:cNvSpPr>
-          <p:nvPr>
-            <p:ph type="title"/>
-          </p:nvPr>
-        </p:nvSpPr>
-        <p:spPr>
-          <a:xfrm>
-            <a:off x="608012" y="539949"/>
-            <a:ext cx="10944225" cy="1140090"/>
-          </a:xfrm>
-        </p:spPr>
-        <p:txBody>
-          <a:bodyPr>
-            <a:normAutofit/>
-          </a:bodyPr>
-          <a:lstStyle/>
-          <a:p>
-            <a:pPr algn="l"/>
-            <a:r>
-              <a:rPr lang="en-US" altLang="ko-KR" sz="4400" dirty="0">
-                <a:solidFill>
-                  <a:schemeClr val="tx1">
-                    <a:lumMod val="75000"/>
-                    <a:lumOff val="25000"/>
-                  </a:schemeClr>
-                </a:solidFill>
-                <a:latin typeface="Noto Sans CJK KR Black" pitchFamily="34" charset="-127"/>
-                <a:ea typeface="Noto Sans CJK KR Black" pitchFamily="34" charset="-127"/>
-              </a:rPr>
-              <a:t>3. </a:t>
-            </a:r>
-            <a:r>
-              <a:rPr lang="ko-KR" altLang="en-US" sz="4400" dirty="0">
-                <a:solidFill>
-                  <a:schemeClr val="tx1">
-                    <a:lumMod val="75000"/>
-                    <a:lumOff val="25000"/>
-                  </a:schemeClr>
-                </a:solidFill>
-                <a:latin typeface="Noto Sans CJK KR Black" pitchFamily="34" charset="-127"/>
-                <a:ea typeface="Noto Sans CJK KR Black" pitchFamily="34" charset="-127"/>
-              </a:rPr>
-              <a:t>시계열분석을 위한 데이터셋 준비</a:t>
-            </a:r>
-            <a:endParaRPr lang="ko-KR" altLang="en-US" sz="4400" dirty="0">
-              <a:solidFill>
-                <a:schemeClr val="tx1">
-                  <a:lumMod val="75000"/>
-                  <a:lumOff val="25000"/>
-                </a:schemeClr>
-              </a:solidFill>
-            </a:endParaRPr>
-          </a:p>
-        </p:txBody>
-      </p:sp>
-      <p:sp>
-        <p:nvSpPr>
-          <p:cNvPr id="3" name="슬라이드 번호 개체 틀 2"/>
-          <p:cNvSpPr>
-            <a:spLocks noGrp="1"/>
-          </p:cNvSpPr>
-          <p:nvPr>
-            <p:ph type="sldNum" sz="quarter" idx="12"/>
-          </p:nvPr>
-        </p:nvSpPr>
-        <p:spPr/>
-        <p:txBody>
-          <a:bodyPr/>
-          <a:lstStyle/>
-          <a:p>
-            <a:fld id="{6DDAE2C3-1A0B-474A-8CE8-AE55B8D9D4B1}" type="slidenum">
-              <a:rPr lang="ko-KR" altLang="en-US" smtClean="0"/>
-              <a:pPr/>
-              <a:t>28</a:t>
-            </a:fld>
-            <a:endParaRPr lang="ko-KR" altLang="en-US" dirty="0"/>
-          </a:p>
-        </p:txBody>
-      </p:sp>
-      <p:pic>
-        <p:nvPicPr>
-          <p:cNvPr id="7" name="그림 6">
-            <a:extLst>
-              <a:ext uri="{FF2B5EF4-FFF2-40B4-BE49-F238E27FC236}">
-                <a16:creationId xmlns:a16="http://schemas.microsoft.com/office/drawing/2014/main" id="{71A57006-A326-49A8-AE82-E4CB0C094831}"/>
-              </a:ext>
-            </a:extLst>
-          </p:cNvPr>
-          <p:cNvPicPr>
-            <a:picLocks noChangeAspect="1"/>
-          </p:cNvPicPr>
-          <p:nvPr/>
-        </p:nvPicPr>
-        <p:blipFill>
-          <a:blip r:embed="rId2"/>
-          <a:stretch>
-            <a:fillRect/>
-          </a:stretch>
-        </p:blipFill>
-        <p:spPr>
-          <a:xfrm>
-            <a:off x="6815965" y="2779439"/>
-            <a:ext cx="4667250" cy="2924175"/>
-          </a:xfrm>
-          <a:prstGeom prst="rect">
-            <a:avLst/>
-          </a:prstGeom>
-        </p:spPr>
-      </p:pic>
-      <p:pic>
-        <p:nvPicPr>
-          <p:cNvPr id="2" name="그림 1">
-            <a:extLst>
-              <a:ext uri="{FF2B5EF4-FFF2-40B4-BE49-F238E27FC236}">
-                <a16:creationId xmlns:a16="http://schemas.microsoft.com/office/drawing/2014/main" id="{CF31C5F6-6275-465A-A4E5-CD5005208B85}"/>
-              </a:ext>
-            </a:extLst>
-          </p:cNvPr>
-          <p:cNvPicPr>
-            <a:picLocks noChangeAspect="1"/>
-          </p:cNvPicPr>
-          <p:nvPr/>
-        </p:nvPicPr>
-        <p:blipFill>
-          <a:blip r:embed="rId3"/>
-          <a:stretch>
-            <a:fillRect/>
-          </a:stretch>
-        </p:blipFill>
-        <p:spPr>
-          <a:xfrm>
-            <a:off x="677035" y="2779439"/>
-            <a:ext cx="4876800" cy="2686050"/>
-          </a:xfrm>
-          <a:prstGeom prst="rect">
-            <a:avLst/>
-          </a:prstGeom>
-        </p:spPr>
-      </p:pic>
-    </p:spTree>
-    <p:extLst>
-      <p:ext uri="{BB962C8B-B14F-4D97-AF65-F5344CB8AC3E}">
-        <p14:creationId xmlns:p14="http://schemas.microsoft.com/office/powerpoint/2010/main" val="3708835194"/>
-      </p:ext>
-    </p:extLst>
-  </p:cSld>
-  <p:clrMapOvr>
-    <a:masterClrMapping/>
-  </p:clrMapOvr>
-</p:sld>
-</file>
-
-<file path=ppt/slides/slide29.xml><?xml version="1.0" encoding="utf-8"?>
-<p:sld xmlns:a="http://schemas.openxmlformats.org/drawingml/2006/main" xmlns:r="http://schemas.openxmlformats.org/officeDocument/2006/relationships" xmlns:p="http://schemas.openxmlformats.org/presentationml/2006/main">
-  <p:cSld>
-    <p:spTree>
-      <p:nvGrpSpPr>
-        <p:cNvPr id="1" name=""/>
-        <p:cNvGrpSpPr/>
-        <p:nvPr/>
-      </p:nvGrpSpPr>
-      <p:grpSpPr>
-        <a:xfrm>
-          <a:off x="0" y="0"/>
-          <a:ext cx="0" cy="0"/>
-          <a:chOff x="0" y="0"/>
-          <a:chExt cx="0" cy="0"/>
-        </a:xfrm>
-      </p:grpSpPr>
-      <p:sp>
-        <p:nvSpPr>
-          <p:cNvPr id="5" name="제목 4"/>
-          <p:cNvSpPr>
-            <a:spLocks noGrp="1"/>
-          </p:cNvSpPr>
-          <p:nvPr>
-            <p:ph type="title"/>
-          </p:nvPr>
-        </p:nvSpPr>
-        <p:spPr>
-          <a:xfrm>
-            <a:off x="608012" y="539949"/>
-            <a:ext cx="10944225" cy="1140090"/>
-          </a:xfrm>
-        </p:spPr>
-        <p:txBody>
-          <a:bodyPr>
-            <a:normAutofit/>
-          </a:bodyPr>
-          <a:lstStyle/>
-          <a:p>
-            <a:pPr algn="l"/>
-            <a:r>
-              <a:rPr lang="en-US" altLang="ko-KR" sz="4400" dirty="0">
-                <a:solidFill>
-                  <a:schemeClr val="tx1">
-                    <a:lumMod val="75000"/>
-                    <a:lumOff val="25000"/>
-                  </a:schemeClr>
-                </a:solidFill>
-                <a:latin typeface="Noto Sans CJK KR Black" pitchFamily="34" charset="-127"/>
-                <a:ea typeface="Noto Sans CJK KR Black" pitchFamily="34" charset="-127"/>
-              </a:rPr>
-              <a:t>3. </a:t>
-            </a:r>
-            <a:r>
-              <a:rPr lang="ko-KR" altLang="en-US" sz="4400" dirty="0">
-                <a:solidFill>
-                  <a:schemeClr val="tx1">
-                    <a:lumMod val="75000"/>
-                    <a:lumOff val="25000"/>
-                  </a:schemeClr>
-                </a:solidFill>
-                <a:latin typeface="Noto Sans CJK KR Black" pitchFamily="34" charset="-127"/>
-                <a:ea typeface="Noto Sans CJK KR Black" pitchFamily="34" charset="-127"/>
-              </a:rPr>
-              <a:t>시계열분석을 위한 데이터셋 준비</a:t>
-            </a:r>
-            <a:endParaRPr lang="ko-KR" altLang="en-US" sz="4400" dirty="0">
-              <a:solidFill>
-                <a:schemeClr val="tx1">
-                  <a:lumMod val="75000"/>
-                  <a:lumOff val="25000"/>
-                </a:schemeClr>
-              </a:solidFill>
-            </a:endParaRPr>
-          </a:p>
-        </p:txBody>
-      </p:sp>
-      <p:sp>
-        <p:nvSpPr>
-          <p:cNvPr id="3" name="슬라이드 번호 개체 틀 2"/>
-          <p:cNvSpPr>
-            <a:spLocks noGrp="1"/>
-          </p:cNvSpPr>
-          <p:nvPr>
-            <p:ph type="sldNum" sz="quarter" idx="12"/>
-          </p:nvPr>
-        </p:nvSpPr>
-        <p:spPr/>
-        <p:txBody>
-          <a:bodyPr/>
-          <a:lstStyle/>
-          <a:p>
-            <a:fld id="{6DDAE2C3-1A0B-474A-8CE8-AE55B8D9D4B1}" type="slidenum">
-              <a:rPr lang="ko-KR" altLang="en-US" smtClean="0"/>
-              <a:pPr/>
-              <a:t>29</a:t>
-            </a:fld>
-            <a:endParaRPr lang="ko-KR" altLang="en-US" dirty="0"/>
-          </a:p>
-        </p:txBody>
-      </p:sp>
-      <p:pic>
-        <p:nvPicPr>
-          <p:cNvPr id="6" name="그림 5">
-            <a:extLst>
-              <a:ext uri="{FF2B5EF4-FFF2-40B4-BE49-F238E27FC236}">
-                <a16:creationId xmlns:a16="http://schemas.microsoft.com/office/drawing/2014/main" id="{BF606BA7-855E-4E35-BE71-3BE8FF5988F8}"/>
-              </a:ext>
-            </a:extLst>
-          </p:cNvPr>
-          <p:cNvPicPr>
-            <a:picLocks noChangeAspect="1"/>
-          </p:cNvPicPr>
-          <p:nvPr/>
-        </p:nvPicPr>
-        <p:blipFill>
-          <a:blip r:embed="rId2"/>
-          <a:stretch>
-            <a:fillRect/>
-          </a:stretch>
-        </p:blipFill>
-        <p:spPr>
-          <a:xfrm>
-            <a:off x="895549" y="2173695"/>
-            <a:ext cx="4686300" cy="3848100"/>
-          </a:xfrm>
-          <a:prstGeom prst="rect">
-            <a:avLst/>
-          </a:prstGeom>
-        </p:spPr>
-      </p:pic>
-      <p:pic>
-        <p:nvPicPr>
-          <p:cNvPr id="7" name="그림 6">
-            <a:extLst>
-              <a:ext uri="{FF2B5EF4-FFF2-40B4-BE49-F238E27FC236}">
-                <a16:creationId xmlns:a16="http://schemas.microsoft.com/office/drawing/2014/main" id="{23A35751-8298-4948-AE1B-6ADAACA1FA25}"/>
-              </a:ext>
-            </a:extLst>
-          </p:cNvPr>
-          <p:cNvPicPr>
-            <a:picLocks noChangeAspect="1"/>
-          </p:cNvPicPr>
-          <p:nvPr/>
-        </p:nvPicPr>
-        <p:blipFill>
-          <a:blip r:embed="rId3"/>
-          <a:stretch>
-            <a:fillRect/>
-          </a:stretch>
-        </p:blipFill>
-        <p:spPr>
-          <a:xfrm>
-            <a:off x="6806835" y="3607207"/>
-            <a:ext cx="4505325" cy="981075"/>
-          </a:xfrm>
-          <a:prstGeom prst="rect">
-            <a:avLst/>
-          </a:prstGeom>
-        </p:spPr>
-      </p:pic>
-    </p:spTree>
-    <p:extLst>
-      <p:ext uri="{BB962C8B-B14F-4D97-AF65-F5344CB8AC3E}">
-        <p14:creationId xmlns:p14="http://schemas.microsoft.com/office/powerpoint/2010/main" val="2891482321"/>
-      </p:ext>
-    </p:extLst>
-  </p:cSld>
-  <p:clrMapOvr>
-    <a:masterClrMapping/>
-  </p:clrMapOvr>
-</p:sld>
-</file>
-
-<file path=ppt/slides/slide3.xml><?xml version="1.0" encoding="utf-8"?>
-<p:sld xmlns:a="http://schemas.openxmlformats.org/drawingml/2006/main" xmlns:r="http://schemas.openxmlformats.org/officeDocument/2006/relationships" xmlns:p="http://schemas.openxmlformats.org/presentationml/2006/main">
-  <p:cSld>
-    <p:spTree>
-      <p:nvGrpSpPr>
-        <p:cNvPr id="1" name=""/>
-        <p:cNvGrpSpPr/>
-        <p:nvPr/>
-      </p:nvGrpSpPr>
-      <p:grpSpPr>
-        <a:xfrm>
-          <a:off x="0" y="0"/>
-          <a:ext cx="0" cy="0"/>
-          <a:chOff x="0" y="0"/>
-          <a:chExt cx="0" cy="0"/>
-        </a:xfrm>
-      </p:grpSpPr>
-      <p:sp>
-        <p:nvSpPr>
-          <p:cNvPr id="5" name="제목 4"/>
-          <p:cNvSpPr>
-            <a:spLocks noGrp="1"/>
-          </p:cNvSpPr>
-          <p:nvPr>
-            <p:ph type="title"/>
-          </p:nvPr>
-        </p:nvSpPr>
-        <p:spPr>
-          <a:xfrm>
-            <a:off x="608016" y="551987"/>
-            <a:ext cx="10944225" cy="1140090"/>
-          </a:xfrm>
-        </p:spPr>
-        <p:txBody>
-          <a:bodyPr>
-            <a:normAutofit/>
-          </a:bodyPr>
-          <a:lstStyle/>
-          <a:p>
-            <a:pPr algn="l"/>
-            <a:r>
-              <a:rPr lang="ko-KR" altLang="en-US" sz="4400" dirty="0">
-                <a:solidFill>
-                  <a:schemeClr val="tx1">
-                    <a:lumMod val="75000"/>
-                    <a:lumOff val="25000"/>
-                  </a:schemeClr>
-                </a:solidFill>
-                <a:latin typeface="Noto Sans CJK KR Black" pitchFamily="34" charset="-127"/>
-                <a:ea typeface="Noto Sans CJK KR Black" pitchFamily="34" charset="-127"/>
-              </a:rPr>
-              <a:t>강의순서</a:t>
-            </a:r>
-            <a:r>
-              <a:rPr lang="en-US" altLang="ko-KR" sz="4400" dirty="0">
-                <a:solidFill>
-                  <a:schemeClr val="tx1">
-                    <a:lumMod val="75000"/>
-                    <a:lumOff val="25000"/>
-                  </a:schemeClr>
-                </a:solidFill>
-                <a:latin typeface="Noto Sans CJK KR Black" pitchFamily="34" charset="-127"/>
-                <a:ea typeface="Noto Sans CJK KR Black" pitchFamily="34" charset="-127"/>
-              </a:rPr>
-              <a:t>(Part1: 2</a:t>
-            </a:r>
-            <a:r>
-              <a:rPr lang="ko-KR" altLang="en-US" sz="4400" dirty="0">
-                <a:solidFill>
-                  <a:schemeClr val="tx1">
-                    <a:lumMod val="75000"/>
-                    <a:lumOff val="25000"/>
-                  </a:schemeClr>
-                </a:solidFill>
-                <a:latin typeface="Noto Sans CJK KR Black" pitchFamily="34" charset="-127"/>
-                <a:ea typeface="Noto Sans CJK KR Black" pitchFamily="34" charset="-127"/>
-              </a:rPr>
-              <a:t>회차</a:t>
-            </a:r>
-            <a:r>
-              <a:rPr lang="en-US" altLang="ko-KR" sz="4400" dirty="0">
-                <a:solidFill>
-                  <a:schemeClr val="tx1">
-                    <a:lumMod val="75000"/>
-                    <a:lumOff val="25000"/>
-                  </a:schemeClr>
-                </a:solidFill>
-                <a:latin typeface="Noto Sans CJK KR Black" pitchFamily="34" charset="-127"/>
-                <a:ea typeface="Noto Sans CJK KR Black" pitchFamily="34" charset="-127"/>
-              </a:rPr>
-              <a:t>)</a:t>
-            </a:r>
-            <a:r>
-              <a:rPr lang="ko-KR" altLang="en-US" sz="4400" dirty="0">
-                <a:solidFill>
-                  <a:schemeClr val="tx1">
-                    <a:lumMod val="75000"/>
-                    <a:lumOff val="25000"/>
-                  </a:schemeClr>
-                </a:solidFill>
-              </a:rPr>
-              <a:t> </a:t>
-            </a:r>
-          </a:p>
-        </p:txBody>
-      </p:sp>
-      <p:sp>
-        <p:nvSpPr>
-          <p:cNvPr id="15" name="슬라이드 번호 개체 틀 14"/>
-          <p:cNvSpPr>
-            <a:spLocks noGrp="1"/>
-          </p:cNvSpPr>
-          <p:nvPr>
-            <p:ph type="sldNum" sz="quarter" idx="12"/>
-          </p:nvPr>
-        </p:nvSpPr>
-        <p:spPr/>
-        <p:txBody>
-          <a:bodyPr/>
-          <a:lstStyle/>
-          <a:p>
-            <a:fld id="{6DDAE2C3-1A0B-474A-8CE8-AE55B8D9D4B1}" type="slidenum">
-              <a:rPr lang="ko-KR" altLang="en-US" smtClean="0"/>
-              <a:pPr/>
-              <a:t>3</a:t>
-            </a:fld>
-            <a:endParaRPr lang="ko-KR" altLang="en-US" dirty="0"/>
-          </a:p>
-        </p:txBody>
-      </p:sp>
-      <p:pic>
-        <p:nvPicPr>
-          <p:cNvPr id="2" name="그림 1">
-            <a:extLst>
-              <a:ext uri="{FF2B5EF4-FFF2-40B4-BE49-F238E27FC236}">
-                <a16:creationId xmlns:a16="http://schemas.microsoft.com/office/drawing/2014/main" id="{2A3AFCE8-F8D3-4355-89A3-7DEA2269857E}"/>
-              </a:ext>
-            </a:extLst>
-          </p:cNvPr>
-          <p:cNvPicPr>
-            <a:picLocks noChangeAspect="1"/>
-          </p:cNvPicPr>
-          <p:nvPr/>
-        </p:nvPicPr>
-        <p:blipFill>
-          <a:blip r:embed="rId2"/>
-          <a:stretch>
-            <a:fillRect/>
-          </a:stretch>
-        </p:blipFill>
-        <p:spPr>
-          <a:xfrm>
-            <a:off x="2480125" y="1693765"/>
-            <a:ext cx="7200000" cy="4903068"/>
-          </a:xfrm>
-          <a:prstGeom prst="rect">
-            <a:avLst/>
-          </a:prstGeom>
-        </p:spPr>
-      </p:pic>
-    </p:spTree>
-    <p:extLst>
-      <p:ext uri="{BB962C8B-B14F-4D97-AF65-F5344CB8AC3E}">
-        <p14:creationId xmlns:p14="http://schemas.microsoft.com/office/powerpoint/2010/main" val="4147066373"/>
-      </p:ext>
-    </p:extLst>
-  </p:cSld>
-  <p:clrMapOvr>
-    <a:masterClrMapping/>
-  </p:clrMapOvr>
-</p:sld>
-</file>
-
-<file path=ppt/slides/slide30.xml><?xml version="1.0" encoding="utf-8"?>
-<p:sld xmlns:a="http://schemas.openxmlformats.org/drawingml/2006/main" xmlns:r="http://schemas.openxmlformats.org/officeDocument/2006/relationships" xmlns:p="http://schemas.openxmlformats.org/presentationml/2006/main">
-  <p:cSld>
-    <p:spTree>
-      <p:nvGrpSpPr>
-        <p:cNvPr id="1" name=""/>
-        <p:cNvGrpSpPr/>
-        <p:nvPr/>
-      </p:nvGrpSpPr>
-      <p:grpSpPr>
-        <a:xfrm>
-          <a:off x="0" y="0"/>
-          <a:ext cx="0" cy="0"/>
-          <a:chOff x="0" y="0"/>
-          <a:chExt cx="0" cy="0"/>
-        </a:xfrm>
-      </p:grpSpPr>
-      <p:sp>
-        <p:nvSpPr>
-          <p:cNvPr id="5" name="제목 4"/>
-          <p:cNvSpPr>
-            <a:spLocks noGrp="1"/>
-          </p:cNvSpPr>
-          <p:nvPr>
-            <p:ph type="title"/>
-          </p:nvPr>
-        </p:nvSpPr>
-        <p:spPr>
-          <a:xfrm>
-            <a:off x="608012" y="539949"/>
-            <a:ext cx="10944225" cy="1140090"/>
-          </a:xfrm>
-        </p:spPr>
-        <p:txBody>
-          <a:bodyPr>
-            <a:normAutofit fontScale="90000"/>
-          </a:bodyPr>
-          <a:lstStyle/>
-          <a:p>
-            <a:pPr algn="l"/>
-            <a:r>
-              <a:rPr lang="en-US" altLang="ko-KR" sz="4400" dirty="0">
-                <a:solidFill>
-                  <a:schemeClr val="tx1">
-                    <a:lumMod val="75000"/>
-                    <a:lumOff val="25000"/>
-                  </a:schemeClr>
-                </a:solidFill>
-                <a:latin typeface="Noto Sans CJK KR Black" pitchFamily="34" charset="-127"/>
-                <a:ea typeface="Noto Sans CJK KR Black" pitchFamily="34" charset="-127"/>
-              </a:rPr>
-              <a:t>3. </a:t>
-            </a:r>
-            <a:r>
-              <a:rPr lang="ko-KR" altLang="en-US" sz="4400" dirty="0">
-                <a:solidFill>
-                  <a:schemeClr val="tx1">
-                    <a:lumMod val="75000"/>
-                    <a:lumOff val="25000"/>
-                  </a:schemeClr>
-                </a:solidFill>
-                <a:latin typeface="Noto Sans CJK KR Black" pitchFamily="34" charset="-127"/>
-                <a:ea typeface="Noto Sans CJK KR Black" pitchFamily="34" charset="-127"/>
-              </a:rPr>
-              <a:t>시계열분석을 위한 </a:t>
-            </a:r>
-            <a:br>
-              <a:rPr lang="en-US" altLang="ko-KR" sz="4400" dirty="0">
-                <a:solidFill>
-                  <a:schemeClr val="tx1">
-                    <a:lumMod val="75000"/>
-                    <a:lumOff val="25000"/>
-                  </a:schemeClr>
-                </a:solidFill>
-                <a:latin typeface="Noto Sans CJK KR Black" pitchFamily="34" charset="-127"/>
-                <a:ea typeface="Noto Sans CJK KR Black" pitchFamily="34" charset="-127"/>
-              </a:rPr>
-            </a:br>
-            <a:r>
-              <a:rPr lang="ko-KR" altLang="en-US" sz="4400" dirty="0">
-                <a:solidFill>
-                  <a:schemeClr val="tx1">
-                    <a:lumMod val="75000"/>
-                    <a:lumOff val="25000"/>
-                  </a:schemeClr>
-                </a:solidFill>
-                <a:latin typeface="Noto Sans CJK KR Black" pitchFamily="34" charset="-127"/>
-                <a:ea typeface="Noto Sans CJK KR Black" pitchFamily="34" charset="-127"/>
-              </a:rPr>
-              <a:t>데이터셋 준비</a:t>
-            </a:r>
-            <a:endParaRPr lang="ko-KR" altLang="en-US" sz="4400" dirty="0">
-              <a:solidFill>
-                <a:schemeClr val="tx1">
-                  <a:lumMod val="75000"/>
-                  <a:lumOff val="25000"/>
-                </a:schemeClr>
-              </a:solidFill>
-            </a:endParaRPr>
-          </a:p>
-        </p:txBody>
-      </p:sp>
-      <p:sp>
-        <p:nvSpPr>
-          <p:cNvPr id="3" name="슬라이드 번호 개체 틀 2"/>
-          <p:cNvSpPr>
-            <a:spLocks noGrp="1"/>
-          </p:cNvSpPr>
-          <p:nvPr>
-            <p:ph type="sldNum" sz="quarter" idx="12"/>
-          </p:nvPr>
-        </p:nvSpPr>
-        <p:spPr/>
-        <p:txBody>
-          <a:bodyPr/>
-          <a:lstStyle/>
-          <a:p>
-            <a:fld id="{6DDAE2C3-1A0B-474A-8CE8-AE55B8D9D4B1}" type="slidenum">
-              <a:rPr lang="ko-KR" altLang="en-US" smtClean="0"/>
-              <a:pPr/>
-              <a:t>30</a:t>
-            </a:fld>
-            <a:endParaRPr lang="ko-KR" altLang="en-US" dirty="0"/>
-          </a:p>
-        </p:txBody>
-      </p:sp>
-      <p:pic>
-        <p:nvPicPr>
-          <p:cNvPr id="2" name="그림 1">
-            <a:extLst>
-              <a:ext uri="{FF2B5EF4-FFF2-40B4-BE49-F238E27FC236}">
-                <a16:creationId xmlns:a16="http://schemas.microsoft.com/office/drawing/2014/main" id="{C1A9D140-03D0-4516-B028-D700F04C74B3}"/>
-              </a:ext>
-            </a:extLst>
-          </p:cNvPr>
-          <p:cNvPicPr>
-            <a:picLocks noChangeAspect="1"/>
-          </p:cNvPicPr>
-          <p:nvPr/>
-        </p:nvPicPr>
-        <p:blipFill>
-          <a:blip r:embed="rId2"/>
-          <a:stretch>
-            <a:fillRect/>
-          </a:stretch>
-        </p:blipFill>
-        <p:spPr>
-          <a:xfrm>
-            <a:off x="7088237" y="0"/>
-            <a:ext cx="3368447" cy="6840538"/>
-          </a:xfrm>
-          <a:prstGeom prst="rect">
-            <a:avLst/>
-          </a:prstGeom>
-        </p:spPr>
-      </p:pic>
-    </p:spTree>
-    <p:extLst>
-      <p:ext uri="{BB962C8B-B14F-4D97-AF65-F5344CB8AC3E}">
-        <p14:creationId xmlns:p14="http://schemas.microsoft.com/office/powerpoint/2010/main" val="3730693057"/>
-      </p:ext>
-    </p:extLst>
-  </p:cSld>
-  <p:clrMapOvr>
-    <a:masterClrMapping/>
-  </p:clrMapOvr>
-</p:sld>
-</file>
-
-<file path=ppt/slides/slide31.xml><?xml version="1.0" encoding="utf-8"?>
-<p:sld xmlns:a="http://schemas.openxmlformats.org/drawingml/2006/main" xmlns:r="http://schemas.openxmlformats.org/officeDocument/2006/relationships" xmlns:p="http://schemas.openxmlformats.org/presentationml/2006/main">
-  <p:cSld>
-    <p:spTree>
-      <p:nvGrpSpPr>
-        <p:cNvPr id="1" name=""/>
-        <p:cNvGrpSpPr/>
-        <p:nvPr/>
-      </p:nvGrpSpPr>
-      <p:grpSpPr>
-        <a:xfrm>
-          <a:off x="0" y="0"/>
-          <a:ext cx="0" cy="0"/>
-          <a:chOff x="0" y="0"/>
-          <a:chExt cx="0" cy="0"/>
-        </a:xfrm>
-      </p:grpSpPr>
-      <p:sp>
-        <p:nvSpPr>
-          <p:cNvPr id="5" name="제목 4"/>
-          <p:cNvSpPr>
-            <a:spLocks noGrp="1"/>
-          </p:cNvSpPr>
-          <p:nvPr>
-            <p:ph type="title"/>
-          </p:nvPr>
-        </p:nvSpPr>
-        <p:spPr>
-          <a:xfrm>
-            <a:off x="608012" y="539949"/>
-            <a:ext cx="10944225" cy="1140090"/>
-          </a:xfrm>
-        </p:spPr>
-        <p:txBody>
-          <a:bodyPr>
-            <a:normAutofit/>
-          </a:bodyPr>
-          <a:lstStyle/>
-          <a:p>
-            <a:pPr algn="l"/>
-            <a:r>
-              <a:rPr lang="en-US" altLang="ko-KR" sz="4400" dirty="0">
-                <a:solidFill>
-                  <a:schemeClr val="tx1">
-                    <a:lumMod val="75000"/>
-                    <a:lumOff val="25000"/>
-                  </a:schemeClr>
-                </a:solidFill>
-                <a:latin typeface="Noto Sans CJK KR Black" pitchFamily="34" charset="-127"/>
-                <a:ea typeface="Noto Sans CJK KR Black" pitchFamily="34" charset="-127"/>
-              </a:rPr>
-              <a:t>3. </a:t>
-            </a:r>
-            <a:r>
-              <a:rPr lang="ko-KR" altLang="en-US" sz="4400" dirty="0">
-                <a:solidFill>
-                  <a:schemeClr val="tx1">
-                    <a:lumMod val="75000"/>
-                    <a:lumOff val="25000"/>
-                  </a:schemeClr>
-                </a:solidFill>
-                <a:latin typeface="Noto Sans CJK KR Black" pitchFamily="34" charset="-127"/>
-                <a:ea typeface="Noto Sans CJK KR Black" pitchFamily="34" charset="-127"/>
-              </a:rPr>
-              <a:t>시계열분석을 위한 데이터셋 준비</a:t>
-            </a:r>
-            <a:endParaRPr lang="ko-KR" altLang="en-US" sz="4400" dirty="0">
-              <a:solidFill>
-                <a:schemeClr val="tx1">
-                  <a:lumMod val="75000"/>
-                  <a:lumOff val="25000"/>
-                </a:schemeClr>
-              </a:solidFill>
-            </a:endParaRPr>
-          </a:p>
-        </p:txBody>
-      </p:sp>
-      <p:sp>
-        <p:nvSpPr>
-          <p:cNvPr id="3" name="슬라이드 번호 개체 틀 2"/>
-          <p:cNvSpPr>
-            <a:spLocks noGrp="1"/>
-          </p:cNvSpPr>
-          <p:nvPr>
-            <p:ph type="sldNum" sz="quarter" idx="12"/>
-          </p:nvPr>
-        </p:nvSpPr>
-        <p:spPr/>
-        <p:txBody>
-          <a:bodyPr/>
-          <a:lstStyle/>
-          <a:p>
-            <a:fld id="{6DDAE2C3-1A0B-474A-8CE8-AE55B8D9D4B1}" type="slidenum">
-              <a:rPr lang="ko-KR" altLang="en-US" smtClean="0"/>
-              <a:pPr/>
-              <a:t>31</a:t>
-            </a:fld>
-            <a:endParaRPr lang="ko-KR" altLang="en-US" dirty="0"/>
-          </a:p>
-        </p:txBody>
-      </p:sp>
-      <p:pic>
-        <p:nvPicPr>
-          <p:cNvPr id="2" name="그림 1">
-            <a:extLst>
-              <a:ext uri="{FF2B5EF4-FFF2-40B4-BE49-F238E27FC236}">
-                <a16:creationId xmlns:a16="http://schemas.microsoft.com/office/drawing/2014/main" id="{8AC18B02-AB2A-4931-9267-A001EE2A2DE8}"/>
-              </a:ext>
-            </a:extLst>
-          </p:cNvPr>
-          <p:cNvPicPr>
-            <a:picLocks noChangeAspect="1"/>
-          </p:cNvPicPr>
-          <p:nvPr/>
-        </p:nvPicPr>
-        <p:blipFill>
-          <a:blip r:embed="rId2"/>
-          <a:stretch>
-            <a:fillRect/>
-          </a:stretch>
-        </p:blipFill>
-        <p:spPr>
-          <a:xfrm>
-            <a:off x="799853" y="1973102"/>
-            <a:ext cx="4848225" cy="4352925"/>
-          </a:xfrm>
-          <a:prstGeom prst="rect">
-            <a:avLst/>
-          </a:prstGeom>
-        </p:spPr>
-      </p:pic>
-      <p:pic>
-        <p:nvPicPr>
-          <p:cNvPr id="4" name="그림 3">
-            <a:extLst>
-              <a:ext uri="{FF2B5EF4-FFF2-40B4-BE49-F238E27FC236}">
-                <a16:creationId xmlns:a16="http://schemas.microsoft.com/office/drawing/2014/main" id="{2917F257-8F06-4FF4-991F-80CD2D382813}"/>
-              </a:ext>
-            </a:extLst>
-          </p:cNvPr>
-          <p:cNvPicPr>
-            <a:picLocks noChangeAspect="1"/>
-          </p:cNvPicPr>
-          <p:nvPr/>
-        </p:nvPicPr>
-        <p:blipFill>
-          <a:blip r:embed="rId3"/>
-          <a:stretch>
-            <a:fillRect/>
-          </a:stretch>
-        </p:blipFill>
-        <p:spPr>
-          <a:xfrm>
-            <a:off x="6224141" y="1401763"/>
-            <a:ext cx="4905375" cy="5438775"/>
-          </a:xfrm>
-          <a:prstGeom prst="rect">
-            <a:avLst/>
-          </a:prstGeom>
-        </p:spPr>
-      </p:pic>
-    </p:spTree>
-    <p:extLst>
-      <p:ext uri="{BB962C8B-B14F-4D97-AF65-F5344CB8AC3E}">
-        <p14:creationId xmlns:p14="http://schemas.microsoft.com/office/powerpoint/2010/main" val="286664559"/>
-      </p:ext>
-    </p:extLst>
-  </p:cSld>
-  <p:clrMapOvr>
-    <a:masterClrMapping/>
-  </p:clrMapOvr>
-</p:sld>
-</file>
-
-<file path=ppt/slides/slide32.xml><?xml version="1.0" encoding="utf-8"?>
-<p:sld xmlns:a="http://schemas.openxmlformats.org/drawingml/2006/main" xmlns:r="http://schemas.openxmlformats.org/officeDocument/2006/relationships" xmlns:p="http://schemas.openxmlformats.org/presentationml/2006/main">
-  <p:cSld>
-    <p:spTree>
-      <p:nvGrpSpPr>
-        <p:cNvPr id="1" name=""/>
-        <p:cNvGrpSpPr/>
-        <p:nvPr/>
-      </p:nvGrpSpPr>
-      <p:grpSpPr>
-        <a:xfrm>
-          <a:off x="0" y="0"/>
-          <a:ext cx="0" cy="0"/>
-          <a:chOff x="0" y="0"/>
-          <a:chExt cx="0" cy="0"/>
-        </a:xfrm>
-      </p:grpSpPr>
-      <p:sp>
-        <p:nvSpPr>
-          <p:cNvPr id="5" name="제목 4"/>
-          <p:cNvSpPr>
-            <a:spLocks noGrp="1"/>
-          </p:cNvSpPr>
-          <p:nvPr>
-            <p:ph type="title"/>
-          </p:nvPr>
-        </p:nvSpPr>
-        <p:spPr>
-          <a:xfrm>
-            <a:off x="608012" y="539949"/>
-            <a:ext cx="10944225" cy="1140090"/>
-          </a:xfrm>
-        </p:spPr>
-        <p:txBody>
-          <a:bodyPr>
-            <a:normAutofit/>
-          </a:bodyPr>
-          <a:lstStyle/>
-          <a:p>
-            <a:pPr algn="l"/>
-            <a:r>
-              <a:rPr lang="en-US" altLang="ko-KR" sz="4400" dirty="0">
-                <a:solidFill>
-                  <a:schemeClr val="tx1">
-                    <a:lumMod val="75000"/>
-                    <a:lumOff val="25000"/>
-                  </a:schemeClr>
-                </a:solidFill>
-                <a:latin typeface="Noto Sans CJK KR Black" pitchFamily="34" charset="-127"/>
-                <a:ea typeface="Noto Sans CJK KR Black" pitchFamily="34" charset="-127"/>
-              </a:rPr>
-              <a:t>3. </a:t>
-            </a:r>
-            <a:r>
-              <a:rPr lang="ko-KR" altLang="en-US" sz="4400" dirty="0">
-                <a:solidFill>
-                  <a:schemeClr val="tx1">
-                    <a:lumMod val="75000"/>
-                    <a:lumOff val="25000"/>
-                  </a:schemeClr>
-                </a:solidFill>
-                <a:latin typeface="Noto Sans CJK KR Black" pitchFamily="34" charset="-127"/>
-                <a:ea typeface="Noto Sans CJK KR Black" pitchFamily="34" charset="-127"/>
-              </a:rPr>
-              <a:t>시계열분석을 위한 데이터셋 준비</a:t>
-            </a:r>
-            <a:endParaRPr lang="ko-KR" altLang="en-US" sz="4400" dirty="0">
-              <a:solidFill>
-                <a:schemeClr val="tx1">
-                  <a:lumMod val="75000"/>
-                  <a:lumOff val="25000"/>
-                </a:schemeClr>
-              </a:solidFill>
-            </a:endParaRPr>
-          </a:p>
-        </p:txBody>
-      </p:sp>
-      <p:sp>
-        <p:nvSpPr>
-          <p:cNvPr id="3" name="슬라이드 번호 개체 틀 2"/>
-          <p:cNvSpPr>
-            <a:spLocks noGrp="1"/>
-          </p:cNvSpPr>
-          <p:nvPr>
-            <p:ph type="sldNum" sz="quarter" idx="12"/>
-          </p:nvPr>
-        </p:nvSpPr>
-        <p:spPr/>
-        <p:txBody>
-          <a:bodyPr/>
-          <a:lstStyle/>
-          <a:p>
-            <a:fld id="{6DDAE2C3-1A0B-474A-8CE8-AE55B8D9D4B1}" type="slidenum">
-              <a:rPr lang="ko-KR" altLang="en-US" smtClean="0"/>
-              <a:pPr/>
-              <a:t>32</a:t>
-            </a:fld>
-            <a:endParaRPr lang="ko-KR" altLang="en-US" dirty="0"/>
-          </a:p>
-        </p:txBody>
-      </p:sp>
-      <p:pic>
-        <p:nvPicPr>
-          <p:cNvPr id="4" name="그림 3">
-            <a:extLst>
-              <a:ext uri="{FF2B5EF4-FFF2-40B4-BE49-F238E27FC236}">
-                <a16:creationId xmlns:a16="http://schemas.microsoft.com/office/drawing/2014/main" id="{BA33EB0B-FCE0-4418-A8F7-29A13DC19AA3}"/>
-              </a:ext>
-            </a:extLst>
-          </p:cNvPr>
-          <p:cNvPicPr>
-            <a:picLocks noChangeAspect="1"/>
-          </p:cNvPicPr>
-          <p:nvPr/>
-        </p:nvPicPr>
-        <p:blipFill>
-          <a:blip r:embed="rId2"/>
-          <a:stretch>
-            <a:fillRect/>
-          </a:stretch>
-        </p:blipFill>
-        <p:spPr>
-          <a:xfrm>
-            <a:off x="3470274" y="1676434"/>
-            <a:ext cx="5219700" cy="5048250"/>
-          </a:xfrm>
-          <a:prstGeom prst="rect">
-            <a:avLst/>
-          </a:prstGeom>
-        </p:spPr>
-      </p:pic>
-    </p:spTree>
-    <p:extLst>
-      <p:ext uri="{BB962C8B-B14F-4D97-AF65-F5344CB8AC3E}">
-        <p14:creationId xmlns:p14="http://schemas.microsoft.com/office/powerpoint/2010/main" val="2118871796"/>
-      </p:ext>
-    </p:extLst>
-  </p:cSld>
-  <p:clrMapOvr>
-    <a:masterClrMapping/>
-  </p:clrMapOvr>
-</p:sld>
-</file>
-
-<file path=ppt/slides/slide33.xml><?xml version="1.0" encoding="utf-8"?>
-<p:sld xmlns:a="http://schemas.openxmlformats.org/drawingml/2006/main" xmlns:r="http://schemas.openxmlformats.org/officeDocument/2006/relationships" xmlns:p="http://schemas.openxmlformats.org/presentationml/2006/main">
-  <p:cSld>
-    <p:spTree>
-      <p:nvGrpSpPr>
-        <p:cNvPr id="1" name=""/>
-        <p:cNvGrpSpPr/>
-        <p:nvPr/>
-      </p:nvGrpSpPr>
-      <p:grpSpPr>
-        <a:xfrm>
-          <a:off x="0" y="0"/>
-          <a:ext cx="0" cy="0"/>
-          <a:chOff x="0" y="0"/>
-          <a:chExt cx="0" cy="0"/>
-        </a:xfrm>
-      </p:grpSpPr>
-      <p:sp>
-        <p:nvSpPr>
-          <p:cNvPr id="5" name="제목 4"/>
-          <p:cNvSpPr>
-            <a:spLocks noGrp="1"/>
-          </p:cNvSpPr>
-          <p:nvPr>
-            <p:ph type="title"/>
-          </p:nvPr>
-        </p:nvSpPr>
-        <p:spPr>
-          <a:xfrm>
-            <a:off x="608012" y="539949"/>
-            <a:ext cx="10944225" cy="1140090"/>
-          </a:xfrm>
-        </p:spPr>
-        <p:txBody>
-          <a:bodyPr>
-            <a:normAutofit/>
-          </a:bodyPr>
-          <a:lstStyle/>
-          <a:p>
-            <a:pPr algn="l"/>
-            <a:r>
-              <a:rPr lang="en-US" altLang="ko-KR" sz="4400" dirty="0">
-                <a:solidFill>
-                  <a:schemeClr val="tx1">
-                    <a:lumMod val="75000"/>
-                    <a:lumOff val="25000"/>
-                  </a:schemeClr>
-                </a:solidFill>
-                <a:latin typeface="Noto Sans CJK KR Black" pitchFamily="34" charset="-127"/>
-                <a:ea typeface="Noto Sans CJK KR Black" pitchFamily="34" charset="-127"/>
-              </a:rPr>
-              <a:t>3. </a:t>
-            </a:r>
-            <a:r>
-              <a:rPr lang="ko-KR" altLang="en-US" sz="4400" dirty="0">
-                <a:solidFill>
-                  <a:schemeClr val="tx1">
-                    <a:lumMod val="75000"/>
-                    <a:lumOff val="25000"/>
-                  </a:schemeClr>
-                </a:solidFill>
-                <a:latin typeface="Noto Sans CJK KR Black" pitchFamily="34" charset="-127"/>
-                <a:ea typeface="Noto Sans CJK KR Black" pitchFamily="34" charset="-127"/>
-              </a:rPr>
-              <a:t>시계열분석을 위한 데이터셋 준비</a:t>
-            </a:r>
-            <a:endParaRPr lang="ko-KR" altLang="en-US" sz="4400" dirty="0">
-              <a:solidFill>
-                <a:schemeClr val="tx1">
-                  <a:lumMod val="75000"/>
-                  <a:lumOff val="25000"/>
-                </a:schemeClr>
-              </a:solidFill>
-            </a:endParaRPr>
-          </a:p>
-        </p:txBody>
-      </p:sp>
-      <p:sp>
-        <p:nvSpPr>
-          <p:cNvPr id="3" name="슬라이드 번호 개체 틀 2"/>
-          <p:cNvSpPr>
-            <a:spLocks noGrp="1"/>
-          </p:cNvSpPr>
-          <p:nvPr>
-            <p:ph type="sldNum" sz="quarter" idx="12"/>
-          </p:nvPr>
-        </p:nvSpPr>
-        <p:spPr/>
-        <p:txBody>
-          <a:bodyPr/>
-          <a:lstStyle/>
-          <a:p>
-            <a:fld id="{6DDAE2C3-1A0B-474A-8CE8-AE55B8D9D4B1}" type="slidenum">
-              <a:rPr lang="ko-KR" altLang="en-US" smtClean="0"/>
-              <a:pPr/>
-              <a:t>33</a:t>
-            </a:fld>
-            <a:endParaRPr lang="ko-KR" altLang="en-US" dirty="0"/>
-          </a:p>
-        </p:txBody>
-      </p:sp>
-      <p:pic>
-        <p:nvPicPr>
-          <p:cNvPr id="6" name="그림 5">
-            <a:extLst>
-              <a:ext uri="{FF2B5EF4-FFF2-40B4-BE49-F238E27FC236}">
-                <a16:creationId xmlns:a16="http://schemas.microsoft.com/office/drawing/2014/main" id="{C65E9998-DCF7-4C20-A3E5-A5ECFF1CCB7F}"/>
-              </a:ext>
-            </a:extLst>
-          </p:cNvPr>
-          <p:cNvPicPr>
-            <a:picLocks noChangeAspect="1"/>
-          </p:cNvPicPr>
-          <p:nvPr/>
-        </p:nvPicPr>
-        <p:blipFill>
-          <a:blip r:embed="rId2"/>
-          <a:stretch>
-            <a:fillRect/>
-          </a:stretch>
-        </p:blipFill>
-        <p:spPr>
-          <a:xfrm>
-            <a:off x="6234283" y="1330796"/>
-            <a:ext cx="4905375" cy="5486400"/>
-          </a:xfrm>
-          <a:prstGeom prst="rect">
-            <a:avLst/>
-          </a:prstGeom>
-        </p:spPr>
-      </p:pic>
-      <p:pic>
-        <p:nvPicPr>
-          <p:cNvPr id="2" name="그림 1">
-            <a:extLst>
-              <a:ext uri="{FF2B5EF4-FFF2-40B4-BE49-F238E27FC236}">
-                <a16:creationId xmlns:a16="http://schemas.microsoft.com/office/drawing/2014/main" id="{BD3A1C39-F07C-4D33-B6AD-67CD0CC93744}"/>
-              </a:ext>
-            </a:extLst>
-          </p:cNvPr>
-          <p:cNvPicPr>
-            <a:picLocks noChangeAspect="1"/>
-          </p:cNvPicPr>
-          <p:nvPr/>
-        </p:nvPicPr>
-        <p:blipFill>
-          <a:blip r:embed="rId3"/>
-          <a:stretch>
-            <a:fillRect/>
-          </a:stretch>
-        </p:blipFill>
-        <p:spPr>
-          <a:xfrm>
-            <a:off x="685584" y="1549871"/>
-            <a:ext cx="5153025" cy="5048250"/>
-          </a:xfrm>
-          <a:prstGeom prst="rect">
-            <a:avLst/>
-          </a:prstGeom>
-        </p:spPr>
-      </p:pic>
-    </p:spTree>
-    <p:extLst>
-      <p:ext uri="{BB962C8B-B14F-4D97-AF65-F5344CB8AC3E}">
-        <p14:creationId xmlns:p14="http://schemas.microsoft.com/office/powerpoint/2010/main" val="3212167489"/>
-      </p:ext>
-    </p:extLst>
-  </p:cSld>
-  <p:clrMapOvr>
-    <a:masterClrMapping/>
-  </p:clrMapOvr>
-</p:sld>
-</file>
-
-<file path=ppt/slides/slide34.xml><?xml version="1.0" encoding="utf-8"?>
-<p:sld xmlns:a="http://schemas.openxmlformats.org/drawingml/2006/main" xmlns:r="http://schemas.openxmlformats.org/officeDocument/2006/relationships" xmlns:p="http://schemas.openxmlformats.org/presentationml/2006/main">
-  <p:cSld>
-    <p:spTree>
-      <p:nvGrpSpPr>
-        <p:cNvPr id="1" name=""/>
-        <p:cNvGrpSpPr/>
-        <p:nvPr/>
-      </p:nvGrpSpPr>
-      <p:grpSpPr>
-        <a:xfrm>
-          <a:off x="0" y="0"/>
-          <a:ext cx="0" cy="0"/>
-          <a:chOff x="0" y="0"/>
-          <a:chExt cx="0" cy="0"/>
-        </a:xfrm>
-      </p:grpSpPr>
-      <p:sp>
-        <p:nvSpPr>
-          <p:cNvPr id="5" name="제목 4"/>
-          <p:cNvSpPr>
-            <a:spLocks noGrp="1"/>
-          </p:cNvSpPr>
-          <p:nvPr>
-            <p:ph type="title"/>
-          </p:nvPr>
-        </p:nvSpPr>
-        <p:spPr>
-          <a:xfrm>
-            <a:off x="608012" y="539949"/>
-            <a:ext cx="10944225" cy="1140090"/>
-          </a:xfrm>
-        </p:spPr>
-        <p:txBody>
-          <a:bodyPr>
-            <a:normAutofit/>
-          </a:bodyPr>
-          <a:lstStyle/>
-          <a:p>
-            <a:pPr algn="l"/>
-            <a:r>
-              <a:rPr lang="en-US" altLang="ko-KR" sz="4400" dirty="0">
-                <a:solidFill>
-                  <a:schemeClr val="tx1">
-                    <a:lumMod val="75000"/>
-                    <a:lumOff val="25000"/>
-                  </a:schemeClr>
-                </a:solidFill>
-                <a:latin typeface="Noto Sans CJK KR Black" pitchFamily="34" charset="-127"/>
-                <a:ea typeface="Noto Sans CJK KR Black" pitchFamily="34" charset="-127"/>
-              </a:rPr>
-              <a:t>3. </a:t>
-            </a:r>
-            <a:r>
-              <a:rPr lang="ko-KR" altLang="en-US" sz="4400" dirty="0">
-                <a:solidFill>
-                  <a:schemeClr val="tx1">
-                    <a:lumMod val="75000"/>
-                    <a:lumOff val="25000"/>
-                  </a:schemeClr>
-                </a:solidFill>
-                <a:latin typeface="Noto Sans CJK KR Black" pitchFamily="34" charset="-127"/>
-                <a:ea typeface="Noto Sans CJK KR Black" pitchFamily="34" charset="-127"/>
-              </a:rPr>
-              <a:t>시계열분석을 위한 데이터셋 준비</a:t>
-            </a:r>
-            <a:endParaRPr lang="ko-KR" altLang="en-US" sz="4400" dirty="0">
-              <a:solidFill>
-                <a:schemeClr val="tx1">
-                  <a:lumMod val="75000"/>
-                  <a:lumOff val="25000"/>
-                </a:schemeClr>
-              </a:solidFill>
-            </a:endParaRPr>
-          </a:p>
-        </p:txBody>
-      </p:sp>
-      <p:sp>
-        <p:nvSpPr>
-          <p:cNvPr id="3" name="슬라이드 번호 개체 틀 2"/>
-          <p:cNvSpPr>
-            <a:spLocks noGrp="1"/>
-          </p:cNvSpPr>
-          <p:nvPr>
-            <p:ph type="sldNum" sz="quarter" idx="12"/>
-          </p:nvPr>
-        </p:nvSpPr>
-        <p:spPr/>
-        <p:txBody>
-          <a:bodyPr/>
-          <a:lstStyle/>
-          <a:p>
-            <a:fld id="{6DDAE2C3-1A0B-474A-8CE8-AE55B8D9D4B1}" type="slidenum">
-              <a:rPr lang="ko-KR" altLang="en-US" smtClean="0"/>
-              <a:pPr/>
-              <a:t>34</a:t>
-            </a:fld>
-            <a:endParaRPr lang="ko-KR" altLang="en-US" dirty="0"/>
-          </a:p>
-        </p:txBody>
-      </p:sp>
-      <p:pic>
-        <p:nvPicPr>
-          <p:cNvPr id="4" name="그림 3">
-            <a:extLst>
-              <a:ext uri="{FF2B5EF4-FFF2-40B4-BE49-F238E27FC236}">
-                <a16:creationId xmlns:a16="http://schemas.microsoft.com/office/drawing/2014/main" id="{2970CC12-F9A6-4E77-A087-B1C87E9466C1}"/>
-              </a:ext>
-            </a:extLst>
-          </p:cNvPr>
-          <p:cNvPicPr>
-            <a:picLocks noChangeAspect="1"/>
-          </p:cNvPicPr>
-          <p:nvPr/>
-        </p:nvPicPr>
-        <p:blipFill>
-          <a:blip r:embed="rId2"/>
-          <a:stretch>
-            <a:fillRect/>
-          </a:stretch>
-        </p:blipFill>
-        <p:spPr>
-          <a:xfrm>
-            <a:off x="3555999" y="2052117"/>
-            <a:ext cx="5048250" cy="3609975"/>
-          </a:xfrm>
-          <a:prstGeom prst="rect">
-            <a:avLst/>
-          </a:prstGeom>
-        </p:spPr>
-      </p:pic>
-    </p:spTree>
-    <p:extLst>
-      <p:ext uri="{BB962C8B-B14F-4D97-AF65-F5344CB8AC3E}">
-        <p14:creationId xmlns:p14="http://schemas.microsoft.com/office/powerpoint/2010/main" val="686868109"/>
-      </p:ext>
-    </p:extLst>
-  </p:cSld>
-  <p:clrMapOvr>
-    <a:masterClrMapping/>
-  </p:clrMapOvr>
-</p:sld>
-</file>
-
-<file path=ppt/slides/slide35.xml><?xml version="1.0" encoding="utf-8"?>
+<file path=ppt/slides/slide19.xml><?xml version="1.0" encoding="utf-8"?>
 <p:sld xmlns:a="http://schemas.openxmlformats.org/drawingml/2006/main" xmlns:r="http://schemas.openxmlformats.org/officeDocument/2006/relationships" xmlns:p="http://schemas.openxmlformats.org/presentationml/2006/main">
   <p:cSld>
     <p:spTree>
@@ -9590,7 +6047,7 @@
 </p:sld>
 </file>
 
-<file path=ppt/slides/slide4.xml><?xml version="1.0" encoding="utf-8"?>
+<file path=ppt/slides/slide2.xml><?xml version="1.0" encoding="utf-8"?>
 <p:sld xmlns:a="http://schemas.openxmlformats.org/drawingml/2006/main" xmlns:r="http://schemas.openxmlformats.org/officeDocument/2006/relationships" xmlns:p="http://schemas.openxmlformats.org/presentationml/2006/main">
   <p:cSld>
     <p:bg>
@@ -9619,7 +6076,13 @@
       </p:grpSpPr>
       <p:sp>
         <p:nvSpPr>
-          <p:cNvPr id="4" name="슬라이드 번호 개체 틀 3"/>
+          <p:cNvPr id="5" name="슬라이드 번호 개체 틀 3">
+            <a:extLst>
+              <a:ext uri="{FF2B5EF4-FFF2-40B4-BE49-F238E27FC236}">
+                <a16:creationId xmlns:a16="http://schemas.microsoft.com/office/drawing/2014/main" id="{06C3A460-1E7C-43F0-BC0F-938FDC55BD50}"/>
+              </a:ext>
+            </a:extLst>
+          </p:cNvPr>
           <p:cNvSpPr>
             <a:spLocks noGrp="1"/>
           </p:cNvSpPr>
@@ -9627,7 +6090,12 @@
             <p:ph type="sldNum" sz="quarter" idx="12"/>
           </p:nvPr>
         </p:nvSpPr>
-        <p:spPr/>
+        <p:spPr>
+          <a:xfrm>
+            <a:off x="9160679" y="6372598"/>
+            <a:ext cx="2837392" cy="364195"/>
+          </a:xfrm>
+        </p:spPr>
         <p:txBody>
           <a:bodyPr/>
           <a:lstStyle/>
@@ -9635,7 +6103,7 @@
             <a:fld id="{6DDAE2C3-1A0B-474A-8CE8-AE55B8D9D4B1}" type="slidenum">
               <a:rPr lang="ko-KR" altLang="en-US" smtClean="0"/>
               <a:pPr/>
-              <a:t>4</a:t>
+              <a:t>2</a:t>
             </a:fld>
             <a:endParaRPr lang="ko-KR" altLang="en-US" dirty="0"/>
           </a:p>
@@ -9643,14 +6111,20 @@
       </p:sp>
       <p:sp>
         <p:nvSpPr>
-          <p:cNvPr id="11" name="TextBox 10"/>
+          <p:cNvPr id="6" name="TextBox 5">
+            <a:extLst>
+              <a:ext uri="{FF2B5EF4-FFF2-40B4-BE49-F238E27FC236}">
+                <a16:creationId xmlns:a16="http://schemas.microsoft.com/office/drawing/2014/main" id="{E3EAE2D0-FDC5-4DC1-8698-FF0EECB52ACF}"/>
+              </a:ext>
+            </a:extLst>
+          </p:cNvPr>
           <p:cNvSpPr txBox="1"/>
           <p:nvPr/>
         </p:nvSpPr>
         <p:spPr>
           <a:xfrm>
             <a:off x="542135" y="855851"/>
-            <a:ext cx="9786462" cy="2708434"/>
+            <a:ext cx="11298630" cy="3016210"/>
           </a:xfrm>
           <a:prstGeom prst="rect">
             <a:avLst/>
@@ -9671,7 +6145,7 @@
                 <a:latin typeface="Noto Sans CJK KR Black" panose="020B0A00000000000000" pitchFamily="34" charset="-127"/>
                 <a:ea typeface="Noto Sans CJK KR Black" panose="020B0A00000000000000" pitchFamily="34" charset="-127"/>
               </a:rPr>
-              <a:t>Part1: 1</a:t>
+              <a:t>2</a:t>
             </a:r>
             <a:r>
               <a:rPr lang="ko-KR" altLang="en-US" sz="4400" dirty="0">
@@ -9681,20 +6155,8 @@
                 <a:latin typeface="Noto Sans CJK KR Black" panose="020B0A00000000000000" pitchFamily="34" charset="-127"/>
                 <a:ea typeface="Noto Sans CJK KR Black" panose="020B0A00000000000000" pitchFamily="34" charset="-127"/>
               </a:rPr>
-              <a:t>회차 강의의 목적</a:t>
-            </a:r>
-            <a:r>
-              <a:rPr lang="en-US" altLang="ko-KR" sz="4400" dirty="0">
-                <a:solidFill>
-                  <a:schemeClr val="bg1"/>
-                </a:solidFill>
-                <a:latin typeface="Noto Sans CJK KR Black" panose="020B0A00000000000000" pitchFamily="34" charset="-127"/>
-                <a:ea typeface="Noto Sans CJK KR Black" panose="020B0A00000000000000" pitchFamily="34" charset="-127"/>
-              </a:rPr>
-              <a:t>.</a:t>
-            </a:r>
-          </a:p>
-          <a:p>
+              <a:t>주차 강의의 목적</a:t>
+            </a:r>
             <a:endParaRPr lang="en-US" altLang="ko-KR" sz="4400" dirty="0">
               <a:solidFill>
                 <a:schemeClr val="bg1"/>
@@ -9704,46 +6166,6 @@
             </a:endParaRPr>
           </a:p>
           <a:p>
-            <a:r>
-              <a:rPr lang="en-US" altLang="ko-KR" sz="4400" dirty="0">
-                <a:solidFill>
-                  <a:schemeClr val="bg1"/>
-                </a:solidFill>
-                <a:latin typeface="Noto Sans CJK KR Black" panose="020B0A00000000000000" pitchFamily="34" charset="-127"/>
-                <a:ea typeface="Noto Sans CJK KR Black" panose="020B0A00000000000000" pitchFamily="34" charset="-127"/>
-              </a:rPr>
-              <a:t>“</a:t>
-            </a:r>
-            <a:r>
-              <a:rPr lang="ko-KR" altLang="en-US" sz="4400" dirty="0">
-                <a:solidFill>
-                  <a:schemeClr val="bg1"/>
-                </a:solidFill>
-                <a:latin typeface="Noto Sans CJK KR Black" panose="020B0A00000000000000" pitchFamily="34" charset="-127"/>
-                <a:ea typeface="Noto Sans CJK KR Black" panose="020B0A00000000000000" pitchFamily="34" charset="-127"/>
-              </a:rPr>
-              <a:t>분석 </a:t>
-            </a:r>
-            <a:r>
-              <a:rPr lang="ko-KR" altLang="en-US" sz="4400" dirty="0" err="1">
-                <a:solidFill>
-                  <a:schemeClr val="bg1"/>
-                </a:solidFill>
-                <a:latin typeface="Noto Sans CJK KR Black" panose="020B0A00000000000000" pitchFamily="34" charset="-127"/>
-                <a:ea typeface="Noto Sans CJK KR Black" panose="020B0A00000000000000" pitchFamily="34" charset="-127"/>
-              </a:rPr>
-              <a:t>싸이클</a:t>
-            </a:r>
-            <a:r>
-              <a:rPr lang="ko-KR" altLang="en-US" sz="4400" dirty="0">
-                <a:solidFill>
-                  <a:schemeClr val="bg1"/>
-                </a:solidFill>
-                <a:latin typeface="Noto Sans CJK KR Black" panose="020B0A00000000000000" pitchFamily="34" charset="-127"/>
-                <a:ea typeface="Noto Sans CJK KR Black" panose="020B0A00000000000000" pitchFamily="34" charset="-127"/>
-              </a:rPr>
-              <a:t> 이해 </a:t>
-            </a:r>
             <a:endParaRPr lang="en-US" altLang="ko-KR" sz="4400" dirty="0">
               <a:solidFill>
                 <a:schemeClr val="bg1"/>
@@ -9753,64 +6175,95 @@
             </a:endParaRPr>
           </a:p>
           <a:p>
-            <a:r>
-              <a:rPr lang="ko-KR" altLang="en-US" sz="4400" dirty="0">
+            <a:endParaRPr lang="en-US" altLang="ko-KR" sz="4400" dirty="0">
+              <a:solidFill>
+                <a:schemeClr val="bg1"/>
+              </a:solidFill>
+              <a:latin typeface="Noto Sans CJK KR Black" panose="020B0A00000000000000" pitchFamily="34" charset="-127"/>
+              <a:ea typeface="Noto Sans CJK KR Black" panose="020B0A00000000000000" pitchFamily="34" charset="-127"/>
+            </a:endParaRPr>
+          </a:p>
+          <a:p>
+            <a:r>
+              <a:rPr lang="en-US" altLang="ko-KR" sz="3200" dirty="0">
                 <a:solidFill>
                   <a:schemeClr val="bg1"/>
                 </a:solidFill>
                 <a:latin typeface="Noto Sans CJK KR Black" panose="020B0A00000000000000" pitchFamily="34" charset="-127"/>
                 <a:ea typeface="Noto Sans CJK KR Black" panose="020B0A00000000000000" pitchFamily="34" charset="-127"/>
               </a:rPr>
-              <a:t>및 수학</a:t>
-            </a:r>
-            <a:r>
-              <a:rPr lang="en-US" altLang="ko-KR" sz="4400" dirty="0">
+              <a:t>“</a:t>
+            </a:r>
+            <a:r>
+              <a:rPr lang="ko-KR" altLang="en-US" sz="3200" dirty="0">
                 <a:solidFill>
                   <a:schemeClr val="bg1"/>
                 </a:solidFill>
                 <a:latin typeface="Noto Sans CJK KR Black" panose="020B0A00000000000000" pitchFamily="34" charset="-127"/>
                 <a:ea typeface="Noto Sans CJK KR Black" panose="020B0A00000000000000" pitchFamily="34" charset="-127"/>
               </a:rPr>
-              <a:t>/</a:t>
-            </a:r>
-            <a:r>
-              <a:rPr lang="ko-KR" altLang="en-US" sz="4400" dirty="0">
+              <a:t>학습방향과 알고리즘</a:t>
+            </a:r>
+            <a:r>
+              <a:rPr lang="en-US" altLang="ko-KR" sz="3200" dirty="0">
                 <a:solidFill>
                   <a:schemeClr val="bg1"/>
                 </a:solidFill>
                 <a:latin typeface="Noto Sans CJK KR Black" panose="020B0A00000000000000" pitchFamily="34" charset="-127"/>
                 <a:ea typeface="Noto Sans CJK KR Black" panose="020B0A00000000000000" pitchFamily="34" charset="-127"/>
               </a:rPr>
-              <a:t>통계</a:t>
-            </a:r>
-            <a:r>
-              <a:rPr lang="en-US" altLang="ko-KR" sz="4400" dirty="0">
+              <a:t>“</a:t>
+            </a:r>
+          </a:p>
+          <a:p>
+            <a:r>
+              <a:rPr lang="en-US" altLang="ko-KR" sz="3200" dirty="0">
                 <a:solidFill>
                   <a:schemeClr val="bg1"/>
                 </a:solidFill>
                 <a:latin typeface="Noto Sans CJK KR Black" panose="020B0A00000000000000" pitchFamily="34" charset="-127"/>
                 <a:ea typeface="Noto Sans CJK KR Black" panose="020B0A00000000000000" pitchFamily="34" charset="-127"/>
               </a:rPr>
-              <a:t>/Python </a:t>
-            </a:r>
-            <a:r>
-              <a:rPr lang="ko-KR" altLang="en-US" sz="4400" dirty="0">
+              <a:t>“</a:t>
+            </a:r>
+            <a:r>
+              <a:rPr lang="ko-KR" altLang="en-US" sz="3200" dirty="0">
                 <a:solidFill>
                   <a:schemeClr val="bg1"/>
                 </a:solidFill>
                 <a:latin typeface="Noto Sans CJK KR Black" panose="020B0A00000000000000" pitchFamily="34" charset="-127"/>
                 <a:ea typeface="Noto Sans CJK KR Black" panose="020B0A00000000000000" pitchFamily="34" charset="-127"/>
               </a:rPr>
-              <a:t>언어 이해하기</a:t>
-            </a:r>
-            <a:r>
-              <a:rPr lang="en-US" altLang="ko-KR" sz="4400" dirty="0">
+              <a:t>시계열 데이터</a:t>
+            </a:r>
+            <a:r>
+              <a:rPr lang="en-US" altLang="ko-KR" sz="3200" dirty="0">
                 <a:solidFill>
                   <a:schemeClr val="bg1"/>
                 </a:solidFill>
                 <a:latin typeface="Noto Sans CJK KR Black" panose="020B0A00000000000000" pitchFamily="34" charset="-127"/>
                 <a:ea typeface="Noto Sans CJK KR Black" panose="020B0A00000000000000" pitchFamily="34" charset="-127"/>
               </a:rPr>
+              <a:t>/</a:t>
+            </a:r>
+            <a:r>
+              <a:rPr lang="ko-KR" altLang="en-US" sz="3200" dirty="0">
+                <a:solidFill>
+                  <a:schemeClr val="bg1"/>
+                </a:solidFill>
+                <a:latin typeface="Noto Sans CJK KR Black" panose="020B0A00000000000000" pitchFamily="34" charset="-127"/>
+                <a:ea typeface="Noto Sans CJK KR Black" panose="020B0A00000000000000" pitchFamily="34" charset="-127"/>
+              </a:rPr>
+              <a:t>분석과 기계학습의 차이</a:t>
+            </a:r>
+            <a:r>
+              <a:rPr lang="en-US" altLang="ko-KR" sz="3200" dirty="0">
+                <a:solidFill>
+                  <a:schemeClr val="bg1"/>
+                </a:solidFill>
+                <a:latin typeface="Noto Sans CJK KR Black" panose="020B0A00000000000000" pitchFamily="34" charset="-127"/>
+                <a:ea typeface="Noto Sans CJK KR Black" panose="020B0A00000000000000" pitchFamily="34" charset="-127"/>
+              </a:rPr>
               <a:t>”</a:t>
             </a:r>
           </a:p>
@@ -9818,7 +6271,13 @@
       </p:sp>
       <p:sp>
         <p:nvSpPr>
-          <p:cNvPr id="12" name="TextBox 11"/>
+          <p:cNvPr id="7" name="TextBox 6">
+            <a:extLst>
+              <a:ext uri="{FF2B5EF4-FFF2-40B4-BE49-F238E27FC236}">
+                <a16:creationId xmlns:a16="http://schemas.microsoft.com/office/drawing/2014/main" id="{AAFD912D-124D-4D6A-9A20-3B0F41150374}"/>
+              </a:ext>
+            </a:extLst>
+          </p:cNvPr>
           <p:cNvSpPr txBox="1"/>
           <p:nvPr/>
         </p:nvSpPr>
@@ -9866,19 +6325,9 @@
 </p:sld>
 </file>
 
-<file path=ppt/slides/slide5.xml><?xml version="1.0" encoding="utf-8"?>
+<file path=ppt/slides/slide3.xml><?xml version="1.0" encoding="utf-8"?>
 <p:sld xmlns:a="http://schemas.openxmlformats.org/drawingml/2006/main" xmlns:r="http://schemas.openxmlformats.org/officeDocument/2006/relationships" xmlns:p="http://schemas.openxmlformats.org/presentationml/2006/main">
   <p:cSld>
-    <p:bg>
-      <p:bgPr>
-        <a:solidFill>
-          <a:schemeClr val="bg1">
-            <a:lumMod val="65000"/>
-          </a:schemeClr>
-        </a:solidFill>
-        <a:effectLst/>
-      </p:bgPr>
-    </p:bg>
     <p:spTree>
       <p:nvGrpSpPr>
         <p:cNvPr id="1" name=""/>
@@ -9895,7 +6344,295 @@
       </p:grpSpPr>
       <p:sp>
         <p:nvSpPr>
-          <p:cNvPr id="4" name="슬라이드 번호 개체 틀 3"/>
+          <p:cNvPr id="15" name="슬라이드 번호 개체 틀 14"/>
+          <p:cNvSpPr>
+            <a:spLocks noGrp="1"/>
+          </p:cNvSpPr>
+          <p:nvPr>
+            <p:ph type="sldNum" sz="quarter" idx="12"/>
+          </p:nvPr>
+        </p:nvSpPr>
+        <p:spPr/>
+        <p:txBody>
+          <a:bodyPr/>
+          <a:lstStyle/>
+          <a:p>
+            <a:fld id="{6DDAE2C3-1A0B-474A-8CE8-AE55B8D9D4B1}" type="slidenum">
+              <a:rPr lang="ko-KR" altLang="en-US" smtClean="0"/>
+              <a:pPr/>
+              <a:t>3</a:t>
+            </a:fld>
+            <a:endParaRPr lang="ko-KR" altLang="en-US" dirty="0"/>
+          </a:p>
+        </p:txBody>
+      </p:sp>
+      <p:pic>
+        <p:nvPicPr>
+          <p:cNvPr id="7" name="그림 6">
+            <a:extLst>
+              <a:ext uri="{FF2B5EF4-FFF2-40B4-BE49-F238E27FC236}">
+                <a16:creationId xmlns:a16="http://schemas.microsoft.com/office/drawing/2014/main" id="{7D4E2E8C-0F98-4686-87CC-9D5F595ACE8A}"/>
+              </a:ext>
+            </a:extLst>
+          </p:cNvPr>
+          <p:cNvPicPr>
+            <a:picLocks noChangeAspect="1"/>
+          </p:cNvPicPr>
+          <p:nvPr/>
+        </p:nvPicPr>
+        <p:blipFill>
+          <a:blip r:embed="rId2"/>
+          <a:stretch>
+            <a:fillRect/>
+          </a:stretch>
+        </p:blipFill>
+        <p:spPr>
+          <a:xfrm>
+            <a:off x="3498850" y="581819"/>
+            <a:ext cx="5162550" cy="5676900"/>
+          </a:xfrm>
+          <a:prstGeom prst="rect">
+            <a:avLst/>
+          </a:prstGeom>
+        </p:spPr>
+      </p:pic>
+    </p:spTree>
+    <p:extLst>
+      <p:ext uri="{BB962C8B-B14F-4D97-AF65-F5344CB8AC3E}">
+        <p14:creationId xmlns:p14="http://schemas.microsoft.com/office/powerpoint/2010/main" val="4147066373"/>
+      </p:ext>
+    </p:extLst>
+  </p:cSld>
+  <p:clrMapOvr>
+    <a:masterClrMapping/>
+  </p:clrMapOvr>
+</p:sld>
+</file>
+
+<file path=ppt/slides/slide4.xml><?xml version="1.0" encoding="utf-8"?>
+<p:sld xmlns:a="http://schemas.openxmlformats.org/drawingml/2006/main" xmlns:r="http://schemas.openxmlformats.org/officeDocument/2006/relationships" xmlns:p="http://schemas.openxmlformats.org/presentationml/2006/main">
+  <p:cSld>
+    <p:spTree>
+      <p:nvGrpSpPr>
+        <p:cNvPr id="1" name=""/>
+        <p:cNvGrpSpPr/>
+        <p:nvPr/>
+      </p:nvGrpSpPr>
+      <p:grpSpPr>
+        <a:xfrm>
+          <a:off x="0" y="0"/>
+          <a:ext cx="0" cy="0"/>
+          <a:chOff x="0" y="0"/>
+          <a:chExt cx="0" cy="0"/>
+        </a:xfrm>
+      </p:grpSpPr>
+      <p:sp>
+        <p:nvSpPr>
+          <p:cNvPr id="5" name="제목 4"/>
+          <p:cNvSpPr>
+            <a:spLocks noGrp="1"/>
+          </p:cNvSpPr>
+          <p:nvPr>
+            <p:ph type="title"/>
+          </p:nvPr>
+        </p:nvSpPr>
+        <p:spPr>
+          <a:xfrm>
+            <a:off x="608016" y="551987"/>
+            <a:ext cx="10944225" cy="1140090"/>
+          </a:xfrm>
+        </p:spPr>
+        <p:txBody>
+          <a:bodyPr>
+            <a:normAutofit/>
+          </a:bodyPr>
+          <a:lstStyle/>
+          <a:p>
+            <a:pPr algn="l"/>
+            <a:r>
+              <a:rPr lang="en-US" altLang="ko-KR" sz="4400" dirty="0">
+                <a:solidFill>
+                  <a:schemeClr val="tx1">
+                    <a:lumMod val="75000"/>
+                    <a:lumOff val="25000"/>
+                  </a:schemeClr>
+                </a:solidFill>
+                <a:latin typeface="Noto Sans CJK KR Black" pitchFamily="34" charset="-127"/>
+                <a:ea typeface="Noto Sans CJK KR Black" pitchFamily="34" charset="-127"/>
+              </a:rPr>
+              <a:t>1. </a:t>
+            </a:r>
+            <a:r>
+              <a:rPr lang="ko-KR" altLang="en-US" sz="4400" dirty="0">
+                <a:solidFill>
+                  <a:schemeClr val="tx1">
+                    <a:lumMod val="75000"/>
+                    <a:lumOff val="25000"/>
+                  </a:schemeClr>
+                </a:solidFill>
+                <a:latin typeface="Noto Sans CJK KR Black" pitchFamily="34" charset="-127"/>
+                <a:ea typeface="Noto Sans CJK KR Black" pitchFamily="34" charset="-127"/>
+              </a:rPr>
+              <a:t>학습방향과 알고리즘</a:t>
+            </a:r>
+            <a:endParaRPr lang="ko-KR" altLang="en-US" sz="4400" dirty="0">
+              <a:solidFill>
+                <a:schemeClr val="tx1">
+                  <a:lumMod val="75000"/>
+                  <a:lumOff val="25000"/>
+                </a:schemeClr>
+              </a:solidFill>
+            </a:endParaRPr>
+          </a:p>
+        </p:txBody>
+      </p:sp>
+      <p:sp>
+        <p:nvSpPr>
+          <p:cNvPr id="3" name="슬라이드 번호 개체 틀 2"/>
+          <p:cNvSpPr>
+            <a:spLocks noGrp="1"/>
+          </p:cNvSpPr>
+          <p:nvPr>
+            <p:ph type="sldNum" sz="quarter" idx="12"/>
+          </p:nvPr>
+        </p:nvSpPr>
+        <p:spPr/>
+        <p:txBody>
+          <a:bodyPr/>
+          <a:lstStyle/>
+          <a:p>
+            <a:fld id="{6DDAE2C3-1A0B-474A-8CE8-AE55B8D9D4B1}" type="slidenum">
+              <a:rPr lang="ko-KR" altLang="en-US" smtClean="0"/>
+              <a:pPr/>
+              <a:t>4</a:t>
+            </a:fld>
+            <a:endParaRPr lang="ko-KR" altLang="en-US" dirty="0"/>
+          </a:p>
+        </p:txBody>
+      </p:sp>
+      <p:pic>
+        <p:nvPicPr>
+          <p:cNvPr id="4" name="그림 3">
+            <a:extLst>
+              <a:ext uri="{FF2B5EF4-FFF2-40B4-BE49-F238E27FC236}">
+                <a16:creationId xmlns:a16="http://schemas.microsoft.com/office/drawing/2014/main" id="{73E8F11E-0B5E-47F6-A070-C470D0EAC81C}"/>
+              </a:ext>
+            </a:extLst>
+          </p:cNvPr>
+          <p:cNvPicPr>
+            <a:picLocks noChangeAspect="1"/>
+          </p:cNvPicPr>
+          <p:nvPr/>
+        </p:nvPicPr>
+        <p:blipFill>
+          <a:blip r:embed="rId2"/>
+          <a:stretch>
+            <a:fillRect/>
+          </a:stretch>
+        </p:blipFill>
+        <p:spPr>
+          <a:xfrm>
+            <a:off x="3565525" y="2501106"/>
+            <a:ext cx="5029200" cy="1838325"/>
+          </a:xfrm>
+          <a:prstGeom prst="rect">
+            <a:avLst/>
+          </a:prstGeom>
+        </p:spPr>
+      </p:pic>
+    </p:spTree>
+    <p:extLst>
+      <p:ext uri="{BB962C8B-B14F-4D97-AF65-F5344CB8AC3E}">
+        <p14:creationId xmlns:p14="http://schemas.microsoft.com/office/powerpoint/2010/main" val="149154168"/>
+      </p:ext>
+    </p:extLst>
+  </p:cSld>
+  <p:clrMapOvr>
+    <a:masterClrMapping/>
+  </p:clrMapOvr>
+</p:sld>
+</file>
+
+<file path=ppt/slides/slide5.xml><?xml version="1.0" encoding="utf-8"?>
+<p:sld xmlns:a="http://schemas.openxmlformats.org/drawingml/2006/main" xmlns:r="http://schemas.openxmlformats.org/officeDocument/2006/relationships" xmlns:p="http://schemas.openxmlformats.org/presentationml/2006/main">
+  <p:cSld>
+    <p:spTree>
+      <p:nvGrpSpPr>
+        <p:cNvPr id="1" name=""/>
+        <p:cNvGrpSpPr/>
+        <p:nvPr/>
+      </p:nvGrpSpPr>
+      <p:grpSpPr>
+        <a:xfrm>
+          <a:off x="0" y="0"/>
+          <a:ext cx="0" cy="0"/>
+          <a:chOff x="0" y="0"/>
+          <a:chExt cx="0" cy="0"/>
+        </a:xfrm>
+      </p:grpSpPr>
+      <p:sp>
+        <p:nvSpPr>
+          <p:cNvPr id="5" name="제목 4"/>
+          <p:cNvSpPr>
+            <a:spLocks noGrp="1"/>
+          </p:cNvSpPr>
+          <p:nvPr>
+            <p:ph type="title"/>
+          </p:nvPr>
+        </p:nvSpPr>
+        <p:spPr>
+          <a:xfrm>
+            <a:off x="608016" y="551987"/>
+            <a:ext cx="10944225" cy="1140090"/>
+          </a:xfrm>
+        </p:spPr>
+        <p:txBody>
+          <a:bodyPr>
+            <a:normAutofit/>
+          </a:bodyPr>
+          <a:lstStyle/>
+          <a:p>
+            <a:pPr algn="l"/>
+            <a:r>
+              <a:rPr lang="en-US" altLang="ko-KR" sz="4400" dirty="0">
+                <a:solidFill>
+                  <a:schemeClr val="tx1">
+                    <a:lumMod val="75000"/>
+                    <a:lumOff val="25000"/>
+                  </a:schemeClr>
+                </a:solidFill>
+                <a:latin typeface="Noto Sans CJK KR Black" pitchFamily="34" charset="-127"/>
+                <a:ea typeface="Noto Sans CJK KR Black" pitchFamily="34" charset="-127"/>
+              </a:rPr>
+              <a:t>1. </a:t>
+            </a:r>
+            <a:r>
+              <a:rPr lang="ko-KR" altLang="en-US" sz="4400" dirty="0">
+                <a:solidFill>
+                  <a:schemeClr val="tx1">
+                    <a:lumMod val="75000"/>
+                    <a:lumOff val="25000"/>
+                  </a:schemeClr>
+                </a:solidFill>
+                <a:latin typeface="Noto Sans CJK KR Black" pitchFamily="34" charset="-127"/>
+                <a:ea typeface="Noto Sans CJK KR Black" pitchFamily="34" charset="-127"/>
+              </a:rPr>
+              <a:t>학습방향과 알고리즘</a:t>
+            </a:r>
+            <a:endParaRPr lang="ko-KR" altLang="en-US" sz="4400" dirty="0">
+              <a:solidFill>
+                <a:schemeClr val="tx1">
+                  <a:lumMod val="75000"/>
+                  <a:lumOff val="25000"/>
+                </a:schemeClr>
+              </a:solidFill>
+            </a:endParaRPr>
+          </a:p>
+        </p:txBody>
+      </p:sp>
+      <p:sp>
+        <p:nvSpPr>
+          <p:cNvPr id="3" name="슬라이드 번호 개체 틀 2"/>
           <p:cNvSpPr>
             <a:spLocks noGrp="1"/>
           </p:cNvSpPr>
@@ -9917,166 +6654,40 @@
           </a:p>
         </p:txBody>
       </p:sp>
-      <p:sp>
-        <p:nvSpPr>
-          <p:cNvPr id="11" name="TextBox 10"/>
-          <p:cNvSpPr txBox="1"/>
+      <p:pic>
+        <p:nvPicPr>
+          <p:cNvPr id="4" name="그림 3">
+            <a:extLst>
+              <a:ext uri="{FF2B5EF4-FFF2-40B4-BE49-F238E27FC236}">
+                <a16:creationId xmlns:a16="http://schemas.microsoft.com/office/drawing/2014/main" id="{F933E4D9-E29D-4EB7-B12D-9C73DA03A449}"/>
+              </a:ext>
+            </a:extLst>
+          </p:cNvPr>
+          <p:cNvPicPr>
+            <a:picLocks noChangeAspect="1"/>
+          </p:cNvPicPr>
           <p:nvPr/>
-        </p:nvSpPr>
+        </p:nvPicPr>
+        <p:blipFill>
+          <a:blip r:embed="rId2"/>
+          <a:stretch>
+            <a:fillRect/>
+          </a:stretch>
+        </p:blipFill>
         <p:spPr>
           <a:xfrm>
-            <a:off x="542135" y="855851"/>
-            <a:ext cx="9786462" cy="2708434"/>
+            <a:off x="1798637" y="2058895"/>
+            <a:ext cx="8562975" cy="4495800"/>
           </a:xfrm>
           <a:prstGeom prst="rect">
             <a:avLst/>
           </a:prstGeom>
-          <a:solidFill>
-            <a:schemeClr val="bg1">
-              <a:lumMod val="65000"/>
-            </a:schemeClr>
-          </a:solidFill>
         </p:spPr>
-        <p:txBody>
-          <a:bodyPr wrap="square" lIns="0" tIns="0" rIns="0" bIns="0" rtlCol="0" anchor="t">
-            <a:spAutoFit/>
-          </a:bodyPr>
-          <a:lstStyle/>
-          <a:p>
-            <a:r>
-              <a:rPr lang="en-US" altLang="ko-KR" sz="4400" dirty="0">
-                <a:solidFill>
-                  <a:schemeClr val="bg1"/>
-                </a:solidFill>
-                <a:latin typeface="Noto Sans CJK KR Black" panose="020B0A00000000000000" pitchFamily="34" charset="-127"/>
-                <a:ea typeface="Noto Sans CJK KR Black" panose="020B0A00000000000000" pitchFamily="34" charset="-127"/>
-              </a:rPr>
-              <a:t>Part1: 2</a:t>
-            </a:r>
-            <a:r>
-              <a:rPr lang="ko-KR" altLang="en-US" sz="4400" dirty="0">
-                <a:solidFill>
-                  <a:schemeClr val="bg1"/>
-                </a:solidFill>
-                <a:latin typeface="Noto Sans CJK KR Black" panose="020B0A00000000000000" pitchFamily="34" charset="-127"/>
-                <a:ea typeface="Noto Sans CJK KR Black" panose="020B0A00000000000000" pitchFamily="34" charset="-127"/>
-              </a:rPr>
-              <a:t>회차 강의의 목적</a:t>
-            </a:r>
-            <a:r>
-              <a:rPr lang="en-US" altLang="ko-KR" sz="4400" dirty="0">
-                <a:solidFill>
-                  <a:schemeClr val="bg1"/>
-                </a:solidFill>
-                <a:latin typeface="Noto Sans CJK KR Black" panose="020B0A00000000000000" pitchFamily="34" charset="-127"/>
-                <a:ea typeface="Noto Sans CJK KR Black" panose="020B0A00000000000000" pitchFamily="34" charset="-127"/>
-              </a:rPr>
-              <a:t>.</a:t>
-            </a:r>
-          </a:p>
-          <a:p>
-            <a:endParaRPr lang="en-US" altLang="ko-KR" sz="4400" dirty="0">
-              <a:solidFill>
-                <a:schemeClr val="bg1"/>
-              </a:solidFill>
-              <a:latin typeface="Noto Sans CJK KR Black" panose="020B0A00000000000000" pitchFamily="34" charset="-127"/>
-              <a:ea typeface="Noto Sans CJK KR Black" panose="020B0A00000000000000" pitchFamily="34" charset="-127"/>
-            </a:endParaRPr>
-          </a:p>
-          <a:p>
-            <a:r>
-              <a:rPr lang="en-US" altLang="ko-KR" sz="4400" dirty="0">
-                <a:solidFill>
-                  <a:schemeClr val="bg1"/>
-                </a:solidFill>
-                <a:latin typeface="Noto Sans CJK KR Black" panose="020B0A00000000000000" pitchFamily="34" charset="-127"/>
-                <a:ea typeface="Noto Sans CJK KR Black" panose="020B0A00000000000000" pitchFamily="34" charset="-127"/>
-              </a:rPr>
-              <a:t>“</a:t>
-            </a:r>
-            <a:r>
-              <a:rPr lang="ko-KR" altLang="en-US" sz="4400" dirty="0">
-                <a:solidFill>
-                  <a:schemeClr val="bg1"/>
-                </a:solidFill>
-                <a:latin typeface="Noto Sans CJK KR Black" panose="020B0A00000000000000" pitchFamily="34" charset="-127"/>
-                <a:ea typeface="Noto Sans CJK KR Black" panose="020B0A00000000000000" pitchFamily="34" charset="-127"/>
-              </a:rPr>
-              <a:t>시계열 데이터 접근방법 리뷰 </a:t>
-            </a:r>
-            <a:endParaRPr lang="en-US" altLang="ko-KR" sz="4400" dirty="0">
-              <a:solidFill>
-                <a:schemeClr val="bg1"/>
-              </a:solidFill>
-              <a:latin typeface="Noto Sans CJK KR Black" panose="020B0A00000000000000" pitchFamily="34" charset="-127"/>
-              <a:ea typeface="Noto Sans CJK KR Black" panose="020B0A00000000000000" pitchFamily="34" charset="-127"/>
-            </a:endParaRPr>
-          </a:p>
-          <a:p>
-            <a:r>
-              <a:rPr lang="ko-KR" altLang="en-US" sz="4400" dirty="0">
-                <a:solidFill>
-                  <a:schemeClr val="bg1"/>
-                </a:solidFill>
-                <a:latin typeface="Noto Sans CJK KR Black" panose="020B0A00000000000000" pitchFamily="34" charset="-127"/>
-                <a:ea typeface="Noto Sans CJK KR Black" panose="020B0A00000000000000" pitchFamily="34" charset="-127"/>
-              </a:rPr>
-              <a:t>및 “분석초안” 실습 완성</a:t>
-            </a:r>
-            <a:r>
-              <a:rPr lang="en-US" altLang="ko-KR" sz="4400" dirty="0">
-                <a:solidFill>
-                  <a:schemeClr val="bg1"/>
-                </a:solidFill>
-                <a:latin typeface="Noto Sans CJK KR Black" panose="020B0A00000000000000" pitchFamily="34" charset="-127"/>
-                <a:ea typeface="Noto Sans CJK KR Black" panose="020B0A00000000000000" pitchFamily="34" charset="-127"/>
-              </a:rPr>
-              <a:t>”</a:t>
-            </a:r>
-          </a:p>
-        </p:txBody>
-      </p:sp>
-      <p:sp>
-        <p:nvSpPr>
-          <p:cNvPr id="12" name="TextBox 11"/>
-          <p:cNvSpPr txBox="1"/>
-          <p:nvPr/>
-        </p:nvSpPr>
-        <p:spPr>
-          <a:xfrm>
-            <a:off x="4783981" y="611957"/>
-            <a:ext cx="7056784" cy="216726"/>
-          </a:xfrm>
-          <a:prstGeom prst="rect">
-            <a:avLst/>
-          </a:prstGeom>
-          <a:noFill/>
-        </p:spPr>
-        <p:txBody>
-          <a:bodyPr wrap="square" lIns="0" tIns="0" rIns="0" bIns="0" rtlCol="0" anchor="t">
-            <a:spAutoFit/>
-          </a:bodyPr>
-          <a:lstStyle/>
-          <a:p>
-            <a:pPr>
-              <a:lnSpc>
-                <a:spcPct val="150000"/>
-              </a:lnSpc>
-            </a:pPr>
-            <a:endParaRPr lang="en-US" altLang="ko-KR" sz="1050" dirty="0">
-              <a:solidFill>
-                <a:schemeClr val="bg1"/>
-              </a:solidFill>
-              <a:latin typeface="Noto Sans CJK KR Medium" panose="020B0600000000000000" pitchFamily="34" charset="-127"/>
-              <a:ea typeface="Noto Sans CJK KR Medium" panose="020B0600000000000000" pitchFamily="34" charset="-127"/>
-            </a:endParaRPr>
-          </a:p>
-        </p:txBody>
-      </p:sp>
+      </p:pic>
     </p:spTree>
     <p:extLst>
       <p:ext uri="{BB962C8B-B14F-4D97-AF65-F5344CB8AC3E}">
-        <p14:creationId xmlns:p14="http://schemas.microsoft.com/office/powerpoint/2010/main" val="2256687601"/>
+        <p14:creationId xmlns:p14="http://schemas.microsoft.com/office/powerpoint/2010/main" val="2007244779"/>
       </p:ext>
     </p:extLst>
   </p:cSld>
@@ -10192,7 +6803,7 @@
           <p:cNvPr id="2" name="그림 1">
             <a:extLst>
               <a:ext uri="{FF2B5EF4-FFF2-40B4-BE49-F238E27FC236}">
-                <a16:creationId xmlns:a16="http://schemas.microsoft.com/office/drawing/2014/main" id="{6A0E81E0-0355-4581-8F62-E4F8CE2DDED0}"/>
+                <a16:creationId xmlns:a16="http://schemas.microsoft.com/office/drawing/2014/main" id="{8ACE6984-7CC7-4155-91C6-350316EFA38F}"/>
               </a:ext>
             </a:extLst>
           </p:cNvPr>
@@ -10209,8 +6820,8 @@
         </p:blipFill>
         <p:spPr>
           <a:xfrm>
-            <a:off x="1111573" y="1912043"/>
-            <a:ext cx="6480000" cy="2120294"/>
+            <a:off x="1965325" y="2340149"/>
+            <a:ext cx="8229600" cy="2876550"/>
           </a:xfrm>
           <a:prstGeom prst="rect">
             <a:avLst/>
@@ -10220,7 +6831,7 @@
     </p:spTree>
     <p:extLst>
       <p:ext uri="{BB962C8B-B14F-4D97-AF65-F5344CB8AC3E}">
-        <p14:creationId xmlns:p14="http://schemas.microsoft.com/office/powerpoint/2010/main" val="149154168"/>
+        <p14:creationId xmlns:p14="http://schemas.microsoft.com/office/powerpoint/2010/main" val="764317720"/>
       </p:ext>
     </p:extLst>
   </p:cSld>
@@ -10265,7 +6876,7 @@
         </p:spPr>
         <p:txBody>
           <a:bodyPr>
-            <a:normAutofit/>
+            <a:normAutofit fontScale="90000"/>
           </a:bodyPr>
           <a:lstStyle/>
           <a:p>
@@ -10294,7 +6905,32 @@
                 <a:latin typeface="Noto Sans CJK KR Black" pitchFamily="34" charset="-127"/>
                 <a:ea typeface="Noto Sans CJK KR Black" pitchFamily="34" charset="-127"/>
               </a:rPr>
-              <a:t>학습방향과 알고리즘</a:t>
+              <a:t>학습방향과 </a:t>
+            </a:r>
+            <a:br>
+              <a:rPr lang="en-US" altLang="ko-KR" sz="4400" dirty="0">
+                <a:solidFill>
+                  <a:schemeClr val="tx1">
+                    <a:lumMod val="75000"/>
+                    <a:lumOff val="25000"/>
+                  </a:schemeClr>
+                </a:solidFill>
+                <a:latin typeface="Noto Sans CJK KR Black" pitchFamily="34" charset="-127"/>
+                <a:ea typeface="Noto Sans CJK KR Black" pitchFamily="34" charset="-127"/>
+              </a:rPr>
+            </a:br>
+            <a:r>
+              <a:rPr lang="ko-KR" altLang="en-US" sz="4400" dirty="0">
+                <a:solidFill>
+                  <a:schemeClr val="tx1">
+                    <a:lumMod val="75000"/>
+                    <a:lumOff val="25000"/>
+                  </a:schemeClr>
+                </a:solidFill>
+                <a:latin typeface="Noto Sans CJK KR Black" pitchFamily="34" charset="-127"/>
+                <a:ea typeface="Noto Sans CJK KR Black" pitchFamily="34" charset="-127"/>
+              </a:rPr>
+              <a:t>알고리즘</a:t>
             </a:r>
             <a:endParaRPr lang="ko-KR" altLang="en-US" sz="4400" dirty="0">
               <a:solidFill>
@@ -10333,10 +6969,10 @@
       </p:sp>
       <p:pic>
         <p:nvPicPr>
-          <p:cNvPr id="2" name="그림 1">
+          <p:cNvPr id="4" name="그림 3">
             <a:extLst>
               <a:ext uri="{FF2B5EF4-FFF2-40B4-BE49-F238E27FC236}">
-                <a16:creationId xmlns:a16="http://schemas.microsoft.com/office/drawing/2014/main" id="{DAE747C0-B97F-487E-9C40-626ADDFF7DA4}"/>
+                <a16:creationId xmlns:a16="http://schemas.microsoft.com/office/drawing/2014/main" id="{035847F3-F381-4F43-9FB8-C6367BFB9692}"/>
               </a:ext>
             </a:extLst>
           </p:cNvPr>
@@ -10353,8 +6989,8 @@
         </p:blipFill>
         <p:spPr>
           <a:xfrm>
-            <a:off x="2480125" y="1442101"/>
-            <a:ext cx="7200000" cy="5383178"/>
+            <a:off x="3968750" y="355043"/>
+            <a:ext cx="8191500" cy="6381750"/>
           </a:xfrm>
           <a:prstGeom prst="rect">
             <a:avLst/>
@@ -10364,7 +7000,7 @@
     </p:spTree>
     <p:extLst>
       <p:ext uri="{BB962C8B-B14F-4D97-AF65-F5344CB8AC3E}">
-        <p14:creationId xmlns:p14="http://schemas.microsoft.com/office/powerpoint/2010/main" val="2007244779"/>
+        <p14:creationId xmlns:p14="http://schemas.microsoft.com/office/powerpoint/2010/main" val="142303438"/>
       </p:ext>
     </p:extLst>
   </p:cSld>
@@ -10393,66 +7029,6 @@
       </p:grpSpPr>
       <p:sp>
         <p:nvSpPr>
-          <p:cNvPr id="5" name="제목 4"/>
-          <p:cNvSpPr>
-            <a:spLocks noGrp="1"/>
-          </p:cNvSpPr>
-          <p:nvPr>
-            <p:ph type="title"/>
-          </p:nvPr>
-        </p:nvSpPr>
-        <p:spPr>
-          <a:xfrm>
-            <a:off x="608016" y="551987"/>
-            <a:ext cx="10944225" cy="1140090"/>
-          </a:xfrm>
-        </p:spPr>
-        <p:txBody>
-          <a:bodyPr>
-            <a:normAutofit/>
-          </a:bodyPr>
-          <a:lstStyle/>
-          <a:p>
-            <a:pPr algn="l"/>
-            <a:r>
-              <a:rPr lang="en-US" altLang="ko-KR" sz="4400" dirty="0">
-                <a:solidFill>
-                  <a:schemeClr val="tx1">
-                    <a:lumMod val="75000"/>
-                    <a:lumOff val="25000"/>
-                  </a:schemeClr>
-                </a:solidFill>
-                <a:latin typeface="Noto Sans CJK KR Black" pitchFamily="34" charset="-127"/>
-                <a:ea typeface="Noto Sans CJK KR Black" pitchFamily="34" charset="-127"/>
-              </a:rPr>
-              <a:t>1. </a:t>
-            </a:r>
-            <a:r>
-              <a:rPr lang="ko-KR" altLang="en-US" sz="4400" dirty="0">
-                <a:solidFill>
-                  <a:schemeClr val="tx1">
-                    <a:lumMod val="75000"/>
-                    <a:lumOff val="25000"/>
-                  </a:schemeClr>
-                </a:solidFill>
-                <a:latin typeface="Noto Sans CJK KR Black" pitchFamily="34" charset="-127"/>
-                <a:ea typeface="Noto Sans CJK KR Black" pitchFamily="34" charset="-127"/>
-              </a:rPr>
-              <a:t>학습방향과 알고리즘</a:t>
-            </a:r>
-            <a:endParaRPr lang="ko-KR" altLang="en-US" sz="4400" dirty="0">
-              <a:solidFill>
-                <a:schemeClr val="tx1">
-                  <a:lumMod val="75000"/>
-                  <a:lumOff val="25000"/>
-                </a:schemeClr>
-              </a:solidFill>
-            </a:endParaRPr>
-          </a:p>
-        </p:txBody>
-      </p:sp>
-      <p:sp>
-        <p:nvSpPr>
           <p:cNvPr id="3" name="슬라이드 번호 개체 틀 2"/>
           <p:cNvSpPr>
             <a:spLocks noGrp="1"/>
@@ -10480,7 +7056,7 @@
           <p:cNvPr id="4" name="그림 3">
             <a:extLst>
               <a:ext uri="{FF2B5EF4-FFF2-40B4-BE49-F238E27FC236}">
-                <a16:creationId xmlns:a16="http://schemas.microsoft.com/office/drawing/2014/main" id="{4A5E4577-EAB6-4377-85FC-E9F871047D77}"/>
+                <a16:creationId xmlns:a16="http://schemas.microsoft.com/office/drawing/2014/main" id="{E8314072-BC17-4826-A401-B121FB578090}"/>
               </a:ext>
             </a:extLst>
           </p:cNvPr>
@@ -10497,18 +7073,78 @@
         </p:blipFill>
         <p:spPr>
           <a:xfrm>
-            <a:off x="2480125" y="2399700"/>
-            <a:ext cx="7200000" cy="3265275"/>
+            <a:off x="831849" y="831729"/>
+            <a:ext cx="10496550" cy="6010275"/>
           </a:xfrm>
           <a:prstGeom prst="rect">
             <a:avLst/>
           </a:prstGeom>
         </p:spPr>
       </p:pic>
+      <p:sp>
+        <p:nvSpPr>
+          <p:cNvPr id="5" name="제목 4"/>
+          <p:cNvSpPr>
+            <a:spLocks noGrp="1"/>
+          </p:cNvSpPr>
+          <p:nvPr>
+            <p:ph type="title"/>
+          </p:nvPr>
+        </p:nvSpPr>
+        <p:spPr>
+          <a:xfrm>
+            <a:off x="2587983" y="-180131"/>
+            <a:ext cx="6984281" cy="1140090"/>
+          </a:xfrm>
+        </p:spPr>
+        <p:txBody>
+          <a:bodyPr>
+            <a:normAutofit/>
+          </a:bodyPr>
+          <a:lstStyle/>
+          <a:p>
+            <a:pPr algn="l"/>
+            <a:r>
+              <a:rPr lang="en-US" altLang="ko-KR" sz="4400" dirty="0">
+                <a:solidFill>
+                  <a:schemeClr val="tx1">
+                    <a:lumMod val="75000"/>
+                    <a:lumOff val="25000"/>
+                  </a:schemeClr>
+                </a:solidFill>
+                <a:latin typeface="Noto Sans CJK KR Black" pitchFamily="34" charset="-127"/>
+                <a:ea typeface="Noto Sans CJK KR Black" pitchFamily="34" charset="-127"/>
+              </a:rPr>
+              <a:t>1. </a:t>
+            </a:r>
+            <a:r>
+              <a:rPr lang="ko-KR" altLang="en-US" sz="4400" dirty="0">
+                <a:solidFill>
+                  <a:schemeClr val="tx1">
+                    <a:lumMod val="75000"/>
+                    <a:lumOff val="25000"/>
+                  </a:schemeClr>
+                </a:solidFill>
+                <a:latin typeface="Noto Sans CJK KR Black" pitchFamily="34" charset="-127"/>
+                <a:ea typeface="Noto Sans CJK KR Black" pitchFamily="34" charset="-127"/>
+              </a:rPr>
+              <a:t>학습방향과 알고리즘</a:t>
+            </a:r>
+            <a:endParaRPr lang="ko-KR" altLang="en-US" sz="4400" dirty="0">
+              <a:solidFill>
+                <a:schemeClr val="tx1">
+                  <a:lumMod val="75000"/>
+                  <a:lumOff val="25000"/>
+                </a:schemeClr>
+              </a:solidFill>
+            </a:endParaRPr>
+          </a:p>
+        </p:txBody>
+      </p:sp>
     </p:spTree>
     <p:extLst>
       <p:ext uri="{BB962C8B-B14F-4D97-AF65-F5344CB8AC3E}">
-        <p14:creationId xmlns:p14="http://schemas.microsoft.com/office/powerpoint/2010/main" val="764317720"/>
+        <p14:creationId xmlns:p14="http://schemas.microsoft.com/office/powerpoint/2010/main" val="2921779681"/>
       </p:ext>
     </p:extLst>
   </p:cSld>
@@ -10547,7 +7183,7 @@
         </p:nvSpPr>
         <p:spPr>
           <a:xfrm>
-            <a:off x="608016" y="551987"/>
+            <a:off x="608012" y="539949"/>
             <a:ext cx="10944225" cy="1140090"/>
           </a:xfrm>
         </p:spPr>
@@ -10621,10 +7257,10 @@
       </p:sp>
       <p:pic>
         <p:nvPicPr>
-          <p:cNvPr id="2" name="그림 1">
+          <p:cNvPr id="4" name="그림 3">
             <a:extLst>
               <a:ext uri="{FF2B5EF4-FFF2-40B4-BE49-F238E27FC236}">
-                <a16:creationId xmlns:a16="http://schemas.microsoft.com/office/drawing/2014/main" id="{80100852-6830-4E78-B9A1-42440481388C}"/>
+                <a16:creationId xmlns:a16="http://schemas.microsoft.com/office/drawing/2014/main" id="{56FAB8D4-97F8-4809-AE32-AD8A3FBDB17B}"/>
               </a:ext>
             </a:extLst>
           </p:cNvPr>
@@ -10641,8 +7277,8 @@
         </p:blipFill>
         <p:spPr>
           <a:xfrm>
-            <a:off x="6102765" y="753970"/>
-            <a:ext cx="5048250" cy="5800725"/>
+            <a:off x="827086" y="1562639"/>
+            <a:ext cx="10506075" cy="5248275"/>
           </a:xfrm>
           <a:prstGeom prst="rect">
             <a:avLst/>
@@ -10652,7 +7288,7 @@
     </p:spTree>
     <p:extLst>
       <p:ext uri="{BB962C8B-B14F-4D97-AF65-F5344CB8AC3E}">
-        <p14:creationId xmlns:p14="http://schemas.microsoft.com/office/powerpoint/2010/main" val="142303438"/>
+        <p14:creationId xmlns:p14="http://schemas.microsoft.com/office/powerpoint/2010/main" val="2826664145"/>
       </p:ext>
     </p:extLst>
   </p:cSld>
